--- a/Presentaton slide/HIT3061 SOFTWARE TEAM PROJECT week 11.pptx
+++ b/Presentaton slide/HIT3061 SOFTWARE TEAM PROJECT week 11.pptx
@@ -5,15 +5,21 @@
     <p:sldMasterId id="2147483648" r:id="rId1"/>
   </p:sldMasterIdLst>
   <p:notesMasterIdLst>
-    <p:notesMasterId r:id="rId8"/>
+    <p:notesMasterId r:id="rId14"/>
   </p:notesMasterIdLst>
   <p:sldIdLst>
     <p:sldId id="291" r:id="rId2"/>
     <p:sldId id="292" r:id="rId3"/>
     <p:sldId id="294" r:id="rId4"/>
     <p:sldId id="293" r:id="rId5"/>
-    <p:sldId id="295" r:id="rId6"/>
-    <p:sldId id="313" r:id="rId7"/>
+    <p:sldId id="320" r:id="rId6"/>
+    <p:sldId id="314" r:id="rId7"/>
+    <p:sldId id="318" r:id="rId8"/>
+    <p:sldId id="319" r:id="rId9"/>
+    <p:sldId id="295" r:id="rId10"/>
+    <p:sldId id="315" r:id="rId11"/>
+    <p:sldId id="316" r:id="rId12"/>
+    <p:sldId id="313" r:id="rId13"/>
   </p:sldIdLst>
   <p:sldSz cx="9144000" cy="6858000" type="screen4x3"/>
   <p:notesSz cx="6858000" cy="9144000"/>
@@ -198,7 +204,7 @@
             <a:fld id="{4BDC485C-C49A-4366-A320-D4D420BCC7DA}" type="datetimeFigureOut">
               <a:rPr lang="en-AU" smtClean="0"/>
               <a:pPr/>
-              <a:t>9/09/13</a:t>
+              <a:t>22/10/13</a:t>
             </a:fld>
             <a:endParaRPr lang="en-AU"/>
           </a:p>
@@ -649,7 +655,7 @@
             <a:fld id="{CF629A08-2B0F-4620-BF31-E09740D255D1}" type="datetimeFigureOut">
               <a:rPr lang="zh-CN" altLang="en-US" smtClean="0"/>
               <a:pPr/>
-              <a:t>9/09/13</a:t>
+              <a:t>22/10/13</a:t>
             </a:fld>
             <a:endParaRPr lang="zh-CN" altLang="en-US"/>
           </a:p>
@@ -821,7 +827,7 @@
             <a:fld id="{CF629A08-2B0F-4620-BF31-E09740D255D1}" type="datetimeFigureOut">
               <a:rPr lang="zh-CN" altLang="en-US" smtClean="0"/>
               <a:pPr/>
-              <a:t>9/09/13</a:t>
+              <a:t>22/10/13</a:t>
             </a:fld>
             <a:endParaRPr lang="zh-CN" altLang="en-US"/>
           </a:p>
@@ -1003,7 +1009,7 @@
             <a:fld id="{CF629A08-2B0F-4620-BF31-E09740D255D1}" type="datetimeFigureOut">
               <a:rPr lang="zh-CN" altLang="en-US" smtClean="0"/>
               <a:pPr/>
-              <a:t>9/09/13</a:t>
+              <a:t>22/10/13</a:t>
             </a:fld>
             <a:endParaRPr lang="zh-CN" altLang="en-US"/>
           </a:p>
@@ -1175,7 +1181,7 @@
             <a:fld id="{CF629A08-2B0F-4620-BF31-E09740D255D1}" type="datetimeFigureOut">
               <a:rPr lang="zh-CN" altLang="en-US" smtClean="0"/>
               <a:pPr/>
-              <a:t>9/09/13</a:t>
+              <a:t>22/10/13</a:t>
             </a:fld>
             <a:endParaRPr lang="zh-CN" altLang="en-US"/>
           </a:p>
@@ -1423,7 +1429,7 @@
             <a:fld id="{CF629A08-2B0F-4620-BF31-E09740D255D1}" type="datetimeFigureOut">
               <a:rPr lang="zh-CN" altLang="en-US" smtClean="0"/>
               <a:pPr/>
-              <a:t>9/09/13</a:t>
+              <a:t>22/10/13</a:t>
             </a:fld>
             <a:endParaRPr lang="zh-CN" altLang="en-US"/>
           </a:p>
@@ -1713,7 +1719,7 @@
             <a:fld id="{CF629A08-2B0F-4620-BF31-E09740D255D1}" type="datetimeFigureOut">
               <a:rPr lang="zh-CN" altLang="en-US" smtClean="0"/>
               <a:pPr/>
-              <a:t>9/09/13</a:t>
+              <a:t>22/10/13</a:t>
             </a:fld>
             <a:endParaRPr lang="zh-CN" altLang="en-US"/>
           </a:p>
@@ -2137,7 +2143,7 @@
             <a:fld id="{CF629A08-2B0F-4620-BF31-E09740D255D1}" type="datetimeFigureOut">
               <a:rPr lang="zh-CN" altLang="en-US" smtClean="0"/>
               <a:pPr/>
-              <a:t>9/09/13</a:t>
+              <a:t>22/10/13</a:t>
             </a:fld>
             <a:endParaRPr lang="zh-CN" altLang="en-US"/>
           </a:p>
@@ -2257,7 +2263,7 @@
             <a:fld id="{CF629A08-2B0F-4620-BF31-E09740D255D1}" type="datetimeFigureOut">
               <a:rPr lang="zh-CN" altLang="en-US" smtClean="0"/>
               <a:pPr/>
-              <a:t>9/09/13</a:t>
+              <a:t>22/10/13</a:t>
             </a:fld>
             <a:endParaRPr lang="zh-CN" altLang="en-US"/>
           </a:p>
@@ -2354,7 +2360,7 @@
             <a:fld id="{CF629A08-2B0F-4620-BF31-E09740D255D1}" type="datetimeFigureOut">
               <a:rPr lang="zh-CN" altLang="en-US" smtClean="0"/>
               <a:pPr/>
-              <a:t>9/09/13</a:t>
+              <a:t>22/10/13</a:t>
             </a:fld>
             <a:endParaRPr lang="zh-CN" altLang="en-US"/>
           </a:p>
@@ -2633,7 +2639,7 @@
             <a:fld id="{CF629A08-2B0F-4620-BF31-E09740D255D1}" type="datetimeFigureOut">
               <a:rPr lang="zh-CN" altLang="en-US" smtClean="0"/>
               <a:pPr/>
-              <a:t>9/09/13</a:t>
+              <a:t>22/10/13</a:t>
             </a:fld>
             <a:endParaRPr lang="zh-CN" altLang="en-US"/>
           </a:p>
@@ -2892,7 +2898,7 @@
             <a:fld id="{CF629A08-2B0F-4620-BF31-E09740D255D1}" type="datetimeFigureOut">
               <a:rPr lang="zh-CN" altLang="en-US" smtClean="0"/>
               <a:pPr/>
-              <a:t>9/09/13</a:t>
+              <a:t>22/10/13</a:t>
             </a:fld>
             <a:endParaRPr lang="zh-CN" altLang="en-US"/>
           </a:p>
@@ -3110,7 +3116,7 @@
             <a:fld id="{CF629A08-2B0F-4620-BF31-E09740D255D1}" type="datetimeFigureOut">
               <a:rPr lang="zh-CN" altLang="en-US" smtClean="0"/>
               <a:pPr/>
-              <a:t>9/09/13</a:t>
+              <a:t>22/10/13</a:t>
             </a:fld>
             <a:endParaRPr lang="zh-CN" altLang="en-US"/>
           </a:p>
@@ -3577,16 +3583,7 @@
                 </a:solidFill>
                 <a:latin typeface="+mn-lt"/>
               </a:rPr>
-              <a:t> </a:t>
-            </a:r>
-            <a:r>
-              <a:rPr lang="en-US" sz="5400" b="1" dirty="0" smtClean="0">
-                <a:solidFill>
-                  <a:srgbClr val="FFFFFF"/>
-                </a:solidFill>
-                <a:latin typeface="+mn-lt"/>
-              </a:rPr>
-              <a:t> - </a:t>
+              <a:t>  - </a:t>
             </a:r>
             <a:r>
               <a:rPr lang="en-US" sz="5400" b="1" dirty="0" smtClean="0">
@@ -3607,49 +3604,7 @@
                 <a:ea typeface="+mn-ea"/>
                 <a:cs typeface="+mn-cs"/>
               </a:rPr>
-              <a:t>SOFTWARE </a:t>
-            </a:r>
-            <a:r>
-              <a:rPr lang="en-US" sz="5400" b="1" dirty="0" smtClean="0">
-                <a:ln w="0">
-                  <a:noFill/>
-                </a:ln>
-                <a:solidFill>
-                  <a:srgbClr val="FFFFFF"/>
-                </a:solidFill>
-                <a:effectLst>
-                  <a:outerShdw blurRad="38100" sx="102000" sy="102000" algn="ctr" rotWithShape="0">
-                    <a:prstClr val="black">
-                      <a:alpha val="65000"/>
-                    </a:prstClr>
-                  </a:outerShdw>
-                </a:effectLst>
-                <a:latin typeface="+mn-lt"/>
-                <a:ea typeface="+mn-ea"/>
-                <a:cs typeface="+mn-cs"/>
-              </a:rPr>
-              <a:t>TEAM </a:t>
-            </a:r>
-            <a:r>
-              <a:rPr lang="en-US" sz="5400" b="1" dirty="0" smtClean="0">
-                <a:ln w="0">
-                  <a:noFill/>
-                </a:ln>
-                <a:solidFill>
-                  <a:srgbClr val="FFFFFF"/>
-                </a:solidFill>
-                <a:effectLst>
-                  <a:outerShdw blurRad="38100" sx="102000" sy="102000" algn="ctr" rotWithShape="0">
-                    <a:prstClr val="black">
-                      <a:alpha val="65000"/>
-                    </a:prstClr>
-                  </a:outerShdw>
-                </a:effectLst>
-                <a:latin typeface="+mn-lt"/>
-                <a:ea typeface="+mn-ea"/>
-                <a:cs typeface="+mn-cs"/>
-              </a:rPr>
-              <a:t>PROJECT</a:t>
+              <a:t>SOFTWARE TEAM PROJECT</a:t>
             </a:r>
             <a:endParaRPr lang="en-US" sz="5400" b="1" dirty="0">
               <a:ln w="0">
@@ -4126,6 +4081,589 @@
         </p:txBody>
       </p:sp>
     </p:spTree>
+  </p:cSld>
+  <p:clrMapOvr>
+    <a:masterClrMapping/>
+  </p:clrMapOvr>
+  <p:timing>
+    <p:tnLst>
+      <p:par>
+        <p:cTn xmlns:p14="http://schemas.microsoft.com/office/powerpoint/2010/main" id="1" dur="indefinite" restart="never" nodeType="tmRoot"/>
+      </p:par>
+    </p:tnLst>
+  </p:timing>
+</p:sld>
+</file>
+
+<file path=ppt/slides/slide10.xml><?xml version="1.0" encoding="utf-8"?>
+<p:sld xmlns:a="http://schemas.openxmlformats.org/drawingml/2006/main" xmlns:r="http://schemas.openxmlformats.org/officeDocument/2006/relationships" xmlns:p="http://schemas.openxmlformats.org/presentationml/2006/main">
+  <p:cSld>
+    <p:spTree>
+      <p:nvGrpSpPr>
+        <p:cNvPr id="1" name=""/>
+        <p:cNvGrpSpPr/>
+        <p:nvPr/>
+      </p:nvGrpSpPr>
+      <p:grpSpPr>
+        <a:xfrm>
+          <a:off x="0" y="0"/>
+          <a:ext cx="0" cy="0"/>
+          <a:chOff x="0" y="0"/>
+          <a:chExt cx="0" cy="0"/>
+        </a:xfrm>
+      </p:grpSpPr>
+      <p:grpSp>
+        <p:nvGrpSpPr>
+          <p:cNvPr id="2" name="Group 5"/>
+          <p:cNvGrpSpPr/>
+          <p:nvPr/>
+        </p:nvGrpSpPr>
+        <p:grpSpPr>
+          <a:xfrm>
+            <a:off x="0" y="0"/>
+            <a:ext cx="9144000" cy="6858000"/>
+            <a:chOff x="0" y="0"/>
+            <a:chExt cx="9144000" cy="6858000"/>
+          </a:xfrm>
+        </p:grpSpPr>
+        <p:pic>
+          <p:nvPicPr>
+            <p:cNvPr id="4" name="Picture 2" descr="D:\我的资料\website\KentCov_org  Mobile_files\bg.jpg"/>
+            <p:cNvPicPr>
+              <a:picLocks noChangeAspect="1" noChangeArrowheads="1"/>
+            </p:cNvPicPr>
+            <p:nvPr/>
+          </p:nvPicPr>
+          <p:blipFill>
+            <a:blip r:embed="rId2" cstate="print">
+              <a:extLst>
+                <a:ext uri="{28A0092B-C50C-407E-A947-70E740481C1C}">
+                  <a14:useLocalDpi xmlns:a14="http://schemas.microsoft.com/office/drawing/2010/main"/>
+                </a:ext>
+              </a:extLst>
+            </a:blip>
+            <a:srcRect/>
+            <a:stretch>
+              <a:fillRect/>
+            </a:stretch>
+          </p:blipFill>
+          <p:spPr bwMode="auto">
+            <a:xfrm>
+              <a:off x="0" y="0"/>
+              <a:ext cx="9144000" cy="5579269"/>
+            </a:xfrm>
+            <a:prstGeom prst="rect">
+              <a:avLst/>
+            </a:prstGeom>
+            <a:noFill/>
+            <a:extLst>
+              <a:ext uri="{909E8E84-426E-40dd-AFC4-6F175D3DCCD1}">
+                <a14:hiddenFill xmlns:a14="http://schemas.microsoft.com/office/drawing/2010/main">
+                  <a:solidFill>
+                    <a:srgbClr val="FFFFFF"/>
+                  </a:solidFill>
+                </a14:hiddenFill>
+              </a:ext>
+            </a:extLst>
+          </p:spPr>
+        </p:pic>
+        <p:sp>
+          <p:nvSpPr>
+            <p:cNvPr id="5" name="矩形 4"/>
+            <p:cNvSpPr/>
+            <p:nvPr/>
+          </p:nvSpPr>
+          <p:spPr>
+            <a:xfrm>
+              <a:off x="0" y="5579268"/>
+              <a:ext cx="9144000" cy="1278732"/>
+            </a:xfrm>
+            <a:prstGeom prst="rect">
+              <a:avLst/>
+            </a:prstGeom>
+            <a:solidFill>
+              <a:schemeClr val="tx1"/>
+            </a:solidFill>
+            <a:ln>
+              <a:noFill/>
+            </a:ln>
+          </p:spPr>
+          <p:style>
+            <a:lnRef idx="2">
+              <a:schemeClr val="accent1">
+                <a:shade val="50000"/>
+              </a:schemeClr>
+            </a:lnRef>
+            <a:fillRef idx="1">
+              <a:schemeClr val="accent1"/>
+            </a:fillRef>
+            <a:effectRef idx="0">
+              <a:schemeClr val="accent1"/>
+            </a:effectRef>
+            <a:fontRef idx="minor">
+              <a:schemeClr val="lt1"/>
+            </a:fontRef>
+          </p:style>
+          <p:txBody>
+            <a:bodyPr rtlCol="0" anchor="ctr"/>
+            <a:lstStyle/>
+            <a:p>
+              <a:pPr algn="ctr"/>
+              <a:endParaRPr lang="zh-CN" altLang="en-US">
+                <a:solidFill>
+                  <a:srgbClr val="FFFFFF"/>
+                </a:solidFill>
+              </a:endParaRPr>
+            </a:p>
+          </p:txBody>
+        </p:sp>
+      </p:grpSp>
+      <p:sp>
+        <p:nvSpPr>
+          <p:cNvPr id="8" name="Title 1"/>
+          <p:cNvSpPr txBox="1">
+            <a:spLocks/>
+          </p:cNvSpPr>
+          <p:nvPr/>
+        </p:nvSpPr>
+        <p:spPr>
+          <a:xfrm>
+            <a:off x="292289" y="464024"/>
+            <a:ext cx="6260911" cy="685799"/>
+          </a:xfrm>
+          <a:prstGeom prst="rect">
+            <a:avLst/>
+          </a:prstGeom>
+        </p:spPr>
+        <p:txBody>
+          <a:bodyPr vert="horz" lIns="91440" tIns="45720" rIns="91440" bIns="45720" rtlCol="0" anchor="ctr">
+            <a:noAutofit/>
+          </a:bodyPr>
+          <a:lstStyle/>
+          <a:p>
+            <a:pPr marL="0" marR="0" lvl="0" indent="0" algn="ctr" defTabSz="914400" rtl="0" eaLnBrk="1" fontAlgn="auto" latinLnBrk="0" hangingPunct="1">
+              <a:lnSpc>
+                <a:spcPct val="100000"/>
+              </a:lnSpc>
+              <a:spcBef>
+                <a:spcPct val="0"/>
+              </a:spcBef>
+              <a:spcAft>
+                <a:spcPts val="0"/>
+              </a:spcAft>
+              <a:buClrTx/>
+              <a:buSzTx/>
+              <a:buFontTx/>
+              <a:buNone/>
+              <a:tabLst/>
+              <a:defRPr/>
+            </a:pPr>
+            <a:r>
+              <a:rPr lang="en-US" sz="4600" b="1" dirty="0" smtClean="0">
+                <a:ln w="0">
+                  <a:noFill/>
+                </a:ln>
+                <a:solidFill>
+                  <a:srgbClr val="FFFFFF"/>
+                </a:solidFill>
+                <a:effectLst>
+                  <a:outerShdw blurRad="38100" sx="102000" sy="102000" algn="ctr" rotWithShape="0">
+                    <a:prstClr val="black">
+                      <a:alpha val="65000"/>
+                    </a:prstClr>
+                  </a:outerShdw>
+                </a:effectLst>
+                <a:latin typeface="Komika Parch" pitchFamily="2" charset="0"/>
+              </a:rPr>
+              <a:t>Function Testing</a:t>
+            </a:r>
+            <a:endParaRPr lang="en-US" sz="4600" b="1" dirty="0">
+              <a:ln w="0">
+                <a:noFill/>
+              </a:ln>
+              <a:solidFill>
+                <a:srgbClr val="FFFFFF"/>
+              </a:solidFill>
+              <a:effectLst>
+                <a:outerShdw blurRad="38100" sx="102000" sy="102000" algn="ctr" rotWithShape="0">
+                  <a:prstClr val="black">
+                    <a:alpha val="65000"/>
+                  </a:prstClr>
+                </a:outerShdw>
+              </a:effectLst>
+              <a:latin typeface="Komika Parch" pitchFamily="2" charset="0"/>
+            </a:endParaRPr>
+          </a:p>
+        </p:txBody>
+      </p:sp>
+    </p:spTree>
+    <p:extLst>
+      <p:ext uri="{BB962C8B-B14F-4D97-AF65-F5344CB8AC3E}">
+        <p14:creationId xmlns:p14="http://schemas.microsoft.com/office/powerpoint/2010/main" val="925010554"/>
+      </p:ext>
+    </p:extLst>
+  </p:cSld>
+  <p:clrMapOvr>
+    <a:masterClrMapping/>
+  </p:clrMapOvr>
+  <p:timing>
+    <p:tnLst>
+      <p:par>
+        <p:cTn xmlns:p14="http://schemas.microsoft.com/office/powerpoint/2010/main" id="1" dur="indefinite" restart="never" nodeType="tmRoot"/>
+      </p:par>
+    </p:tnLst>
+  </p:timing>
+</p:sld>
+</file>
+
+<file path=ppt/slides/slide11.xml><?xml version="1.0" encoding="utf-8"?>
+<p:sld xmlns:a="http://schemas.openxmlformats.org/drawingml/2006/main" xmlns:r="http://schemas.openxmlformats.org/officeDocument/2006/relationships" xmlns:p="http://schemas.openxmlformats.org/presentationml/2006/main">
+  <p:cSld>
+    <p:spTree>
+      <p:nvGrpSpPr>
+        <p:cNvPr id="1" name=""/>
+        <p:cNvGrpSpPr/>
+        <p:nvPr/>
+      </p:nvGrpSpPr>
+      <p:grpSpPr>
+        <a:xfrm>
+          <a:off x="0" y="0"/>
+          <a:ext cx="0" cy="0"/>
+          <a:chOff x="0" y="0"/>
+          <a:chExt cx="0" cy="0"/>
+        </a:xfrm>
+      </p:grpSpPr>
+      <p:grpSp>
+        <p:nvGrpSpPr>
+          <p:cNvPr id="2" name="Group 5"/>
+          <p:cNvGrpSpPr/>
+          <p:nvPr/>
+        </p:nvGrpSpPr>
+        <p:grpSpPr>
+          <a:xfrm>
+            <a:off x="0" y="0"/>
+            <a:ext cx="9144000" cy="6858000"/>
+            <a:chOff x="0" y="0"/>
+            <a:chExt cx="9144000" cy="6858000"/>
+          </a:xfrm>
+        </p:grpSpPr>
+        <p:pic>
+          <p:nvPicPr>
+            <p:cNvPr id="4" name="Picture 2" descr="D:\我的资料\website\KentCov_org  Mobile_files\bg.jpg"/>
+            <p:cNvPicPr>
+              <a:picLocks noChangeAspect="1" noChangeArrowheads="1"/>
+            </p:cNvPicPr>
+            <p:nvPr/>
+          </p:nvPicPr>
+          <p:blipFill>
+            <a:blip r:embed="rId2" cstate="print">
+              <a:extLst>
+                <a:ext uri="{28A0092B-C50C-407E-A947-70E740481C1C}">
+                  <a14:useLocalDpi xmlns:a14="http://schemas.microsoft.com/office/drawing/2010/main"/>
+                </a:ext>
+              </a:extLst>
+            </a:blip>
+            <a:srcRect/>
+            <a:stretch>
+              <a:fillRect/>
+            </a:stretch>
+          </p:blipFill>
+          <p:spPr bwMode="auto">
+            <a:xfrm>
+              <a:off x="0" y="0"/>
+              <a:ext cx="9144000" cy="5579269"/>
+            </a:xfrm>
+            <a:prstGeom prst="rect">
+              <a:avLst/>
+            </a:prstGeom>
+            <a:noFill/>
+            <a:extLst>
+              <a:ext uri="{909E8E84-426E-40dd-AFC4-6F175D3DCCD1}">
+                <a14:hiddenFill xmlns:a14="http://schemas.microsoft.com/office/drawing/2010/main">
+                  <a:solidFill>
+                    <a:srgbClr val="FFFFFF"/>
+                  </a:solidFill>
+                </a14:hiddenFill>
+              </a:ext>
+            </a:extLst>
+          </p:spPr>
+        </p:pic>
+        <p:sp>
+          <p:nvSpPr>
+            <p:cNvPr id="5" name="矩形 4"/>
+            <p:cNvSpPr/>
+            <p:nvPr/>
+          </p:nvSpPr>
+          <p:spPr>
+            <a:xfrm>
+              <a:off x="0" y="5579268"/>
+              <a:ext cx="9144000" cy="1278732"/>
+            </a:xfrm>
+            <a:prstGeom prst="rect">
+              <a:avLst/>
+            </a:prstGeom>
+            <a:solidFill>
+              <a:schemeClr val="tx1"/>
+            </a:solidFill>
+            <a:ln>
+              <a:noFill/>
+            </a:ln>
+          </p:spPr>
+          <p:style>
+            <a:lnRef idx="2">
+              <a:schemeClr val="accent1">
+                <a:shade val="50000"/>
+              </a:schemeClr>
+            </a:lnRef>
+            <a:fillRef idx="1">
+              <a:schemeClr val="accent1"/>
+            </a:fillRef>
+            <a:effectRef idx="0">
+              <a:schemeClr val="accent1"/>
+            </a:effectRef>
+            <a:fontRef idx="minor">
+              <a:schemeClr val="lt1"/>
+            </a:fontRef>
+          </p:style>
+          <p:txBody>
+            <a:bodyPr rtlCol="0" anchor="ctr"/>
+            <a:lstStyle/>
+            <a:p>
+              <a:pPr algn="ctr"/>
+              <a:endParaRPr lang="zh-CN" altLang="en-US">
+                <a:solidFill>
+                  <a:srgbClr val="FFFFFF"/>
+                </a:solidFill>
+              </a:endParaRPr>
+            </a:p>
+          </p:txBody>
+        </p:sp>
+      </p:grpSp>
+      <p:sp>
+        <p:nvSpPr>
+          <p:cNvPr id="8" name="Title 1"/>
+          <p:cNvSpPr txBox="1">
+            <a:spLocks/>
+          </p:cNvSpPr>
+          <p:nvPr/>
+        </p:nvSpPr>
+        <p:spPr>
+          <a:xfrm>
+            <a:off x="292289" y="464024"/>
+            <a:ext cx="4660711" cy="685799"/>
+          </a:xfrm>
+          <a:prstGeom prst="rect">
+            <a:avLst/>
+          </a:prstGeom>
+        </p:spPr>
+        <p:txBody>
+          <a:bodyPr vert="horz" lIns="91440" tIns="45720" rIns="91440" bIns="45720" rtlCol="0" anchor="ctr">
+            <a:noAutofit/>
+          </a:bodyPr>
+          <a:lstStyle/>
+          <a:p>
+            <a:pPr marL="0" marR="0" lvl="0" indent="0" algn="ctr" defTabSz="914400" rtl="0" eaLnBrk="1" fontAlgn="auto" latinLnBrk="0" hangingPunct="1">
+              <a:lnSpc>
+                <a:spcPct val="100000"/>
+              </a:lnSpc>
+              <a:spcBef>
+                <a:spcPct val="0"/>
+              </a:spcBef>
+              <a:spcAft>
+                <a:spcPts val="0"/>
+              </a:spcAft>
+              <a:buClrTx/>
+              <a:buSzTx/>
+              <a:buFontTx/>
+              <a:buNone/>
+              <a:tabLst/>
+              <a:defRPr/>
+            </a:pPr>
+            <a:r>
+              <a:rPr lang="en-US" sz="4600" b="1" dirty="0" smtClean="0">
+                <a:ln w="0">
+                  <a:noFill/>
+                </a:ln>
+                <a:solidFill>
+                  <a:srgbClr val="FFFFFF"/>
+                </a:solidFill>
+                <a:effectLst>
+                  <a:outerShdw blurRad="38100" sx="102000" sy="102000" algn="ctr" rotWithShape="0">
+                    <a:prstClr val="black">
+                      <a:alpha val="65000"/>
+                    </a:prstClr>
+                  </a:outerShdw>
+                </a:effectLst>
+                <a:latin typeface="Komika Parch" pitchFamily="2" charset="0"/>
+              </a:rPr>
+              <a:t>Future Plan</a:t>
+            </a:r>
+            <a:endParaRPr lang="en-US" sz="4600" b="1" dirty="0">
+              <a:ln w="0">
+                <a:noFill/>
+              </a:ln>
+              <a:solidFill>
+                <a:srgbClr val="FFFFFF"/>
+              </a:solidFill>
+              <a:effectLst>
+                <a:outerShdw blurRad="38100" sx="102000" sy="102000" algn="ctr" rotWithShape="0">
+                  <a:prstClr val="black">
+                    <a:alpha val="65000"/>
+                  </a:prstClr>
+                </a:outerShdw>
+              </a:effectLst>
+              <a:latin typeface="Komika Parch" pitchFamily="2" charset="0"/>
+            </a:endParaRPr>
+          </a:p>
+        </p:txBody>
+      </p:sp>
+    </p:spTree>
+    <p:extLst>
+      <p:ext uri="{BB962C8B-B14F-4D97-AF65-F5344CB8AC3E}">
+        <p14:creationId xmlns:p14="http://schemas.microsoft.com/office/powerpoint/2010/main" val="925010554"/>
+      </p:ext>
+    </p:extLst>
+  </p:cSld>
+  <p:clrMapOvr>
+    <a:masterClrMapping/>
+  </p:clrMapOvr>
+  <p:timing>
+    <p:tnLst>
+      <p:par>
+        <p:cTn xmlns:p14="http://schemas.microsoft.com/office/powerpoint/2010/main" id="1" dur="indefinite" restart="never" nodeType="tmRoot"/>
+      </p:par>
+    </p:tnLst>
+  </p:timing>
+</p:sld>
+</file>
+
+<file path=ppt/slides/slide12.xml><?xml version="1.0" encoding="utf-8"?>
+<p:sld xmlns:a="http://schemas.openxmlformats.org/drawingml/2006/main" xmlns:r="http://schemas.openxmlformats.org/officeDocument/2006/relationships" xmlns:p="http://schemas.openxmlformats.org/presentationml/2006/main">
+  <p:cSld>
+    <p:spTree>
+      <p:nvGrpSpPr>
+        <p:cNvPr id="1" name=""/>
+        <p:cNvGrpSpPr/>
+        <p:nvPr/>
+      </p:nvGrpSpPr>
+      <p:grpSpPr>
+        <a:xfrm>
+          <a:off x="0" y="0"/>
+          <a:ext cx="0" cy="0"/>
+          <a:chOff x="0" y="0"/>
+          <a:chExt cx="0" cy="0"/>
+        </a:xfrm>
+      </p:grpSpPr>
+      <p:pic>
+        <p:nvPicPr>
+          <p:cNvPr id="4" name="Picture 2" descr="D:\我的资料\website\KentCov_org  Mobile_files\bg.jpg"/>
+          <p:cNvPicPr>
+            <a:picLocks noChangeAspect="1" noChangeArrowheads="1"/>
+          </p:cNvPicPr>
+          <p:nvPr/>
+        </p:nvPicPr>
+        <p:blipFill>
+          <a:blip r:embed="rId2" cstate="print">
+            <a:extLst>
+              <a:ext uri="{28A0092B-C50C-407E-A947-70E740481C1C}">
+                <a14:useLocalDpi xmlns:a14="http://schemas.microsoft.com/office/drawing/2010/main"/>
+              </a:ext>
+            </a:extLst>
+          </a:blip>
+          <a:srcRect/>
+          <a:stretch>
+            <a:fillRect/>
+          </a:stretch>
+        </p:blipFill>
+        <p:spPr bwMode="auto">
+          <a:xfrm>
+            <a:off x="0" y="0"/>
+            <a:ext cx="9144000" cy="5579269"/>
+          </a:xfrm>
+          <a:prstGeom prst="rect">
+            <a:avLst/>
+          </a:prstGeom>
+          <a:noFill/>
+          <a:extLst>
+            <a:ext uri="{909E8E84-426E-40dd-AFC4-6F175D3DCCD1}">
+              <a14:hiddenFill xmlns:a14="http://schemas.microsoft.com/office/drawing/2010/main">
+                <a:solidFill>
+                  <a:srgbClr val="FFFFFF"/>
+                </a:solidFill>
+              </a14:hiddenFill>
+            </a:ext>
+          </a:extLst>
+        </p:spPr>
+      </p:pic>
+      <p:sp>
+        <p:nvSpPr>
+          <p:cNvPr id="9" name="矩形 8"/>
+          <p:cNvSpPr/>
+          <p:nvPr/>
+        </p:nvSpPr>
+        <p:spPr>
+          <a:xfrm>
+            <a:off x="1524000" y="2334161"/>
+            <a:ext cx="6163097" cy="1323439"/>
+          </a:xfrm>
+          <a:prstGeom prst="rect">
+            <a:avLst/>
+          </a:prstGeom>
+          <a:noFill/>
+        </p:spPr>
+        <p:txBody>
+          <a:bodyPr wrap="none" lIns="91440" tIns="45720" rIns="91440" bIns="45720">
+            <a:spAutoFit/>
+            <a:scene3d>
+              <a:camera prst="orthographicFront">
+                <a:rot lat="0" lon="0" rev="0"/>
+              </a:camera>
+              <a:lightRig rig="contrasting" dir="t">
+                <a:rot lat="0" lon="0" rev="4500000"/>
+              </a:lightRig>
+            </a:scene3d>
+            <a:sp3d contourW="6350" prstMaterial="metal">
+              <a:bevelT w="127000" h="31750" prst="relaxedInset"/>
+              <a:contourClr>
+                <a:schemeClr val="accent1">
+                  <a:shade val="75000"/>
+                </a:schemeClr>
+              </a:contourClr>
+            </a:sp3d>
+          </a:bodyPr>
+          <a:lstStyle/>
+          <a:p>
+            <a:pPr algn="ctr"/>
+            <a:r>
+              <a:rPr lang="en-US" altLang="zh-CN" sz="8000" b="1" cap="all" dirty="0" smtClean="0">
+                <a:ln w="0"/>
+                <a:solidFill>
+                  <a:schemeClr val="bg1"/>
+                </a:solidFill>
+                <a:effectLst>
+                  <a:reflection blurRad="12700" stA="50000" endPos="50000" dist="5000" dir="5400000" sy="-100000" rotWithShape="0"/>
+                </a:effectLst>
+              </a:rPr>
+              <a:t>QUESTIONS!!!</a:t>
+            </a:r>
+            <a:endParaRPr lang="zh-CN" altLang="en-US" sz="8000" b="1" cap="all" dirty="0">
+              <a:ln w="0"/>
+              <a:solidFill>
+                <a:schemeClr val="bg1"/>
+              </a:solidFill>
+              <a:effectLst>
+                <a:reflection blurRad="12700" stA="50000" endPos="50000" dist="5000" dir="5400000" sy="-100000" rotWithShape="0"/>
+              </a:effectLst>
+            </a:endParaRPr>
+          </a:p>
+        </p:txBody>
+      </p:sp>
+    </p:spTree>
+    <p:extLst>
+      <p:ext uri="{BB962C8B-B14F-4D97-AF65-F5344CB8AC3E}">
+        <p14:creationId xmlns:p14="http://schemas.microsoft.com/office/powerpoint/2010/main" val="3579150391"/>
+      </p:ext>
+    </p:extLst>
   </p:cSld>
   <p:clrMapOvr>
     <a:masterClrMapping/>
@@ -5305,7 +5843,7 @@
         </p:nvSpPr>
         <p:spPr>
           <a:xfrm>
-            <a:off x="304800" y="990600"/>
+            <a:off x="304800" y="1752600"/>
             <a:ext cx="8229600" cy="4114800"/>
           </a:xfrm>
           <a:prstGeom prst="rect">
@@ -5336,7 +5874,7 @@
               <a:defRPr/>
             </a:pPr>
             <a:r>
-              <a:rPr kumimoji="0" lang="en-US" sz="2500" b="0" i="0" strike="noStrike" kern="1200" cap="none" spc="0" normalizeH="0" baseline="0" noProof="0" dirty="0" smtClean="0">
+              <a:rPr kumimoji="0" lang="en-US" sz="3200" b="0" i="0" strike="noStrike" kern="1200" cap="none" spc="0" normalizeH="0" baseline="0" noProof="0" dirty="0" smtClean="0">
                 <a:ln>
                   <a:noFill/>
                 </a:ln>
@@ -5350,10 +5888,10 @@
                 <a:ea typeface="+mj-ea"/>
                 <a:cs typeface="+mj-cs"/>
               </a:rPr>
-              <a:t>Pre-operative test for tremor</a:t>
-            </a:r>
-            <a:r>
-              <a:rPr kumimoji="0" lang="en-US" sz="2500" b="0" i="0" strike="noStrike" kern="1200" cap="none" spc="0" normalizeH="0" noProof="0" dirty="0" smtClean="0">
+              <a:t>A</a:t>
+            </a:r>
+            <a:r>
+              <a:rPr kumimoji="0" lang="en-US" sz="3200" b="0" i="0" strike="noStrike" kern="1200" cap="none" spc="0" normalizeH="0" noProof="0" dirty="0" smtClean="0">
                 <a:ln>
                   <a:noFill/>
                 </a:ln>
@@ -5367,18 +5905,7 @@
                 <a:ea typeface="+mj-ea"/>
                 <a:cs typeface="+mj-cs"/>
               </a:rPr>
-              <a:t> </a:t>
-            </a:r>
-            <a:r>
-              <a:rPr lang="en-US" sz="2500" dirty="0" smtClean="0">
-                <a:solidFill>
-                  <a:srgbClr val="FFFFFF"/>
-                </a:solidFill>
-                <a:latin typeface="+mj-lt"/>
-                <a:ea typeface="+mj-ea"/>
-                <a:cs typeface="+mj-cs"/>
-              </a:rPr>
-              <a:t>in surgeons</a:t>
+              <a:t> prove of concept </a:t>
             </a:r>
           </a:p>
           <a:p>
@@ -5399,14 +5926,17 @@
               <a:tabLst/>
               <a:defRPr/>
             </a:pPr>
-            <a:endParaRPr lang="en-US" sz="2500" dirty="0" smtClean="0">
-              <a:solidFill>
-                <a:srgbClr val="FFFFFF"/>
-              </a:solidFill>
-              <a:latin typeface="+mj-lt"/>
-              <a:ea typeface="+mj-ea"/>
-              <a:cs typeface="+mj-cs"/>
-            </a:endParaRPr>
+            <a:r>
+              <a:rPr lang="en-US" sz="3200" dirty="0" smtClean="0">
+                <a:solidFill>
+                  <a:srgbClr val="FFFFFF"/>
+                </a:solidFill>
+                <a:latin typeface="+mj-lt"/>
+                <a:ea typeface="+mj-ea"/>
+                <a:cs typeface="+mj-cs"/>
+              </a:rPr>
+              <a:t>Visualize user hand movement</a:t>
+            </a:r>
           </a:p>
           <a:p>
             <a:pPr marL="457200" marR="0" lvl="0" indent="-457200" defTabSz="914400" rtl="0" eaLnBrk="1" fontAlgn="auto" latinLnBrk="0" hangingPunct="1">
@@ -5427,7 +5957,7 @@
               <a:defRPr/>
             </a:pPr>
             <a:r>
-              <a:rPr kumimoji="0" lang="en-US" sz="2500" b="0" i="0" strike="noStrike" kern="1200" cap="none" spc="0" normalizeH="0" baseline="0" noProof="0" dirty="0" smtClean="0">
+              <a:rPr kumimoji="0" lang="en-US" sz="3200" b="0" i="0" strike="noStrike" kern="1200" cap="none" spc="0" normalizeH="0" noProof="0" dirty="0" smtClean="0">
                 <a:ln>
                   <a:noFill/>
                 </a:ln>
@@ -5441,10 +5971,41 @@
                 <a:ea typeface="+mj-ea"/>
                 <a:cs typeface="+mj-cs"/>
               </a:rPr>
-              <a:t>Test for tremor</a:t>
-            </a:r>
-            <a:r>
-              <a:rPr kumimoji="0" lang="en-US" sz="2500" b="0" i="0" strike="noStrike" kern="1200" cap="none" spc="0" normalizeH="0" noProof="0" dirty="0" smtClean="0">
+              <a:t>Convert hand movement to 4 different output:</a:t>
+            </a:r>
+          </a:p>
+          <a:p>
+            <a:pPr marL="914400" lvl="1" indent="-457200">
+              <a:spcBef>
+                <a:spcPct val="0"/>
+              </a:spcBef>
+              <a:buFont typeface="Arial" pitchFamily="34" charset="0"/>
+              <a:buChar char="•"/>
+              <a:defRPr/>
+            </a:pPr>
+            <a:r>
+              <a:rPr lang="en-US" sz="3200" dirty="0" smtClean="0">
+                <a:solidFill>
+                  <a:srgbClr val="FFFFFF"/>
+                </a:solidFill>
+                <a:latin typeface="+mj-lt"/>
+                <a:ea typeface="+mj-ea"/>
+                <a:cs typeface="+mj-cs"/>
+              </a:rPr>
+              <a:t>Velocity</a:t>
+            </a:r>
+          </a:p>
+          <a:p>
+            <a:pPr marL="914400" lvl="1" indent="-457200">
+              <a:spcBef>
+                <a:spcPct val="0"/>
+              </a:spcBef>
+              <a:buFont typeface="Arial" pitchFamily="34" charset="0"/>
+              <a:buChar char="•"/>
+              <a:defRPr/>
+            </a:pPr>
+            <a:r>
+              <a:rPr kumimoji="0" lang="en-US" sz="3200" b="0" i="0" strike="noStrike" kern="1200" cap="none" spc="0" normalizeH="0" noProof="0" dirty="0" smtClean="0">
                 <a:ln>
                   <a:noFill/>
                 </a:ln>
@@ -5458,28 +6019,57 @@
                 <a:ea typeface="+mj-ea"/>
                 <a:cs typeface="+mj-cs"/>
               </a:rPr>
-              <a:t> in patients in a doctors clinic</a:t>
-            </a:r>
-          </a:p>
-          <a:p>
-            <a:pPr marL="457200" marR="0" lvl="0" indent="-457200" defTabSz="914400" rtl="0" eaLnBrk="1" fontAlgn="auto" latinLnBrk="0" hangingPunct="1">
-              <a:lnSpc>
-                <a:spcPct val="100000"/>
-              </a:lnSpc>
+              <a:t>Amplitude</a:t>
+            </a:r>
+          </a:p>
+          <a:p>
+            <a:pPr marL="914400" lvl="1" indent="-457200">
               <a:spcBef>
                 <a:spcPct val="0"/>
               </a:spcBef>
-              <a:spcAft>
-                <a:spcPts val="0"/>
-              </a:spcAft>
-              <a:buClrTx/>
-              <a:buSzTx/>
               <a:buFont typeface="Arial" pitchFamily="34" charset="0"/>
               <a:buChar char="•"/>
-              <a:tabLst/>
               <a:defRPr/>
             </a:pPr>
-            <a:endParaRPr kumimoji="0" lang="en-US" sz="2500" b="0" i="0" strike="noStrike" kern="1200" cap="none" spc="0" normalizeH="0" noProof="0" dirty="0" smtClean="0">
+            <a:r>
+              <a:rPr lang="en-US" sz="3200" dirty="0" smtClean="0">
+                <a:solidFill>
+                  <a:srgbClr val="FFFFFF"/>
+                </a:solidFill>
+                <a:latin typeface="+mj-lt"/>
+                <a:ea typeface="+mj-ea"/>
+                <a:cs typeface="+mj-cs"/>
+              </a:rPr>
+              <a:t>Hertz</a:t>
+            </a:r>
+          </a:p>
+          <a:p>
+            <a:pPr marL="914400" lvl="1" indent="-457200">
+              <a:spcBef>
+                <a:spcPct val="0"/>
+              </a:spcBef>
+              <a:buFont typeface="Arial" pitchFamily="34" charset="0"/>
+              <a:buChar char="•"/>
+              <a:defRPr/>
+            </a:pPr>
+            <a:r>
+              <a:rPr kumimoji="0" lang="en-US" sz="3200" b="0" i="0" strike="noStrike" kern="1200" cap="none" spc="0" normalizeH="0" noProof="0" dirty="0" smtClean="0">
+                <a:ln>
+                  <a:noFill/>
+                </a:ln>
+                <a:solidFill>
+                  <a:srgbClr val="FFFFFF"/>
+                </a:solidFill>
+                <a:effectLst/>
+                <a:uLnTx/>
+                <a:uFillTx/>
+                <a:latin typeface="+mj-lt"/>
+                <a:ea typeface="+mj-ea"/>
+                <a:cs typeface="+mj-cs"/>
+              </a:rPr>
+              <a:t>Acceleration</a:t>
+            </a:r>
+            <a:endParaRPr kumimoji="0" lang="en-US" sz="3200" b="0" i="0" strike="noStrike" kern="1200" cap="none" spc="0" normalizeH="0" noProof="0" dirty="0" smtClean="0">
               <a:ln>
                 <a:noFill/>
               </a:ln>
@@ -5493,127 +6083,6 @@
               <a:ea typeface="+mj-ea"/>
               <a:cs typeface="+mj-cs"/>
             </a:endParaRPr>
-          </a:p>
-          <a:p>
-            <a:pPr marL="457200" marR="0" lvl="0" indent="-457200" defTabSz="914400" rtl="0" eaLnBrk="1" fontAlgn="auto" latinLnBrk="0" hangingPunct="1">
-              <a:lnSpc>
-                <a:spcPct val="100000"/>
-              </a:lnSpc>
-              <a:spcBef>
-                <a:spcPct val="0"/>
-              </a:spcBef>
-              <a:spcAft>
-                <a:spcPts val="0"/>
-              </a:spcAft>
-              <a:buClrTx/>
-              <a:buSzTx/>
-              <a:buFont typeface="Arial" pitchFamily="34" charset="0"/>
-              <a:buChar char="•"/>
-              <a:tabLst/>
-              <a:defRPr/>
-            </a:pPr>
-            <a:r>
-              <a:rPr lang="en-US" sz="2500" baseline="0" dirty="0" smtClean="0">
-                <a:solidFill>
-                  <a:srgbClr val="FFFFFF"/>
-                </a:solidFill>
-                <a:latin typeface="+mj-lt"/>
-                <a:ea typeface="+mj-ea"/>
-                <a:cs typeface="+mj-cs"/>
-              </a:rPr>
-              <a:t>Results can be</a:t>
-            </a:r>
-            <a:r>
-              <a:rPr lang="en-US" sz="2500" dirty="0" smtClean="0">
-                <a:solidFill>
-                  <a:srgbClr val="FFFFFF"/>
-                </a:solidFill>
-                <a:latin typeface="+mj-lt"/>
-                <a:ea typeface="+mj-ea"/>
-                <a:cs typeface="+mj-cs"/>
-              </a:rPr>
-              <a:t> returned immediately after test</a:t>
-            </a:r>
-          </a:p>
-          <a:p>
-            <a:pPr marL="457200" marR="0" lvl="0" indent="-457200" defTabSz="914400" rtl="0" eaLnBrk="1" fontAlgn="auto" latinLnBrk="0" hangingPunct="1">
-              <a:lnSpc>
-                <a:spcPct val="100000"/>
-              </a:lnSpc>
-              <a:spcBef>
-                <a:spcPct val="0"/>
-              </a:spcBef>
-              <a:spcAft>
-                <a:spcPts val="0"/>
-              </a:spcAft>
-              <a:buClrTx/>
-              <a:buSzTx/>
-              <a:buFont typeface="Arial" pitchFamily="34" charset="0"/>
-              <a:buChar char="•"/>
-              <a:tabLst/>
-              <a:defRPr/>
-            </a:pPr>
-            <a:endParaRPr lang="en-US" sz="2500" dirty="0" smtClean="0">
-              <a:solidFill>
-                <a:srgbClr val="FFFFFF"/>
-              </a:solidFill>
-              <a:latin typeface="+mj-lt"/>
-              <a:ea typeface="+mj-ea"/>
-              <a:cs typeface="+mj-cs"/>
-            </a:endParaRPr>
-          </a:p>
-          <a:p>
-            <a:pPr marL="457200" marR="0" lvl="0" indent="-457200" defTabSz="914400" rtl="0" eaLnBrk="1" fontAlgn="auto" latinLnBrk="0" hangingPunct="1">
-              <a:lnSpc>
-                <a:spcPct val="100000"/>
-              </a:lnSpc>
-              <a:spcBef>
-                <a:spcPct val="0"/>
-              </a:spcBef>
-              <a:spcAft>
-                <a:spcPts val="0"/>
-              </a:spcAft>
-              <a:buClrTx/>
-              <a:buSzTx/>
-              <a:buFont typeface="Arial" pitchFamily="34" charset="0"/>
-              <a:buChar char="•"/>
-              <a:tabLst/>
-              <a:defRPr/>
-            </a:pPr>
-            <a:r>
-              <a:rPr kumimoji="0" lang="en-US" sz="2500" b="0" i="0" strike="noStrike" kern="1200" cap="none" spc="0" normalizeH="0" baseline="0" noProof="0" dirty="0" smtClean="0">
-                <a:ln>
-                  <a:noFill/>
-                </a:ln>
-                <a:solidFill>
-                  <a:srgbClr val="FFFFFF"/>
-                </a:solidFill>
-                <a:effectLst/>
-                <a:uLnTx/>
-                <a:uFillTx/>
-                <a:latin typeface="+mj-lt"/>
-                <a:ea typeface="+mj-ea"/>
-                <a:cs typeface="+mj-cs"/>
-              </a:rPr>
-              <a:t>The test can be conducted</a:t>
-            </a:r>
-            <a:r>
-              <a:rPr kumimoji="0" lang="en-US" sz="2500" b="0" i="0" strike="noStrike" kern="1200" cap="none" spc="0" normalizeH="0" noProof="0" dirty="0" smtClean="0">
-                <a:ln>
-                  <a:noFill/>
-                </a:ln>
-                <a:solidFill>
-                  <a:srgbClr val="FFFFFF"/>
-                </a:solidFill>
-                <a:effectLst/>
-                <a:uLnTx/>
-                <a:uFillTx/>
-                <a:latin typeface="+mj-lt"/>
-                <a:ea typeface="+mj-ea"/>
-                <a:cs typeface="+mj-cs"/>
-              </a:rPr>
-              <a:t> in a non intrusive manner</a:t>
-            </a:r>
           </a:p>
         </p:txBody>
       </p:sp>
@@ -5762,619 +6231,6 @@
       </p:grpSp>
       <p:sp>
         <p:nvSpPr>
-          <p:cNvPr id="11" name="Title 1"/>
-          <p:cNvSpPr txBox="1">
-            <a:spLocks/>
-          </p:cNvSpPr>
-          <p:nvPr/>
-        </p:nvSpPr>
-        <p:spPr>
-          <a:xfrm>
-            <a:off x="609600" y="1524000"/>
-            <a:ext cx="8229600" cy="4114800"/>
-          </a:xfrm>
-          <a:prstGeom prst="rect">
-            <a:avLst/>
-          </a:prstGeom>
-        </p:spPr>
-        <p:txBody>
-          <a:bodyPr vert="horz" lIns="91440" tIns="45720" rIns="91440" bIns="45720" rtlCol="0" anchor="ctr">
-            <a:noAutofit/>
-          </a:bodyPr>
-          <a:lstStyle/>
-          <a:p>
-            <a:pPr marL="457200" marR="0" lvl="0" indent="-457200" defTabSz="914400" rtl="0" eaLnBrk="1" fontAlgn="auto" latinLnBrk="0" hangingPunct="1">
-              <a:lnSpc>
-                <a:spcPct val="100000"/>
-              </a:lnSpc>
-              <a:spcBef>
-                <a:spcPct val="0"/>
-              </a:spcBef>
-              <a:spcAft>
-                <a:spcPts val="0"/>
-              </a:spcAft>
-              <a:buClrTx/>
-              <a:buSzTx/>
-              <a:buFont typeface="Arial" pitchFamily="34" charset="0"/>
-              <a:buChar char="•"/>
-              <a:tabLst/>
-              <a:defRPr/>
-            </a:pPr>
-            <a:endParaRPr kumimoji="0" lang="en-US" sz="2500" b="0" i="0" strike="noStrike" kern="1200" cap="none" spc="0" normalizeH="0" baseline="0" noProof="0" dirty="0" smtClean="0">
-              <a:ln>
-                <a:noFill/>
-              </a:ln>
-              <a:solidFill>
-                <a:srgbClr val="FFFFFF"/>
-              </a:solidFill>
-              <a:effectLst/>
-              <a:uLnTx/>
-              <a:uFillTx/>
-              <a:latin typeface="+mj-lt"/>
-              <a:ea typeface="+mj-ea"/>
-              <a:cs typeface="+mj-cs"/>
-            </a:endParaRPr>
-          </a:p>
-          <a:p>
-            <a:pPr marR="0" lvl="0" defTabSz="914400" rtl="0" eaLnBrk="1" fontAlgn="auto" latinLnBrk="0" hangingPunct="1">
-              <a:lnSpc>
-                <a:spcPct val="100000"/>
-              </a:lnSpc>
-              <a:spcBef>
-                <a:spcPct val="0"/>
-              </a:spcBef>
-              <a:spcAft>
-                <a:spcPts val="0"/>
-              </a:spcAft>
-              <a:buClrTx/>
-              <a:buSzTx/>
-              <a:tabLst/>
-              <a:defRPr/>
-            </a:pPr>
-            <a:r>
-              <a:rPr lang="en-US" sz="2500" dirty="0" smtClean="0">
-                <a:solidFill>
-                  <a:srgbClr val="FFFFFF"/>
-                </a:solidFill>
-                <a:latin typeface="+mj-lt"/>
-                <a:ea typeface="+mj-ea"/>
-                <a:cs typeface="+mj-cs"/>
-              </a:rPr>
-              <a:t>Using the </a:t>
-            </a:r>
-            <a:r>
-              <a:rPr lang="en-US" sz="2500" dirty="0">
-                <a:solidFill>
-                  <a:srgbClr val="FFFFFF"/>
-                </a:solidFill>
-                <a:latin typeface="+mj-lt"/>
-                <a:ea typeface="+mj-ea"/>
-                <a:cs typeface="+mj-cs"/>
-              </a:rPr>
-              <a:t>L</a:t>
-            </a:r>
-            <a:r>
-              <a:rPr lang="en-US" sz="2500" dirty="0" smtClean="0">
-                <a:solidFill>
-                  <a:srgbClr val="FFFFFF"/>
-                </a:solidFill>
-                <a:latin typeface="+mj-lt"/>
-                <a:ea typeface="+mj-ea"/>
-                <a:cs typeface="+mj-cs"/>
-              </a:rPr>
-              <a:t>eap Motion controller we will</a:t>
-            </a:r>
-          </a:p>
-          <a:p>
-            <a:pPr marR="0" lvl="0" defTabSz="914400" rtl="0" eaLnBrk="1" fontAlgn="auto" latinLnBrk="0" hangingPunct="1">
-              <a:lnSpc>
-                <a:spcPct val="100000"/>
-              </a:lnSpc>
-              <a:spcBef>
-                <a:spcPct val="0"/>
-              </a:spcBef>
-              <a:spcAft>
-                <a:spcPts val="0"/>
-              </a:spcAft>
-              <a:buClrTx/>
-              <a:buSzTx/>
-              <a:tabLst/>
-              <a:defRPr/>
-            </a:pPr>
-            <a:endParaRPr lang="en-US" sz="2500" dirty="0">
-              <a:solidFill>
-                <a:srgbClr val="FFFFFF"/>
-              </a:solidFill>
-              <a:latin typeface="+mj-lt"/>
-              <a:ea typeface="+mj-ea"/>
-              <a:cs typeface="+mj-cs"/>
-            </a:endParaRPr>
-          </a:p>
-          <a:p>
-            <a:pPr marL="457200" marR="0" lvl="0" indent="-457200" defTabSz="914400" rtl="0" eaLnBrk="1" fontAlgn="auto" latinLnBrk="0" hangingPunct="1">
-              <a:lnSpc>
-                <a:spcPct val="100000"/>
-              </a:lnSpc>
-              <a:spcBef>
-                <a:spcPct val="0"/>
-              </a:spcBef>
-              <a:spcAft>
-                <a:spcPts val="0"/>
-              </a:spcAft>
-              <a:buClrTx/>
-              <a:buSzTx/>
-              <a:buFont typeface="Arial" pitchFamily="34" charset="0"/>
-              <a:buChar char="•"/>
-              <a:tabLst/>
-              <a:defRPr/>
-            </a:pPr>
-            <a:r>
-              <a:rPr kumimoji="0" lang="en-US" sz="2500" b="0" i="0" strike="noStrike" kern="1200" cap="none" spc="0" normalizeH="0" baseline="0" noProof="0" dirty="0" smtClean="0">
-                <a:ln>
-                  <a:noFill/>
-                </a:ln>
-                <a:solidFill>
-                  <a:srgbClr val="FFFFFF"/>
-                </a:solidFill>
-                <a:effectLst/>
-                <a:uLnTx/>
-                <a:uFillTx/>
-                <a:latin typeface="+mj-lt"/>
-                <a:ea typeface="+mj-ea"/>
-                <a:cs typeface="+mj-cs"/>
-              </a:rPr>
-              <a:t>Display </a:t>
-            </a:r>
-            <a:r>
-              <a:rPr kumimoji="0" lang="en-US" sz="2500" b="0" i="0" strike="noStrike" kern="1200" cap="none" spc="0" normalizeH="0" baseline="0" noProof="0" dirty="0" smtClean="0">
-                <a:ln>
-                  <a:noFill/>
-                </a:ln>
-                <a:solidFill>
-                  <a:srgbClr val="FFFFFF"/>
-                </a:solidFill>
-                <a:effectLst/>
-                <a:uLnTx/>
-                <a:uFillTx/>
-                <a:latin typeface="+mj-lt"/>
-                <a:ea typeface="+mj-ea"/>
-                <a:cs typeface="+mj-cs"/>
-              </a:rPr>
-              <a:t>the </a:t>
-            </a:r>
-            <a:r>
-              <a:rPr kumimoji="0" lang="en-US" sz="2500" b="0" i="0" strike="noStrike" kern="1200" cap="none" spc="0" normalizeH="0" baseline="0" noProof="0" dirty="0" smtClean="0">
-                <a:ln>
-                  <a:noFill/>
-                </a:ln>
-                <a:solidFill>
-                  <a:srgbClr val="FFFFFF"/>
-                </a:solidFill>
-                <a:effectLst/>
-                <a:uLnTx/>
-                <a:uFillTx/>
-                <a:latin typeface="+mj-lt"/>
-                <a:ea typeface="+mj-ea"/>
-                <a:cs typeface="+mj-cs"/>
-              </a:rPr>
-              <a:t>frequency(hertz)</a:t>
-            </a:r>
-            <a:r>
-              <a:rPr kumimoji="0" lang="en-US" sz="2500" b="0" i="0" strike="noStrike" kern="1200" cap="none" spc="0" normalizeH="0" noProof="0" dirty="0" smtClean="0">
-                <a:ln>
-                  <a:noFill/>
-                </a:ln>
-                <a:solidFill>
-                  <a:srgbClr val="FFFFFF"/>
-                </a:solidFill>
-                <a:effectLst/>
-                <a:uLnTx/>
-                <a:uFillTx/>
-                <a:latin typeface="+mj-lt"/>
-                <a:ea typeface="+mj-ea"/>
-                <a:cs typeface="+mj-cs"/>
-              </a:rPr>
-              <a:t> of </a:t>
-            </a:r>
-            <a:r>
-              <a:rPr kumimoji="0" lang="en-US" sz="2500" b="0" i="0" strike="noStrike" kern="1200" cap="none" spc="0" normalizeH="0" noProof="0" dirty="0" smtClean="0">
-                <a:ln>
-                  <a:noFill/>
-                </a:ln>
-                <a:solidFill>
-                  <a:srgbClr val="FFFFFF"/>
-                </a:solidFill>
-                <a:effectLst/>
-                <a:uLnTx/>
-                <a:uFillTx/>
-                <a:latin typeface="+mj-lt"/>
-                <a:ea typeface="+mj-ea"/>
-                <a:cs typeface="+mj-cs"/>
-              </a:rPr>
-              <a:t>tremor in the hand</a:t>
-            </a:r>
-          </a:p>
-          <a:p>
-            <a:pPr marL="457200" marR="0" lvl="0" indent="-457200" defTabSz="914400" rtl="0" eaLnBrk="1" fontAlgn="auto" latinLnBrk="0" hangingPunct="1">
-              <a:lnSpc>
-                <a:spcPct val="100000"/>
-              </a:lnSpc>
-              <a:spcBef>
-                <a:spcPct val="0"/>
-              </a:spcBef>
-              <a:spcAft>
-                <a:spcPts val="0"/>
-              </a:spcAft>
-              <a:buClrTx/>
-              <a:buSzTx/>
-              <a:buFont typeface="Arial" pitchFamily="34" charset="0"/>
-              <a:buChar char="•"/>
-              <a:tabLst/>
-              <a:defRPr/>
-            </a:pPr>
-            <a:endParaRPr kumimoji="0" lang="en-US" sz="2500" b="0" i="0" strike="noStrike" kern="1200" cap="none" spc="0" normalizeH="0" noProof="0" dirty="0" smtClean="0">
-              <a:ln>
-                <a:noFill/>
-              </a:ln>
-              <a:solidFill>
-                <a:srgbClr val="FFFFFF"/>
-              </a:solidFill>
-              <a:effectLst/>
-              <a:uLnTx/>
-              <a:uFillTx/>
-              <a:latin typeface="+mj-lt"/>
-              <a:ea typeface="+mj-ea"/>
-              <a:cs typeface="+mj-cs"/>
-            </a:endParaRPr>
-          </a:p>
-          <a:p>
-            <a:pPr marL="457200" marR="0" lvl="0" indent="-457200" defTabSz="914400" rtl="0" eaLnBrk="1" fontAlgn="auto" latinLnBrk="0" hangingPunct="1">
-              <a:lnSpc>
-                <a:spcPct val="100000"/>
-              </a:lnSpc>
-              <a:spcBef>
-                <a:spcPct val="0"/>
-              </a:spcBef>
-              <a:spcAft>
-                <a:spcPts val="0"/>
-              </a:spcAft>
-              <a:buClrTx/>
-              <a:buSzTx/>
-              <a:buFont typeface="Arial" pitchFamily="34" charset="0"/>
-              <a:buChar char="•"/>
-              <a:tabLst/>
-              <a:defRPr/>
-            </a:pPr>
-            <a:r>
-              <a:rPr lang="en-US" sz="2500" baseline="0" dirty="0" smtClean="0">
-                <a:solidFill>
-                  <a:srgbClr val="FFFFFF"/>
-                </a:solidFill>
-                <a:latin typeface="+mj-lt"/>
-                <a:ea typeface="+mj-ea"/>
-                <a:cs typeface="+mj-cs"/>
-              </a:rPr>
-              <a:t>Include prompts</a:t>
-            </a:r>
-            <a:r>
-              <a:rPr lang="en-US" sz="2500" dirty="0" smtClean="0">
-                <a:solidFill>
-                  <a:srgbClr val="FFFFFF"/>
-                </a:solidFill>
-                <a:latin typeface="+mj-lt"/>
-                <a:ea typeface="+mj-ea"/>
-                <a:cs typeface="+mj-cs"/>
-              </a:rPr>
-              <a:t> build into the software to direct users</a:t>
-            </a:r>
-            <a:endParaRPr lang="en-US" sz="2500" dirty="0" smtClean="0">
-              <a:solidFill>
-                <a:srgbClr val="FFFFFF"/>
-              </a:solidFill>
-              <a:latin typeface="+mj-lt"/>
-              <a:ea typeface="+mj-ea"/>
-              <a:cs typeface="+mj-cs"/>
-            </a:endParaRPr>
-          </a:p>
-          <a:p>
-            <a:pPr marR="0" lvl="0" defTabSz="914400" rtl="0" eaLnBrk="1" fontAlgn="auto" latinLnBrk="0" hangingPunct="1">
-              <a:lnSpc>
-                <a:spcPct val="100000"/>
-              </a:lnSpc>
-              <a:spcBef>
-                <a:spcPct val="0"/>
-              </a:spcBef>
-              <a:spcAft>
-                <a:spcPts val="0"/>
-              </a:spcAft>
-              <a:buClrTx/>
-              <a:buSzTx/>
-              <a:tabLst/>
-              <a:defRPr/>
-            </a:pPr>
-            <a:endParaRPr kumimoji="0" lang="en-US" sz="2500" b="0" i="0" strike="noStrike" kern="1200" cap="none" spc="0" normalizeH="0" noProof="0" dirty="0" smtClean="0">
-              <a:ln>
-                <a:noFill/>
-              </a:ln>
-              <a:solidFill>
-                <a:srgbClr val="FFFFFF"/>
-              </a:solidFill>
-              <a:effectLst/>
-              <a:uLnTx/>
-              <a:uFillTx/>
-              <a:latin typeface="+mj-lt"/>
-              <a:ea typeface="+mj-ea"/>
-              <a:cs typeface="+mj-cs"/>
-            </a:endParaRPr>
-          </a:p>
-          <a:p>
-            <a:pPr marL="457200" marR="0" lvl="0" indent="-457200" defTabSz="914400" rtl="0" eaLnBrk="1" fontAlgn="auto" latinLnBrk="0" hangingPunct="1">
-              <a:lnSpc>
-                <a:spcPct val="100000"/>
-              </a:lnSpc>
-              <a:spcBef>
-                <a:spcPct val="0"/>
-              </a:spcBef>
-              <a:spcAft>
-                <a:spcPts val="0"/>
-              </a:spcAft>
-              <a:buClrTx/>
-              <a:buSzTx/>
-              <a:buFont typeface="Arial" pitchFamily="34" charset="0"/>
-              <a:buChar char="•"/>
-              <a:tabLst/>
-              <a:defRPr/>
-            </a:pPr>
-            <a:r>
-              <a:rPr lang="en-US" sz="2500" baseline="0" dirty="0" smtClean="0">
-                <a:solidFill>
-                  <a:srgbClr val="FFFFFF"/>
-                </a:solidFill>
-                <a:latin typeface="+mj-lt"/>
-                <a:ea typeface="+mj-ea"/>
-                <a:cs typeface="+mj-cs"/>
-              </a:rPr>
-              <a:t>Save </a:t>
-            </a:r>
-            <a:r>
-              <a:rPr lang="en-US" sz="2500" dirty="0" smtClean="0">
-                <a:solidFill>
-                  <a:srgbClr val="FFFFFF"/>
-                </a:solidFill>
-                <a:latin typeface="+mj-lt"/>
-                <a:ea typeface="+mj-ea"/>
-                <a:cs typeface="+mj-cs"/>
-              </a:rPr>
-              <a:t>data </a:t>
-            </a:r>
-            <a:r>
-              <a:rPr lang="en-US" sz="2500" dirty="0" smtClean="0">
-                <a:solidFill>
-                  <a:srgbClr val="FFFFFF"/>
-                </a:solidFill>
-                <a:latin typeface="+mj-lt"/>
-                <a:ea typeface="+mj-ea"/>
-                <a:cs typeface="+mj-cs"/>
-              </a:rPr>
-              <a:t>recorded </a:t>
-            </a:r>
-            <a:r>
-              <a:rPr lang="en-US" sz="2500" dirty="0" smtClean="0">
-                <a:solidFill>
-                  <a:srgbClr val="FFFFFF"/>
-                </a:solidFill>
-                <a:latin typeface="+mj-lt"/>
-                <a:ea typeface="+mj-ea"/>
-                <a:cs typeface="+mj-cs"/>
-              </a:rPr>
-              <a:t>from the Leap </a:t>
-            </a:r>
-            <a:r>
-              <a:rPr lang="en-US" sz="2500" dirty="0" smtClean="0">
-                <a:solidFill>
-                  <a:srgbClr val="FFFFFF"/>
-                </a:solidFill>
-                <a:latin typeface="+mj-lt"/>
-                <a:ea typeface="+mj-ea"/>
-                <a:cs typeface="+mj-cs"/>
-              </a:rPr>
-              <a:t>Motion device to a file</a:t>
-            </a:r>
-          </a:p>
-          <a:p>
-            <a:pPr marL="457200" marR="0" lvl="0" indent="-457200" defTabSz="914400" rtl="0" eaLnBrk="1" fontAlgn="auto" latinLnBrk="0" hangingPunct="1">
-              <a:lnSpc>
-                <a:spcPct val="100000"/>
-              </a:lnSpc>
-              <a:spcBef>
-                <a:spcPct val="0"/>
-              </a:spcBef>
-              <a:spcAft>
-                <a:spcPts val="0"/>
-              </a:spcAft>
-              <a:buClrTx/>
-              <a:buSzTx/>
-              <a:buFont typeface="Arial" pitchFamily="34" charset="0"/>
-              <a:buChar char="•"/>
-              <a:tabLst/>
-              <a:defRPr/>
-            </a:pPr>
-            <a:endParaRPr lang="en-US" sz="2500" dirty="0" smtClean="0">
-              <a:solidFill>
-                <a:srgbClr val="FFFFFF"/>
-              </a:solidFill>
-              <a:latin typeface="+mj-lt"/>
-              <a:ea typeface="+mj-ea"/>
-              <a:cs typeface="+mj-cs"/>
-            </a:endParaRPr>
-          </a:p>
-          <a:p>
-            <a:pPr marL="457200" marR="0" lvl="0" indent="-457200" defTabSz="914400" rtl="0" eaLnBrk="1" fontAlgn="auto" latinLnBrk="0" hangingPunct="1">
-              <a:lnSpc>
-                <a:spcPct val="100000"/>
-              </a:lnSpc>
-              <a:spcBef>
-                <a:spcPct val="0"/>
-              </a:spcBef>
-              <a:spcAft>
-                <a:spcPts val="0"/>
-              </a:spcAft>
-              <a:buClrTx/>
-              <a:buSzTx/>
-              <a:buFont typeface="Arial" pitchFamily="34" charset="0"/>
-              <a:buChar char="•"/>
-              <a:tabLst/>
-              <a:defRPr/>
-            </a:pPr>
-            <a:r>
-              <a:rPr kumimoji="0" lang="en-US" sz="2500" b="0" i="0" strike="noStrike" kern="1200" cap="none" spc="0" normalizeH="0" baseline="0" noProof="0" dirty="0" smtClean="0">
-                <a:ln>
-                  <a:noFill/>
-                </a:ln>
-                <a:solidFill>
-                  <a:srgbClr val="FFFFFF"/>
-                </a:solidFill>
-                <a:effectLst/>
-                <a:uLnTx/>
-                <a:uFillTx/>
-                <a:latin typeface="+mj-lt"/>
-                <a:ea typeface="+mj-ea"/>
-                <a:cs typeface="+mj-cs"/>
-              </a:rPr>
-              <a:t>Load </a:t>
-            </a:r>
-            <a:r>
-              <a:rPr kumimoji="0" lang="en-US" sz="2500" b="0" i="0" strike="noStrike" kern="1200" cap="none" spc="0" normalizeH="0" noProof="0" dirty="0" smtClean="0">
-                <a:ln>
-                  <a:noFill/>
-                </a:ln>
-                <a:solidFill>
-                  <a:srgbClr val="FFFFFF"/>
-                </a:solidFill>
-                <a:effectLst/>
-                <a:uLnTx/>
-                <a:uFillTx/>
-                <a:latin typeface="+mj-lt"/>
-                <a:ea typeface="+mj-ea"/>
-                <a:cs typeface="+mj-cs"/>
-              </a:rPr>
-              <a:t>data from a file for analysis</a:t>
-            </a:r>
-          </a:p>
-          <a:p>
-            <a:pPr marL="457200" marR="0" lvl="0" indent="-457200" defTabSz="914400" rtl="0" eaLnBrk="1" fontAlgn="auto" latinLnBrk="0" hangingPunct="1">
-              <a:lnSpc>
-                <a:spcPct val="100000"/>
-              </a:lnSpc>
-              <a:spcBef>
-                <a:spcPct val="0"/>
-              </a:spcBef>
-              <a:spcAft>
-                <a:spcPts val="0"/>
-              </a:spcAft>
-              <a:buClrTx/>
-              <a:buSzTx/>
-              <a:buFont typeface="Arial" pitchFamily="34" charset="0"/>
-              <a:buChar char="•"/>
-              <a:tabLst/>
-              <a:defRPr/>
-            </a:pPr>
-            <a:endParaRPr kumimoji="0" lang="en-US" sz="2500" b="0" i="0" strike="noStrike" kern="1200" cap="none" spc="0" normalizeH="0" noProof="0" dirty="0" smtClean="0">
-              <a:ln>
-                <a:noFill/>
-              </a:ln>
-              <a:solidFill>
-                <a:srgbClr val="FFFFFF"/>
-              </a:solidFill>
-              <a:effectLst/>
-              <a:uLnTx/>
-              <a:uFillTx/>
-              <a:latin typeface="+mj-lt"/>
-              <a:ea typeface="+mj-ea"/>
-              <a:cs typeface="+mj-cs"/>
-            </a:endParaRPr>
-          </a:p>
-          <a:p>
-            <a:pPr marL="457200" marR="0" lvl="0" indent="-457200" defTabSz="914400" rtl="0" eaLnBrk="1" fontAlgn="auto" latinLnBrk="0" hangingPunct="1">
-              <a:lnSpc>
-                <a:spcPct val="100000"/>
-              </a:lnSpc>
-              <a:spcBef>
-                <a:spcPct val="0"/>
-              </a:spcBef>
-              <a:spcAft>
-                <a:spcPts val="0"/>
-              </a:spcAft>
-              <a:buClrTx/>
-              <a:buSzTx/>
-              <a:buFont typeface="Arial" pitchFamily="34" charset="0"/>
-              <a:buChar char="•"/>
-              <a:tabLst/>
-              <a:defRPr/>
-            </a:pPr>
-            <a:r>
-              <a:rPr lang="en-US" sz="2500" baseline="0" dirty="0" smtClean="0">
-                <a:solidFill>
-                  <a:srgbClr val="FFFFFF"/>
-                </a:solidFill>
-                <a:latin typeface="+mj-lt"/>
-                <a:ea typeface="+mj-ea"/>
-                <a:cs typeface="+mj-cs"/>
-              </a:rPr>
-              <a:t>Replay multiple </a:t>
-            </a:r>
-            <a:r>
-              <a:rPr lang="en-US" sz="2500" dirty="0" smtClean="0">
-                <a:solidFill>
-                  <a:srgbClr val="FFFFFF"/>
-                </a:solidFill>
-                <a:latin typeface="+mj-lt"/>
-                <a:ea typeface="+mj-ea"/>
-                <a:cs typeface="+mj-cs"/>
-              </a:rPr>
-              <a:t>sets </a:t>
-            </a:r>
-            <a:r>
-              <a:rPr lang="en-US" sz="2500" dirty="0" smtClean="0">
-                <a:solidFill>
-                  <a:srgbClr val="FFFFFF"/>
-                </a:solidFill>
-                <a:latin typeface="+mj-lt"/>
-                <a:ea typeface="+mj-ea"/>
-                <a:cs typeface="+mj-cs"/>
-              </a:rPr>
-              <a:t>of data </a:t>
-            </a:r>
-            <a:r>
-              <a:rPr lang="en-US" sz="2500" dirty="0" smtClean="0">
-                <a:solidFill>
-                  <a:srgbClr val="FFFFFF"/>
-                </a:solidFill>
-                <a:latin typeface="+mj-lt"/>
-                <a:ea typeface="+mj-ea"/>
-                <a:cs typeface="+mj-cs"/>
-              </a:rPr>
-              <a:t>for real time comparison</a:t>
-            </a:r>
-            <a:endParaRPr kumimoji="0" lang="en-US" sz="2500" b="0" i="0" strike="noStrike" kern="1200" cap="none" spc="0" normalizeH="0" baseline="0" noProof="0" dirty="0" smtClean="0">
-              <a:ln>
-                <a:noFill/>
-              </a:ln>
-              <a:solidFill>
-                <a:srgbClr val="FFFFFF"/>
-              </a:solidFill>
-              <a:effectLst/>
-              <a:uLnTx/>
-              <a:uFillTx/>
-              <a:latin typeface="+mj-lt"/>
-              <a:ea typeface="+mj-ea"/>
-              <a:cs typeface="+mj-cs"/>
-            </a:endParaRPr>
-          </a:p>
-        </p:txBody>
-      </p:sp>
-      <p:sp>
-        <p:nvSpPr>
           <p:cNvPr id="8" name="Title 1"/>
           <p:cNvSpPr txBox="1">
             <a:spLocks/>
@@ -6383,8 +6239,8 @@
         </p:nvSpPr>
         <p:spPr>
           <a:xfrm>
-            <a:off x="292289" y="464024"/>
-            <a:ext cx="4660711" cy="685799"/>
+            <a:off x="299113" y="457200"/>
+            <a:ext cx="4120487" cy="685799"/>
           </a:xfrm>
           <a:prstGeom prst="rect">
             <a:avLst/>
@@ -6430,7 +6286,7 @@
                 </a:effectLst>
                 <a:latin typeface="Komika Parch" pitchFamily="2" charset="0"/>
               </a:rPr>
-              <a:t>Our Solution</a:t>
+              <a:t>Contributions</a:t>
             </a:r>
             <a:endParaRPr lang="en-US" sz="4600" b="1" dirty="0">
               <a:ln w="0">
@@ -6451,10 +6307,152 @@
           </a:p>
         </p:txBody>
       </p:sp>
+      <p:graphicFrame>
+        <p:nvGraphicFramePr>
+          <p:cNvPr id="3" name="Table 2"/>
+          <p:cNvGraphicFramePr>
+            <a:graphicFrameLocks noGrp="1"/>
+          </p:cNvGraphicFramePr>
+          <p:nvPr>
+            <p:extLst>
+              <p:ext uri="{D42A27DB-BD31-4B8C-83A1-F6EECF244321}">
+                <p14:modId xmlns:p14="http://schemas.microsoft.com/office/powerpoint/2010/main" val="4079283378"/>
+              </p:ext>
+            </p:extLst>
+          </p:nvPr>
+        </p:nvGraphicFramePr>
+        <p:xfrm>
+          <a:off x="457200" y="1447800"/>
+          <a:ext cx="8229600" cy="4953000"/>
+        </p:xfrm>
+        <a:graphic>
+          <a:graphicData uri="http://schemas.openxmlformats.org/drawingml/2006/table">
+            <a:tbl>
+              <a:tblPr firstRow="1" bandRow="1">
+                <a:tableStyleId>{5C22544A-7EE6-4342-B048-85BDC9FD1C3A}</a:tableStyleId>
+              </a:tblPr>
+              <a:tblGrid>
+                <a:gridCol w="4114800"/>
+                <a:gridCol w="4114800"/>
+              </a:tblGrid>
+              <a:tr h="990600">
+                <a:tc>
+                  <a:txBody>
+                    <a:bodyPr/>
+                    <a:lstStyle/>
+                    <a:p>
+                      <a:endParaRPr lang="en-US" dirty="0"/>
+                    </a:p>
+                  </a:txBody>
+                  <a:tcPr/>
+                </a:tc>
+                <a:tc>
+                  <a:txBody>
+                    <a:bodyPr/>
+                    <a:lstStyle/>
+                    <a:p>
+                      <a:endParaRPr lang="en-US"/>
+                    </a:p>
+                  </a:txBody>
+                  <a:tcPr/>
+                </a:tc>
+              </a:tr>
+              <a:tr h="990600">
+                <a:tc>
+                  <a:txBody>
+                    <a:bodyPr/>
+                    <a:lstStyle/>
+                    <a:p>
+                      <a:endParaRPr lang="en-US"/>
+                    </a:p>
+                  </a:txBody>
+                  <a:tcPr/>
+                </a:tc>
+                <a:tc>
+                  <a:txBody>
+                    <a:bodyPr/>
+                    <a:lstStyle/>
+                    <a:p>
+                      <a:endParaRPr lang="en-US"/>
+                    </a:p>
+                  </a:txBody>
+                  <a:tcPr/>
+                </a:tc>
+              </a:tr>
+              <a:tr h="990600">
+                <a:tc>
+                  <a:txBody>
+                    <a:bodyPr/>
+                    <a:lstStyle/>
+                    <a:p>
+                      <a:endParaRPr lang="en-US"/>
+                    </a:p>
+                  </a:txBody>
+                  <a:tcPr/>
+                </a:tc>
+                <a:tc>
+                  <a:txBody>
+                    <a:bodyPr/>
+                    <a:lstStyle/>
+                    <a:p>
+                      <a:endParaRPr lang="en-US" dirty="0"/>
+                    </a:p>
+                  </a:txBody>
+                  <a:tcPr/>
+                </a:tc>
+              </a:tr>
+              <a:tr h="990600">
+                <a:tc>
+                  <a:txBody>
+                    <a:bodyPr/>
+                    <a:lstStyle/>
+                    <a:p>
+                      <a:endParaRPr lang="en-US" dirty="0"/>
+                    </a:p>
+                  </a:txBody>
+                  <a:tcPr/>
+                </a:tc>
+                <a:tc>
+                  <a:txBody>
+                    <a:bodyPr/>
+                    <a:lstStyle/>
+                    <a:p>
+                      <a:endParaRPr lang="en-US" dirty="0"/>
+                    </a:p>
+                  </a:txBody>
+                  <a:tcPr/>
+                </a:tc>
+              </a:tr>
+              <a:tr h="990600">
+                <a:tc>
+                  <a:txBody>
+                    <a:bodyPr/>
+                    <a:lstStyle/>
+                    <a:p>
+                      <a:endParaRPr lang="en-US" dirty="0"/>
+                    </a:p>
+                  </a:txBody>
+                  <a:tcPr/>
+                </a:tc>
+                <a:tc>
+                  <a:txBody>
+                    <a:bodyPr/>
+                    <a:lstStyle/>
+                    <a:p>
+                      <a:endParaRPr lang="en-US" dirty="0"/>
+                    </a:p>
+                  </a:txBody>
+                  <a:tcPr/>
+                </a:tc>
+              </a:tr>
+            </a:tbl>
+          </a:graphicData>
+        </a:graphic>
+      </p:graphicFrame>
     </p:spTree>
     <p:extLst>
       <p:ext uri="{BB962C8B-B14F-4D97-AF65-F5344CB8AC3E}">
-        <p14:creationId xmlns:p14="http://schemas.microsoft.com/office/powerpoint/2010/main" val="1882893687"/>
+        <p14:creationId xmlns:p14="http://schemas.microsoft.com/office/powerpoint/2010/main" val="3714009807"/>
       </p:ext>
     </p:extLst>
   </p:cSld>
@@ -6488,106 +6486,407 @@
           <a:chExt cx="0" cy="0"/>
         </a:xfrm>
       </p:grpSpPr>
-      <p:pic>
-        <p:nvPicPr>
-          <p:cNvPr id="4" name="Picture 2" descr="D:\我的资料\website\KentCov_org  Mobile_files\bg.jpg"/>
-          <p:cNvPicPr>
-            <a:picLocks noChangeAspect="1" noChangeArrowheads="1"/>
-          </p:cNvPicPr>
+      <p:grpSp>
+        <p:nvGrpSpPr>
+          <p:cNvPr id="2" name="Group 5"/>
+          <p:cNvGrpSpPr/>
           <p:nvPr/>
-        </p:nvPicPr>
-        <p:blipFill>
-          <a:blip r:embed="rId2" cstate="print">
+        </p:nvGrpSpPr>
+        <p:grpSpPr>
+          <a:xfrm>
+            <a:off x="0" y="0"/>
+            <a:ext cx="9144000" cy="6858000"/>
+            <a:chOff x="0" y="0"/>
+            <a:chExt cx="9144000" cy="6858000"/>
+          </a:xfrm>
+        </p:grpSpPr>
+        <p:pic>
+          <p:nvPicPr>
+            <p:cNvPr id="4" name="Picture 2" descr="D:\我的资料\website\KentCov_org  Mobile_files\bg.jpg"/>
+            <p:cNvPicPr>
+              <a:picLocks noChangeAspect="1" noChangeArrowheads="1"/>
+            </p:cNvPicPr>
+            <p:nvPr/>
+          </p:nvPicPr>
+          <p:blipFill>
+            <a:blip r:embed="rId2" cstate="print">
+              <a:extLst>
+                <a:ext uri="{28A0092B-C50C-407E-A947-70E740481C1C}">
+                  <a14:useLocalDpi xmlns:a14="http://schemas.microsoft.com/office/drawing/2010/main"/>
+                </a:ext>
+              </a:extLst>
+            </a:blip>
+            <a:srcRect/>
+            <a:stretch>
+              <a:fillRect/>
+            </a:stretch>
+          </p:blipFill>
+          <p:spPr bwMode="auto">
+            <a:xfrm>
+              <a:off x="0" y="0"/>
+              <a:ext cx="9144000" cy="5579269"/>
+            </a:xfrm>
+            <a:prstGeom prst="rect">
+              <a:avLst/>
+            </a:prstGeom>
+            <a:noFill/>
             <a:extLst>
-              <a:ext uri="{28A0092B-C50C-407E-A947-70E740481C1C}">
-                <a14:useLocalDpi xmlns:a14="http://schemas.microsoft.com/office/drawing/2010/main"/>
+              <a:ext uri="{909E8E84-426E-40dd-AFC4-6F175D3DCCD1}">
+                <a14:hiddenFill xmlns:a14="http://schemas.microsoft.com/office/drawing/2010/main">
+                  <a:solidFill>
+                    <a:srgbClr val="FFFFFF"/>
+                  </a:solidFill>
+                </a14:hiddenFill>
               </a:ext>
             </a:extLst>
-          </a:blip>
-          <a:srcRect/>
-          <a:stretch>
-            <a:fillRect/>
-          </a:stretch>
-        </p:blipFill>
-        <p:spPr bwMode="auto">
+          </p:spPr>
+        </p:pic>
+        <p:sp>
+          <p:nvSpPr>
+            <p:cNvPr id="5" name="矩形 4"/>
+            <p:cNvSpPr/>
+            <p:nvPr/>
+          </p:nvSpPr>
+          <p:spPr>
+            <a:xfrm>
+              <a:off x="0" y="5579268"/>
+              <a:ext cx="9144000" cy="1278732"/>
+            </a:xfrm>
+            <a:prstGeom prst="rect">
+              <a:avLst/>
+            </a:prstGeom>
+            <a:solidFill>
+              <a:schemeClr val="tx1"/>
+            </a:solidFill>
+            <a:ln>
+              <a:noFill/>
+            </a:ln>
+          </p:spPr>
+          <p:style>
+            <a:lnRef idx="2">
+              <a:schemeClr val="accent1">
+                <a:shade val="50000"/>
+              </a:schemeClr>
+            </a:lnRef>
+            <a:fillRef idx="1">
+              <a:schemeClr val="accent1"/>
+            </a:fillRef>
+            <a:effectRef idx="0">
+              <a:schemeClr val="accent1"/>
+            </a:effectRef>
+            <a:fontRef idx="minor">
+              <a:schemeClr val="lt1"/>
+            </a:fontRef>
+          </p:style>
+          <p:txBody>
+            <a:bodyPr rtlCol="0" anchor="ctr"/>
+            <a:lstStyle/>
+            <a:p>
+              <a:pPr algn="ctr"/>
+              <a:endParaRPr lang="zh-CN" altLang="en-US">
+                <a:solidFill>
+                  <a:srgbClr val="FFFFFF"/>
+                </a:solidFill>
+              </a:endParaRPr>
+            </a:p>
+          </p:txBody>
+        </p:sp>
+      </p:grpSp>
+      <p:sp>
+        <p:nvSpPr>
+          <p:cNvPr id="8" name="Title 1"/>
+          <p:cNvSpPr txBox="1">
+            <a:spLocks/>
+          </p:cNvSpPr>
+          <p:nvPr/>
+        </p:nvSpPr>
+        <p:spPr>
           <a:xfrm>
-            <a:off x="0" y="0"/>
-            <a:ext cx="9144000" cy="5579269"/>
+            <a:off x="292289" y="464024"/>
+            <a:ext cx="6032311" cy="685799"/>
           </a:xfrm>
           <a:prstGeom prst="rect">
             <a:avLst/>
           </a:prstGeom>
-          <a:noFill/>
-          <a:extLst>
-            <a:ext uri="{909E8E84-426E-40dd-AFC4-6F175D3DCCD1}">
-              <a14:hiddenFill xmlns:a14="http://schemas.microsoft.com/office/drawing/2010/main">
+        </p:spPr>
+        <p:txBody>
+          <a:bodyPr vert="horz" lIns="91440" tIns="45720" rIns="91440" bIns="45720" rtlCol="0" anchor="ctr">
+            <a:noAutofit/>
+          </a:bodyPr>
+          <a:lstStyle/>
+          <a:p>
+            <a:pPr marL="0" marR="0" lvl="0" indent="0" algn="ctr" defTabSz="914400" rtl="0" eaLnBrk="1" fontAlgn="auto" latinLnBrk="0" hangingPunct="1">
+              <a:lnSpc>
+                <a:spcPct val="100000"/>
+              </a:lnSpc>
+              <a:spcBef>
+                <a:spcPct val="0"/>
+              </a:spcBef>
+              <a:spcAft>
+                <a:spcPts val="0"/>
+              </a:spcAft>
+              <a:buClrTx/>
+              <a:buSzTx/>
+              <a:buFontTx/>
+              <a:buNone/>
+              <a:tabLst/>
+              <a:defRPr/>
+            </a:pPr>
+            <a:r>
+              <a:rPr lang="en-US" sz="4600" b="1" dirty="0" smtClean="0">
+                <a:ln w="0">
+                  <a:noFill/>
+                </a:ln>
                 <a:solidFill>
                   <a:srgbClr val="FFFFFF"/>
                 </a:solidFill>
-              </a14:hiddenFill>
-            </a:ext>
-          </a:extLst>
-        </p:spPr>
-      </p:pic>
-      <p:sp>
-        <p:nvSpPr>
-          <p:cNvPr id="9" name="矩形 8"/>
-          <p:cNvSpPr/>
+                <a:effectLst>
+                  <a:outerShdw blurRad="38100" sx="102000" sy="102000" algn="ctr" rotWithShape="0">
+                    <a:prstClr val="black">
+                      <a:alpha val="65000"/>
+                    </a:prstClr>
+                  </a:outerShdw>
+                </a:effectLst>
+                <a:latin typeface="Komika Parch" pitchFamily="2" charset="0"/>
+              </a:rPr>
+              <a:t>Proposed Solution</a:t>
+            </a:r>
+            <a:endParaRPr lang="en-US" sz="4600" b="1" dirty="0">
+              <a:ln w="0">
+                <a:noFill/>
+              </a:ln>
+              <a:solidFill>
+                <a:srgbClr val="FFFFFF"/>
+              </a:solidFill>
+              <a:effectLst>
+                <a:outerShdw blurRad="38100" sx="102000" sy="102000" algn="ctr" rotWithShape="0">
+                  <a:prstClr val="black">
+                    <a:alpha val="65000"/>
+                  </a:prstClr>
+                </a:outerShdw>
+              </a:effectLst>
+              <a:latin typeface="Komika Parch" pitchFamily="2" charset="0"/>
+            </a:endParaRPr>
+          </a:p>
+        </p:txBody>
+      </p:sp>
+    </p:spTree>
+    <p:extLst>
+      <p:ext uri="{BB962C8B-B14F-4D97-AF65-F5344CB8AC3E}">
+        <p14:creationId xmlns:p14="http://schemas.microsoft.com/office/powerpoint/2010/main" val="925010554"/>
+      </p:ext>
+    </p:extLst>
+  </p:cSld>
+  <p:clrMapOvr>
+    <a:masterClrMapping/>
+  </p:clrMapOvr>
+  <p:timing>
+    <p:tnLst>
+      <p:par>
+        <p:cTn xmlns:p14="http://schemas.microsoft.com/office/powerpoint/2010/main" id="1" dur="indefinite" restart="never" nodeType="tmRoot"/>
+      </p:par>
+    </p:tnLst>
+  </p:timing>
+</p:sld>
+</file>
+
+<file path=ppt/slides/slide7.xml><?xml version="1.0" encoding="utf-8"?>
+<p:sld xmlns:a="http://schemas.openxmlformats.org/drawingml/2006/main" xmlns:r="http://schemas.openxmlformats.org/officeDocument/2006/relationships" xmlns:p="http://schemas.openxmlformats.org/presentationml/2006/main">
+  <p:cSld>
+    <p:spTree>
+      <p:nvGrpSpPr>
+        <p:cNvPr id="1" name=""/>
+        <p:cNvGrpSpPr/>
+        <p:nvPr/>
+      </p:nvGrpSpPr>
+      <p:grpSpPr>
+        <a:xfrm>
+          <a:off x="0" y="0"/>
+          <a:ext cx="0" cy="0"/>
+          <a:chOff x="0" y="0"/>
+          <a:chExt cx="0" cy="0"/>
+        </a:xfrm>
+      </p:grpSpPr>
+      <p:grpSp>
+        <p:nvGrpSpPr>
+          <p:cNvPr id="2" name="Group 5"/>
+          <p:cNvGrpSpPr/>
+          <p:nvPr/>
+        </p:nvGrpSpPr>
+        <p:grpSpPr>
+          <a:xfrm>
+            <a:off x="0" y="0"/>
+            <a:ext cx="9144000" cy="6858000"/>
+            <a:chOff x="0" y="0"/>
+            <a:chExt cx="9144000" cy="6858000"/>
+          </a:xfrm>
+        </p:grpSpPr>
+        <p:pic>
+          <p:nvPicPr>
+            <p:cNvPr id="4" name="Picture 2" descr="D:\我的资料\website\KentCov_org  Mobile_files\bg.jpg"/>
+            <p:cNvPicPr>
+              <a:picLocks noChangeAspect="1" noChangeArrowheads="1"/>
+            </p:cNvPicPr>
+            <p:nvPr/>
+          </p:nvPicPr>
+          <p:blipFill>
+            <a:blip r:embed="rId2" cstate="print">
+              <a:extLst>
+                <a:ext uri="{28A0092B-C50C-407E-A947-70E740481C1C}">
+                  <a14:useLocalDpi xmlns:a14="http://schemas.microsoft.com/office/drawing/2010/main"/>
+                </a:ext>
+              </a:extLst>
+            </a:blip>
+            <a:srcRect/>
+            <a:stretch>
+              <a:fillRect/>
+            </a:stretch>
+          </p:blipFill>
+          <p:spPr bwMode="auto">
+            <a:xfrm>
+              <a:off x="0" y="0"/>
+              <a:ext cx="9144000" cy="5579269"/>
+            </a:xfrm>
+            <a:prstGeom prst="rect">
+              <a:avLst/>
+            </a:prstGeom>
+            <a:noFill/>
+            <a:extLst>
+              <a:ext uri="{909E8E84-426E-40dd-AFC4-6F175D3DCCD1}">
+                <a14:hiddenFill xmlns:a14="http://schemas.microsoft.com/office/drawing/2010/main">
+                  <a:solidFill>
+                    <a:srgbClr val="FFFFFF"/>
+                  </a:solidFill>
+                </a14:hiddenFill>
+              </a:ext>
+            </a:extLst>
+          </p:spPr>
+        </p:pic>
+        <p:sp>
+          <p:nvSpPr>
+            <p:cNvPr id="5" name="矩形 4"/>
+            <p:cNvSpPr/>
+            <p:nvPr/>
+          </p:nvSpPr>
+          <p:spPr>
+            <a:xfrm>
+              <a:off x="0" y="5579268"/>
+              <a:ext cx="9144000" cy="1278732"/>
+            </a:xfrm>
+            <a:prstGeom prst="rect">
+              <a:avLst/>
+            </a:prstGeom>
+            <a:solidFill>
+              <a:schemeClr val="tx1"/>
+            </a:solidFill>
+            <a:ln>
+              <a:noFill/>
+            </a:ln>
+          </p:spPr>
+          <p:style>
+            <a:lnRef idx="2">
+              <a:schemeClr val="accent1">
+                <a:shade val="50000"/>
+              </a:schemeClr>
+            </a:lnRef>
+            <a:fillRef idx="1">
+              <a:schemeClr val="accent1"/>
+            </a:fillRef>
+            <a:effectRef idx="0">
+              <a:schemeClr val="accent1"/>
+            </a:effectRef>
+            <a:fontRef idx="minor">
+              <a:schemeClr val="lt1"/>
+            </a:fontRef>
+          </p:style>
+          <p:txBody>
+            <a:bodyPr rtlCol="0" anchor="ctr"/>
+            <a:lstStyle/>
+            <a:p>
+              <a:pPr algn="ctr"/>
+              <a:endParaRPr lang="zh-CN" altLang="en-US">
+                <a:solidFill>
+                  <a:srgbClr val="FFFFFF"/>
+                </a:solidFill>
+              </a:endParaRPr>
+            </a:p>
+          </p:txBody>
+        </p:sp>
+      </p:grpSp>
+      <p:sp>
+        <p:nvSpPr>
+          <p:cNvPr id="8" name="Title 1"/>
+          <p:cNvSpPr txBox="1">
+            <a:spLocks/>
+          </p:cNvSpPr>
           <p:nvPr/>
         </p:nvSpPr>
         <p:spPr>
           <a:xfrm>
-            <a:off x="1524000" y="2334161"/>
-            <a:ext cx="6163097" cy="1323439"/>
+            <a:off x="292289" y="464024"/>
+            <a:ext cx="6032311" cy="685799"/>
           </a:xfrm>
           <a:prstGeom prst="rect">
             <a:avLst/>
           </a:prstGeom>
-          <a:noFill/>
         </p:spPr>
         <p:txBody>
-          <a:bodyPr wrap="none" lIns="91440" tIns="45720" rIns="91440" bIns="45720">
-            <a:spAutoFit/>
-            <a:scene3d>
-              <a:camera prst="orthographicFront">
-                <a:rot lat="0" lon="0" rev="0"/>
-              </a:camera>
-              <a:lightRig rig="contrasting" dir="t">
-                <a:rot lat="0" lon="0" rev="4500000"/>
-              </a:lightRig>
-            </a:scene3d>
-            <a:sp3d contourW="6350" prstMaterial="metal">
-              <a:bevelT w="127000" h="31750" prst="relaxedInset"/>
-              <a:contourClr>
-                <a:schemeClr val="accent1">
-                  <a:shade val="75000"/>
-                </a:schemeClr>
-              </a:contourClr>
-            </a:sp3d>
+          <a:bodyPr vert="horz" lIns="91440" tIns="45720" rIns="91440" bIns="45720" rtlCol="0" anchor="ctr">
+            <a:noAutofit/>
           </a:bodyPr>
           <a:lstStyle/>
           <a:p>
-            <a:pPr algn="ctr"/>
-            <a:r>
-              <a:rPr lang="en-US" altLang="zh-CN" sz="8000" b="1" cap="all" dirty="0" smtClean="0">
-                <a:ln w="0"/>
+            <a:pPr marL="0" marR="0" lvl="0" indent="0" algn="ctr" defTabSz="914400" rtl="0" eaLnBrk="1" fontAlgn="auto" latinLnBrk="0" hangingPunct="1">
+              <a:lnSpc>
+                <a:spcPct val="100000"/>
+              </a:lnSpc>
+              <a:spcBef>
+                <a:spcPct val="0"/>
+              </a:spcBef>
+              <a:spcAft>
+                <a:spcPts val="0"/>
+              </a:spcAft>
+              <a:buClrTx/>
+              <a:buSzTx/>
+              <a:buFontTx/>
+              <a:buNone/>
+              <a:tabLst/>
+              <a:defRPr/>
+            </a:pPr>
+            <a:r>
+              <a:rPr lang="en-US" sz="4600" b="1" dirty="0" smtClean="0">
+                <a:ln w="0">
+                  <a:noFill/>
+                </a:ln>
                 <a:solidFill>
-                  <a:schemeClr val="bg1"/>
+                  <a:srgbClr val="FFFFFF"/>
                 </a:solidFill>
                 <a:effectLst>
-                  <a:reflection blurRad="12700" stA="50000" endPos="50000" dist="5000" dir="5400000" sy="-100000" rotWithShape="0"/>
+                  <a:outerShdw blurRad="38100" sx="102000" sy="102000" algn="ctr" rotWithShape="0">
+                    <a:prstClr val="black">
+                      <a:alpha val="65000"/>
+                    </a:prstClr>
+                  </a:outerShdw>
                 </a:effectLst>
+                <a:latin typeface="Komika Parch" pitchFamily="2" charset="0"/>
               </a:rPr>
-              <a:t>QUESTIONS!!!</a:t>
-            </a:r>
-            <a:endParaRPr lang="zh-CN" altLang="en-US" sz="8000" b="1" cap="all" dirty="0">
-              <a:ln w="0"/>
+              <a:t>Proposed Solution</a:t>
+            </a:r>
+            <a:endParaRPr lang="en-US" sz="4600" b="1" dirty="0">
+              <a:ln w="0">
+                <a:noFill/>
+              </a:ln>
               <a:solidFill>
-                <a:schemeClr val="bg1"/>
+                <a:srgbClr val="FFFFFF"/>
               </a:solidFill>
               <a:effectLst>
-                <a:reflection blurRad="12700" stA="50000" endPos="50000" dist="5000" dir="5400000" sy="-100000" rotWithShape="0"/>
+                <a:outerShdw blurRad="38100" sx="102000" sy="102000" algn="ctr" rotWithShape="0">
+                  <a:prstClr val="black">
+                    <a:alpha val="65000"/>
+                  </a:prstClr>
+                </a:outerShdw>
               </a:effectLst>
+              <a:latin typeface="Komika Parch" pitchFamily="2" charset="0"/>
             </a:endParaRPr>
           </a:p>
         </p:txBody>
@@ -6595,7 +6894,605 @@
     </p:spTree>
     <p:extLst>
       <p:ext uri="{BB962C8B-B14F-4D97-AF65-F5344CB8AC3E}">
-        <p14:creationId xmlns:p14="http://schemas.microsoft.com/office/powerpoint/2010/main" val="3579150391"/>
+        <p14:creationId xmlns:p14="http://schemas.microsoft.com/office/powerpoint/2010/main" val="2194629508"/>
+      </p:ext>
+    </p:extLst>
+  </p:cSld>
+  <p:clrMapOvr>
+    <a:masterClrMapping/>
+  </p:clrMapOvr>
+  <p:timing>
+    <p:tnLst>
+      <p:par>
+        <p:cTn xmlns:p14="http://schemas.microsoft.com/office/powerpoint/2010/main" id="1" dur="indefinite" restart="never" nodeType="tmRoot"/>
+      </p:par>
+    </p:tnLst>
+  </p:timing>
+</p:sld>
+</file>
+
+<file path=ppt/slides/slide8.xml><?xml version="1.0" encoding="utf-8"?>
+<p:sld xmlns:a="http://schemas.openxmlformats.org/drawingml/2006/main" xmlns:r="http://schemas.openxmlformats.org/officeDocument/2006/relationships" xmlns:p="http://schemas.openxmlformats.org/presentationml/2006/main">
+  <p:cSld>
+    <p:spTree>
+      <p:nvGrpSpPr>
+        <p:cNvPr id="1" name=""/>
+        <p:cNvGrpSpPr/>
+        <p:nvPr/>
+      </p:nvGrpSpPr>
+      <p:grpSpPr>
+        <a:xfrm>
+          <a:off x="0" y="0"/>
+          <a:ext cx="0" cy="0"/>
+          <a:chOff x="0" y="0"/>
+          <a:chExt cx="0" cy="0"/>
+        </a:xfrm>
+      </p:grpSpPr>
+      <p:grpSp>
+        <p:nvGrpSpPr>
+          <p:cNvPr id="2" name="Group 5"/>
+          <p:cNvGrpSpPr/>
+          <p:nvPr/>
+        </p:nvGrpSpPr>
+        <p:grpSpPr>
+          <a:xfrm>
+            <a:off x="0" y="0"/>
+            <a:ext cx="9144000" cy="6858000"/>
+            <a:chOff x="0" y="0"/>
+            <a:chExt cx="9144000" cy="6858000"/>
+          </a:xfrm>
+        </p:grpSpPr>
+        <p:pic>
+          <p:nvPicPr>
+            <p:cNvPr id="4" name="Picture 2" descr="D:\我的资料\website\KentCov_org  Mobile_files\bg.jpg"/>
+            <p:cNvPicPr>
+              <a:picLocks noChangeAspect="1" noChangeArrowheads="1"/>
+            </p:cNvPicPr>
+            <p:nvPr/>
+          </p:nvPicPr>
+          <p:blipFill>
+            <a:blip r:embed="rId2" cstate="print">
+              <a:extLst>
+                <a:ext uri="{28A0092B-C50C-407E-A947-70E740481C1C}">
+                  <a14:useLocalDpi xmlns:a14="http://schemas.microsoft.com/office/drawing/2010/main"/>
+                </a:ext>
+              </a:extLst>
+            </a:blip>
+            <a:srcRect/>
+            <a:stretch>
+              <a:fillRect/>
+            </a:stretch>
+          </p:blipFill>
+          <p:spPr bwMode="auto">
+            <a:xfrm>
+              <a:off x="0" y="0"/>
+              <a:ext cx="9144000" cy="5579269"/>
+            </a:xfrm>
+            <a:prstGeom prst="rect">
+              <a:avLst/>
+            </a:prstGeom>
+            <a:noFill/>
+            <a:extLst>
+              <a:ext uri="{909E8E84-426E-40dd-AFC4-6F175D3DCCD1}">
+                <a14:hiddenFill xmlns:a14="http://schemas.microsoft.com/office/drawing/2010/main">
+                  <a:solidFill>
+                    <a:srgbClr val="FFFFFF"/>
+                  </a:solidFill>
+                </a14:hiddenFill>
+              </a:ext>
+            </a:extLst>
+          </p:spPr>
+        </p:pic>
+        <p:sp>
+          <p:nvSpPr>
+            <p:cNvPr id="5" name="矩形 4"/>
+            <p:cNvSpPr/>
+            <p:nvPr/>
+          </p:nvSpPr>
+          <p:spPr>
+            <a:xfrm>
+              <a:off x="0" y="5579268"/>
+              <a:ext cx="9144000" cy="1278732"/>
+            </a:xfrm>
+            <a:prstGeom prst="rect">
+              <a:avLst/>
+            </a:prstGeom>
+            <a:solidFill>
+              <a:schemeClr val="tx1"/>
+            </a:solidFill>
+            <a:ln>
+              <a:noFill/>
+            </a:ln>
+          </p:spPr>
+          <p:style>
+            <a:lnRef idx="2">
+              <a:schemeClr val="accent1">
+                <a:shade val="50000"/>
+              </a:schemeClr>
+            </a:lnRef>
+            <a:fillRef idx="1">
+              <a:schemeClr val="accent1"/>
+            </a:fillRef>
+            <a:effectRef idx="0">
+              <a:schemeClr val="accent1"/>
+            </a:effectRef>
+            <a:fontRef idx="minor">
+              <a:schemeClr val="lt1"/>
+            </a:fontRef>
+          </p:style>
+          <p:txBody>
+            <a:bodyPr rtlCol="0" anchor="ctr"/>
+            <a:lstStyle/>
+            <a:p>
+              <a:pPr algn="ctr"/>
+              <a:endParaRPr lang="zh-CN" altLang="en-US">
+                <a:solidFill>
+                  <a:srgbClr val="FFFFFF"/>
+                </a:solidFill>
+              </a:endParaRPr>
+            </a:p>
+          </p:txBody>
+        </p:sp>
+      </p:grpSp>
+      <p:sp>
+        <p:nvSpPr>
+          <p:cNvPr id="8" name="Title 1"/>
+          <p:cNvSpPr txBox="1">
+            <a:spLocks/>
+          </p:cNvSpPr>
+          <p:nvPr/>
+        </p:nvSpPr>
+        <p:spPr>
+          <a:xfrm>
+            <a:off x="292289" y="464024"/>
+            <a:ext cx="6032311" cy="685799"/>
+          </a:xfrm>
+          <a:prstGeom prst="rect">
+            <a:avLst/>
+          </a:prstGeom>
+        </p:spPr>
+        <p:txBody>
+          <a:bodyPr vert="horz" lIns="91440" tIns="45720" rIns="91440" bIns="45720" rtlCol="0" anchor="ctr">
+            <a:noAutofit/>
+          </a:bodyPr>
+          <a:lstStyle/>
+          <a:p>
+            <a:pPr marL="0" marR="0" lvl="0" indent="0" algn="ctr" defTabSz="914400" rtl="0" eaLnBrk="1" fontAlgn="auto" latinLnBrk="0" hangingPunct="1">
+              <a:lnSpc>
+                <a:spcPct val="100000"/>
+              </a:lnSpc>
+              <a:spcBef>
+                <a:spcPct val="0"/>
+              </a:spcBef>
+              <a:spcAft>
+                <a:spcPts val="0"/>
+              </a:spcAft>
+              <a:buClrTx/>
+              <a:buSzTx/>
+              <a:buFontTx/>
+              <a:buNone/>
+              <a:tabLst/>
+              <a:defRPr/>
+            </a:pPr>
+            <a:r>
+              <a:rPr lang="en-US" sz="4600" b="1" dirty="0" smtClean="0">
+                <a:ln w="0">
+                  <a:noFill/>
+                </a:ln>
+                <a:solidFill>
+                  <a:srgbClr val="FFFFFF"/>
+                </a:solidFill>
+                <a:effectLst>
+                  <a:outerShdw blurRad="38100" sx="102000" sy="102000" algn="ctr" rotWithShape="0">
+                    <a:prstClr val="black">
+                      <a:alpha val="65000"/>
+                    </a:prstClr>
+                  </a:outerShdw>
+                </a:effectLst>
+                <a:latin typeface="Komika Parch" pitchFamily="2" charset="0"/>
+              </a:rPr>
+              <a:t>Proposed Solution</a:t>
+            </a:r>
+            <a:endParaRPr lang="en-US" sz="4600" b="1" dirty="0">
+              <a:ln w="0">
+                <a:noFill/>
+              </a:ln>
+              <a:solidFill>
+                <a:srgbClr val="FFFFFF"/>
+              </a:solidFill>
+              <a:effectLst>
+                <a:outerShdw blurRad="38100" sx="102000" sy="102000" algn="ctr" rotWithShape="0">
+                  <a:prstClr val="black">
+                    <a:alpha val="65000"/>
+                  </a:prstClr>
+                </a:outerShdw>
+              </a:effectLst>
+              <a:latin typeface="Komika Parch" pitchFamily="2" charset="0"/>
+            </a:endParaRPr>
+          </a:p>
+        </p:txBody>
+      </p:sp>
+    </p:spTree>
+    <p:extLst>
+      <p:ext uri="{BB962C8B-B14F-4D97-AF65-F5344CB8AC3E}">
+        <p14:creationId xmlns:p14="http://schemas.microsoft.com/office/powerpoint/2010/main" val="2194629508"/>
+      </p:ext>
+    </p:extLst>
+  </p:cSld>
+  <p:clrMapOvr>
+    <a:masterClrMapping/>
+  </p:clrMapOvr>
+  <p:timing>
+    <p:tnLst>
+      <p:par>
+        <p:cTn xmlns:p14="http://schemas.microsoft.com/office/powerpoint/2010/main" id="1" dur="indefinite" restart="never" nodeType="tmRoot"/>
+      </p:par>
+    </p:tnLst>
+  </p:timing>
+</p:sld>
+</file>
+
+<file path=ppt/slides/slide9.xml><?xml version="1.0" encoding="utf-8"?>
+<p:sld xmlns:a="http://schemas.openxmlformats.org/drawingml/2006/main" xmlns:r="http://schemas.openxmlformats.org/officeDocument/2006/relationships" xmlns:p="http://schemas.openxmlformats.org/presentationml/2006/main">
+  <p:cSld>
+    <p:spTree>
+      <p:nvGrpSpPr>
+        <p:cNvPr id="1" name=""/>
+        <p:cNvGrpSpPr/>
+        <p:nvPr/>
+      </p:nvGrpSpPr>
+      <p:grpSpPr>
+        <a:xfrm>
+          <a:off x="0" y="0"/>
+          <a:ext cx="0" cy="0"/>
+          <a:chOff x="0" y="0"/>
+          <a:chExt cx="0" cy="0"/>
+        </a:xfrm>
+      </p:grpSpPr>
+      <p:grpSp>
+        <p:nvGrpSpPr>
+          <p:cNvPr id="2" name="Group 5"/>
+          <p:cNvGrpSpPr/>
+          <p:nvPr/>
+        </p:nvGrpSpPr>
+        <p:grpSpPr>
+          <a:xfrm>
+            <a:off x="0" y="0"/>
+            <a:ext cx="9144000" cy="6858000"/>
+            <a:chOff x="0" y="0"/>
+            <a:chExt cx="9144000" cy="6858000"/>
+          </a:xfrm>
+        </p:grpSpPr>
+        <p:pic>
+          <p:nvPicPr>
+            <p:cNvPr id="4" name="Picture 2" descr="D:\我的资料\website\KentCov_org  Mobile_files\bg.jpg"/>
+            <p:cNvPicPr>
+              <a:picLocks noChangeAspect="1" noChangeArrowheads="1"/>
+            </p:cNvPicPr>
+            <p:nvPr/>
+          </p:nvPicPr>
+          <p:blipFill>
+            <a:blip r:embed="rId2" cstate="print">
+              <a:extLst>
+                <a:ext uri="{28A0092B-C50C-407E-A947-70E740481C1C}">
+                  <a14:useLocalDpi xmlns:a14="http://schemas.microsoft.com/office/drawing/2010/main"/>
+                </a:ext>
+              </a:extLst>
+            </a:blip>
+            <a:srcRect/>
+            <a:stretch>
+              <a:fillRect/>
+            </a:stretch>
+          </p:blipFill>
+          <p:spPr bwMode="auto">
+            <a:xfrm>
+              <a:off x="0" y="0"/>
+              <a:ext cx="9144000" cy="5579269"/>
+            </a:xfrm>
+            <a:prstGeom prst="rect">
+              <a:avLst/>
+            </a:prstGeom>
+            <a:noFill/>
+            <a:extLst>
+              <a:ext uri="{909E8E84-426E-40dd-AFC4-6F175D3DCCD1}">
+                <a14:hiddenFill xmlns:a14="http://schemas.microsoft.com/office/drawing/2010/main">
+                  <a:solidFill>
+                    <a:srgbClr val="FFFFFF"/>
+                  </a:solidFill>
+                </a14:hiddenFill>
+              </a:ext>
+            </a:extLst>
+          </p:spPr>
+        </p:pic>
+        <p:sp>
+          <p:nvSpPr>
+            <p:cNvPr id="5" name="矩形 4"/>
+            <p:cNvSpPr/>
+            <p:nvPr/>
+          </p:nvSpPr>
+          <p:spPr>
+            <a:xfrm>
+              <a:off x="0" y="5579268"/>
+              <a:ext cx="9144000" cy="1278732"/>
+            </a:xfrm>
+            <a:prstGeom prst="rect">
+              <a:avLst/>
+            </a:prstGeom>
+            <a:solidFill>
+              <a:schemeClr val="tx1"/>
+            </a:solidFill>
+            <a:ln>
+              <a:noFill/>
+            </a:ln>
+          </p:spPr>
+          <p:style>
+            <a:lnRef idx="2">
+              <a:schemeClr val="accent1">
+                <a:shade val="50000"/>
+              </a:schemeClr>
+            </a:lnRef>
+            <a:fillRef idx="1">
+              <a:schemeClr val="accent1"/>
+            </a:fillRef>
+            <a:effectRef idx="0">
+              <a:schemeClr val="accent1"/>
+            </a:effectRef>
+            <a:fontRef idx="minor">
+              <a:schemeClr val="lt1"/>
+            </a:fontRef>
+          </p:style>
+          <p:txBody>
+            <a:bodyPr rtlCol="0" anchor="ctr"/>
+            <a:lstStyle/>
+            <a:p>
+              <a:pPr algn="ctr"/>
+              <a:endParaRPr lang="zh-CN" altLang="en-US">
+                <a:solidFill>
+                  <a:srgbClr val="FFFFFF"/>
+                </a:solidFill>
+              </a:endParaRPr>
+            </a:p>
+          </p:txBody>
+        </p:sp>
+      </p:grpSp>
+      <p:sp>
+        <p:nvSpPr>
+          <p:cNvPr id="11" name="Title 1"/>
+          <p:cNvSpPr txBox="1">
+            <a:spLocks/>
+          </p:cNvSpPr>
+          <p:nvPr/>
+        </p:nvSpPr>
+        <p:spPr>
+          <a:xfrm>
+            <a:off x="609600" y="1524000"/>
+            <a:ext cx="8229600" cy="4114800"/>
+          </a:xfrm>
+          <a:prstGeom prst="rect">
+            <a:avLst/>
+          </a:prstGeom>
+        </p:spPr>
+        <p:txBody>
+          <a:bodyPr vert="horz" lIns="91440" tIns="45720" rIns="91440" bIns="45720" rtlCol="0" anchor="ctr">
+            <a:noAutofit/>
+          </a:bodyPr>
+          <a:lstStyle/>
+          <a:p>
+            <a:pPr marL="457200" marR="0" lvl="0" indent="-457200" defTabSz="914400" rtl="0" eaLnBrk="1" fontAlgn="auto" latinLnBrk="0" hangingPunct="1">
+              <a:lnSpc>
+                <a:spcPct val="100000"/>
+              </a:lnSpc>
+              <a:spcBef>
+                <a:spcPct val="0"/>
+              </a:spcBef>
+              <a:spcAft>
+                <a:spcPts val="0"/>
+              </a:spcAft>
+              <a:buClrTx/>
+              <a:buSzTx/>
+              <a:buFont typeface="Arial" pitchFamily="34" charset="0"/>
+              <a:buChar char="•"/>
+              <a:tabLst/>
+              <a:defRPr/>
+            </a:pPr>
+            <a:endParaRPr kumimoji="0" lang="en-US" sz="2500" b="0" i="0" strike="noStrike" kern="1200" cap="none" spc="0" normalizeH="0" baseline="0" noProof="0" dirty="0" smtClean="0">
+              <a:ln>
+                <a:noFill/>
+              </a:ln>
+              <a:solidFill>
+                <a:srgbClr val="FFFFFF"/>
+              </a:solidFill>
+              <a:effectLst/>
+              <a:uLnTx/>
+              <a:uFillTx/>
+              <a:latin typeface="+mj-lt"/>
+              <a:ea typeface="+mj-ea"/>
+              <a:cs typeface="+mj-cs"/>
+            </a:endParaRPr>
+          </a:p>
+        </p:txBody>
+      </p:sp>
+      <p:sp>
+        <p:nvSpPr>
+          <p:cNvPr id="8" name="Title 1"/>
+          <p:cNvSpPr txBox="1">
+            <a:spLocks/>
+          </p:cNvSpPr>
+          <p:nvPr/>
+        </p:nvSpPr>
+        <p:spPr>
+          <a:xfrm>
+            <a:off x="292289" y="464024"/>
+            <a:ext cx="6489511" cy="685799"/>
+          </a:xfrm>
+          <a:prstGeom prst="rect">
+            <a:avLst/>
+          </a:prstGeom>
+        </p:spPr>
+        <p:txBody>
+          <a:bodyPr vert="horz" lIns="91440" tIns="45720" rIns="91440" bIns="45720" rtlCol="0" anchor="ctr">
+            <a:noAutofit/>
+          </a:bodyPr>
+          <a:lstStyle/>
+          <a:p>
+            <a:pPr marL="0" marR="0" lvl="0" indent="0" algn="ctr" defTabSz="914400" rtl="0" eaLnBrk="1" fontAlgn="auto" latinLnBrk="0" hangingPunct="1">
+              <a:lnSpc>
+                <a:spcPct val="100000"/>
+              </a:lnSpc>
+              <a:spcBef>
+                <a:spcPct val="0"/>
+              </a:spcBef>
+              <a:spcAft>
+                <a:spcPts val="0"/>
+              </a:spcAft>
+              <a:buClrTx/>
+              <a:buSzTx/>
+              <a:buFontTx/>
+              <a:buNone/>
+              <a:tabLst/>
+              <a:defRPr/>
+            </a:pPr>
+            <a:r>
+              <a:rPr lang="en-US" sz="4600" b="1" dirty="0" smtClean="0">
+                <a:ln w="0">
+                  <a:noFill/>
+                </a:ln>
+                <a:solidFill>
+                  <a:srgbClr val="FFFFFF"/>
+                </a:solidFill>
+                <a:effectLst>
+                  <a:outerShdw blurRad="38100" sx="102000" sy="102000" algn="ctr" rotWithShape="0">
+                    <a:prstClr val="black">
+                      <a:alpha val="65000"/>
+                    </a:prstClr>
+                  </a:outerShdw>
+                </a:effectLst>
+                <a:latin typeface="Komika Parch" pitchFamily="2" charset="0"/>
+              </a:rPr>
+              <a:t>Usability Testing</a:t>
+            </a:r>
+            <a:endParaRPr lang="en-US" sz="4600" b="1" dirty="0">
+              <a:ln w="0">
+                <a:noFill/>
+              </a:ln>
+              <a:solidFill>
+                <a:srgbClr val="FFFFFF"/>
+              </a:solidFill>
+              <a:effectLst>
+                <a:outerShdw blurRad="38100" sx="102000" sy="102000" algn="ctr" rotWithShape="0">
+                  <a:prstClr val="black">
+                    <a:alpha val="65000"/>
+                  </a:prstClr>
+                </a:outerShdw>
+              </a:effectLst>
+              <a:latin typeface="Komika Parch" pitchFamily="2" charset="0"/>
+            </a:endParaRPr>
+          </a:p>
+        </p:txBody>
+      </p:sp>
+      <p:sp>
+        <p:nvSpPr>
+          <p:cNvPr id="7" name="Title 1"/>
+          <p:cNvSpPr txBox="1">
+            <a:spLocks/>
+          </p:cNvSpPr>
+          <p:nvPr/>
+        </p:nvSpPr>
+        <p:spPr>
+          <a:xfrm>
+            <a:off x="762000" y="1676400"/>
+            <a:ext cx="8229600" cy="4114800"/>
+          </a:xfrm>
+          <a:prstGeom prst="rect">
+            <a:avLst/>
+          </a:prstGeom>
+        </p:spPr>
+        <p:txBody>
+          <a:bodyPr vert="horz" lIns="91440" tIns="45720" rIns="91440" bIns="45720" rtlCol="0" anchor="ctr">
+            <a:noAutofit/>
+          </a:bodyPr>
+          <a:lstStyle/>
+          <a:p>
+            <a:pPr marL="457200" marR="0" lvl="0" indent="-457200" defTabSz="914400" rtl="0" eaLnBrk="1" fontAlgn="auto" latinLnBrk="0" hangingPunct="1">
+              <a:lnSpc>
+                <a:spcPct val="100000"/>
+              </a:lnSpc>
+              <a:spcBef>
+                <a:spcPct val="0"/>
+              </a:spcBef>
+              <a:spcAft>
+                <a:spcPts val="0"/>
+              </a:spcAft>
+              <a:buClrTx/>
+              <a:buSzTx/>
+              <a:buFont typeface="Arial" pitchFamily="34" charset="0"/>
+              <a:buChar char="•"/>
+              <a:tabLst/>
+              <a:defRPr/>
+            </a:pPr>
+            <a:endParaRPr kumimoji="0" lang="en-US" sz="2500" b="0" i="0" strike="noStrike" kern="1200" cap="none" spc="0" normalizeH="0" baseline="0" noProof="0" dirty="0" smtClean="0">
+              <a:ln>
+                <a:noFill/>
+              </a:ln>
+              <a:solidFill>
+                <a:srgbClr val="FFFFFF"/>
+              </a:solidFill>
+              <a:effectLst/>
+              <a:uLnTx/>
+              <a:uFillTx/>
+              <a:latin typeface="+mj-lt"/>
+              <a:ea typeface="+mj-ea"/>
+              <a:cs typeface="+mj-cs"/>
+            </a:endParaRPr>
+          </a:p>
+          <a:p>
+            <a:pPr marR="0" lvl="0" defTabSz="914400" rtl="0" eaLnBrk="1" fontAlgn="auto" latinLnBrk="0" hangingPunct="1">
+              <a:lnSpc>
+                <a:spcPct val="100000"/>
+              </a:lnSpc>
+              <a:spcBef>
+                <a:spcPct val="0"/>
+              </a:spcBef>
+              <a:spcAft>
+                <a:spcPts val="0"/>
+              </a:spcAft>
+              <a:buClrTx/>
+              <a:buSzTx/>
+              <a:tabLst/>
+              <a:defRPr/>
+            </a:pPr>
+            <a:r>
+              <a:rPr lang="en-US" sz="2500" dirty="0" smtClean="0">
+                <a:solidFill>
+                  <a:srgbClr val="FFFFFF"/>
+                </a:solidFill>
+                <a:latin typeface="+mj-lt"/>
+                <a:ea typeface="+mj-ea"/>
+                <a:cs typeface="+mj-cs"/>
+              </a:rPr>
+              <a:t>User d</a:t>
+            </a:r>
+            <a:endParaRPr kumimoji="0" lang="en-US" sz="2500" b="0" i="0" strike="noStrike" kern="1200" cap="none" spc="0" normalizeH="0" baseline="0" noProof="0" dirty="0" smtClean="0">
+              <a:ln>
+                <a:noFill/>
+              </a:ln>
+              <a:solidFill>
+                <a:srgbClr val="FFFFFF"/>
+              </a:solidFill>
+              <a:effectLst/>
+              <a:uLnTx/>
+              <a:uFillTx/>
+              <a:latin typeface="+mj-lt"/>
+              <a:ea typeface="+mj-ea"/>
+              <a:cs typeface="+mj-cs"/>
+            </a:endParaRPr>
+          </a:p>
+        </p:txBody>
+      </p:sp>
+    </p:spTree>
+    <p:extLst>
+      <p:ext uri="{BB962C8B-B14F-4D97-AF65-F5344CB8AC3E}">
+        <p14:creationId xmlns:p14="http://schemas.microsoft.com/office/powerpoint/2010/main" val="1882893687"/>
       </p:ext>
     </p:extLst>
   </p:cSld>

--- a/Presentaton slide/HIT3061 SOFTWARE TEAM PROJECT week 11.pptx
+++ b/Presentaton slide/HIT3061 SOFTWARE TEAM PROJECT week 11.pptx
@@ -5,24 +5,35 @@
     <p:sldMasterId id="2147483648" r:id="rId1"/>
   </p:sldMasterIdLst>
   <p:notesMasterIdLst>
-    <p:notesMasterId r:id="rId14"/>
+    <p:notesMasterId r:id="rId12"/>
   </p:notesMasterIdLst>
   <p:sldIdLst>
     <p:sldId id="291" r:id="rId2"/>
     <p:sldId id="292" r:id="rId3"/>
     <p:sldId id="294" r:id="rId4"/>
     <p:sldId id="293" r:id="rId5"/>
-    <p:sldId id="320" r:id="rId6"/>
-    <p:sldId id="314" r:id="rId7"/>
-    <p:sldId id="318" r:id="rId8"/>
-    <p:sldId id="319" r:id="rId9"/>
-    <p:sldId id="295" r:id="rId10"/>
-    <p:sldId id="315" r:id="rId11"/>
-    <p:sldId id="316" r:id="rId12"/>
-    <p:sldId id="313" r:id="rId13"/>
+    <p:sldId id="314" r:id="rId6"/>
+    <p:sldId id="320" r:id="rId7"/>
+    <p:sldId id="295" r:id="rId8"/>
+    <p:sldId id="315" r:id="rId9"/>
+    <p:sldId id="316" r:id="rId10"/>
+    <p:sldId id="313" r:id="rId11"/>
   </p:sldIdLst>
   <p:sldSz cx="9144000" cy="6858000" type="screen4x3"/>
   <p:notesSz cx="6858000" cy="9144000"/>
+  <p:embeddedFontLst>
+    <p:embeddedFont>
+      <p:font typeface="宋体" panose="02010600030101010101" pitchFamily="2" charset="-122"/>
+      <p:regular r:id="rId13"/>
+    </p:embeddedFont>
+    <p:embeddedFont>
+      <p:font typeface="Calibri" panose="020F0502020204030204" pitchFamily="34" charset="0"/>
+      <p:regular r:id="rId14"/>
+      <p:bold r:id="rId15"/>
+      <p:italic r:id="rId16"/>
+      <p:boldItalic r:id="rId17"/>
+    </p:embeddedFont>
+  </p:embeddedFontLst>
   <p:defaultTextStyle>
     <a:defPPr>
       <a:defRPr lang="zh-CN"/>
@@ -204,7 +215,7 @@
             <a:fld id="{4BDC485C-C49A-4366-A320-D4D420BCC7DA}" type="datetimeFigureOut">
               <a:rPr lang="en-AU" smtClean="0"/>
               <a:pPr/>
-              <a:t>22/10/13</a:t>
+              <a:t>27/10/2013</a:t>
             </a:fld>
             <a:endParaRPr lang="en-AU"/>
           </a:p>
@@ -655,7 +666,7 @@
             <a:fld id="{CF629A08-2B0F-4620-BF31-E09740D255D1}" type="datetimeFigureOut">
               <a:rPr lang="zh-CN" altLang="en-US" smtClean="0"/>
               <a:pPr/>
-              <a:t>22/10/13</a:t>
+              <a:t>2013/10/27</a:t>
             </a:fld>
             <a:endParaRPr lang="zh-CN" altLang="en-US"/>
           </a:p>
@@ -827,7 +838,7 @@
             <a:fld id="{CF629A08-2B0F-4620-BF31-E09740D255D1}" type="datetimeFigureOut">
               <a:rPr lang="zh-CN" altLang="en-US" smtClean="0"/>
               <a:pPr/>
-              <a:t>22/10/13</a:t>
+              <a:t>2013/10/27</a:t>
             </a:fld>
             <a:endParaRPr lang="zh-CN" altLang="en-US"/>
           </a:p>
@@ -1009,7 +1020,7 @@
             <a:fld id="{CF629A08-2B0F-4620-BF31-E09740D255D1}" type="datetimeFigureOut">
               <a:rPr lang="zh-CN" altLang="en-US" smtClean="0"/>
               <a:pPr/>
-              <a:t>22/10/13</a:t>
+              <a:t>2013/10/27</a:t>
             </a:fld>
             <a:endParaRPr lang="zh-CN" altLang="en-US"/>
           </a:p>
@@ -1181,7 +1192,7 @@
             <a:fld id="{CF629A08-2B0F-4620-BF31-E09740D255D1}" type="datetimeFigureOut">
               <a:rPr lang="zh-CN" altLang="en-US" smtClean="0"/>
               <a:pPr/>
-              <a:t>22/10/13</a:t>
+              <a:t>2013/10/27</a:t>
             </a:fld>
             <a:endParaRPr lang="zh-CN" altLang="en-US"/>
           </a:p>
@@ -1429,7 +1440,7 @@
             <a:fld id="{CF629A08-2B0F-4620-BF31-E09740D255D1}" type="datetimeFigureOut">
               <a:rPr lang="zh-CN" altLang="en-US" smtClean="0"/>
               <a:pPr/>
-              <a:t>22/10/13</a:t>
+              <a:t>2013/10/27</a:t>
             </a:fld>
             <a:endParaRPr lang="zh-CN" altLang="en-US"/>
           </a:p>
@@ -1719,7 +1730,7 @@
             <a:fld id="{CF629A08-2B0F-4620-BF31-E09740D255D1}" type="datetimeFigureOut">
               <a:rPr lang="zh-CN" altLang="en-US" smtClean="0"/>
               <a:pPr/>
-              <a:t>22/10/13</a:t>
+              <a:t>2013/10/27</a:t>
             </a:fld>
             <a:endParaRPr lang="zh-CN" altLang="en-US"/>
           </a:p>
@@ -2143,7 +2154,7 @@
             <a:fld id="{CF629A08-2B0F-4620-BF31-E09740D255D1}" type="datetimeFigureOut">
               <a:rPr lang="zh-CN" altLang="en-US" smtClean="0"/>
               <a:pPr/>
-              <a:t>22/10/13</a:t>
+              <a:t>2013/10/27</a:t>
             </a:fld>
             <a:endParaRPr lang="zh-CN" altLang="en-US"/>
           </a:p>
@@ -2263,7 +2274,7 @@
             <a:fld id="{CF629A08-2B0F-4620-BF31-E09740D255D1}" type="datetimeFigureOut">
               <a:rPr lang="zh-CN" altLang="en-US" smtClean="0"/>
               <a:pPr/>
-              <a:t>22/10/13</a:t>
+              <a:t>2013/10/27</a:t>
             </a:fld>
             <a:endParaRPr lang="zh-CN" altLang="en-US"/>
           </a:p>
@@ -2360,7 +2371,7 @@
             <a:fld id="{CF629A08-2B0F-4620-BF31-E09740D255D1}" type="datetimeFigureOut">
               <a:rPr lang="zh-CN" altLang="en-US" smtClean="0"/>
               <a:pPr/>
-              <a:t>22/10/13</a:t>
+              <a:t>2013/10/27</a:t>
             </a:fld>
             <a:endParaRPr lang="zh-CN" altLang="en-US"/>
           </a:p>
@@ -2639,7 +2650,7 @@
             <a:fld id="{CF629A08-2B0F-4620-BF31-E09740D255D1}" type="datetimeFigureOut">
               <a:rPr lang="zh-CN" altLang="en-US" smtClean="0"/>
               <a:pPr/>
-              <a:t>22/10/13</a:t>
+              <a:t>2013/10/27</a:t>
             </a:fld>
             <a:endParaRPr lang="zh-CN" altLang="en-US"/>
           </a:p>
@@ -2898,7 +2909,7 @@
             <a:fld id="{CF629A08-2B0F-4620-BF31-E09740D255D1}" type="datetimeFigureOut">
               <a:rPr lang="zh-CN" altLang="en-US" smtClean="0"/>
               <a:pPr/>
-              <a:t>22/10/13</a:t>
+              <a:t>2013/10/27</a:t>
             </a:fld>
             <a:endParaRPr lang="zh-CN" altLang="en-US"/>
           </a:p>
@@ -3116,7 +3127,7 @@
             <a:fld id="{CF629A08-2B0F-4620-BF31-E09740D255D1}" type="datetimeFigureOut">
               <a:rPr lang="zh-CN" altLang="en-US" smtClean="0"/>
               <a:pPr/>
-              <a:t>22/10/13</a:t>
+              <a:t>2013/10/27</a:t>
             </a:fld>
             <a:endParaRPr lang="zh-CN" altLang="en-US"/>
           </a:p>
@@ -3523,7 +3534,7 @@
           </a:prstGeom>
           <a:noFill/>
           <a:extLst>
-            <a:ext uri="{909E8E84-426E-40dd-AFC4-6F175D3DCCD1}">
+            <a:ext uri="{909E8E84-426E-40DD-AFC4-6F175D3DCCD1}">
               <a14:hiddenFill xmlns:a14="http://schemas.microsoft.com/office/drawing/2010/main">
                 <a:solidFill>
                   <a:srgbClr val="FFFFFF"/>
@@ -4088,7 +4099,7 @@
   <p:timing>
     <p:tnLst>
       <p:par>
-        <p:cTn xmlns:p14="http://schemas.microsoft.com/office/powerpoint/2010/main" id="1" dur="indefinite" restart="never" nodeType="tmRoot"/>
+        <p:cTn id="1" dur="indefinite" restart="never" nodeType="tmRoot"/>
       </p:par>
     </p:tnLst>
   </p:timing>
@@ -4096,448 +4107,6 @@
 </file>
 
 <file path=ppt/slides/slide10.xml><?xml version="1.0" encoding="utf-8"?>
-<p:sld xmlns:a="http://schemas.openxmlformats.org/drawingml/2006/main" xmlns:r="http://schemas.openxmlformats.org/officeDocument/2006/relationships" xmlns:p="http://schemas.openxmlformats.org/presentationml/2006/main">
-  <p:cSld>
-    <p:spTree>
-      <p:nvGrpSpPr>
-        <p:cNvPr id="1" name=""/>
-        <p:cNvGrpSpPr/>
-        <p:nvPr/>
-      </p:nvGrpSpPr>
-      <p:grpSpPr>
-        <a:xfrm>
-          <a:off x="0" y="0"/>
-          <a:ext cx="0" cy="0"/>
-          <a:chOff x="0" y="0"/>
-          <a:chExt cx="0" cy="0"/>
-        </a:xfrm>
-      </p:grpSpPr>
-      <p:grpSp>
-        <p:nvGrpSpPr>
-          <p:cNvPr id="2" name="Group 5"/>
-          <p:cNvGrpSpPr/>
-          <p:nvPr/>
-        </p:nvGrpSpPr>
-        <p:grpSpPr>
-          <a:xfrm>
-            <a:off x="0" y="0"/>
-            <a:ext cx="9144000" cy="6858000"/>
-            <a:chOff x="0" y="0"/>
-            <a:chExt cx="9144000" cy="6858000"/>
-          </a:xfrm>
-        </p:grpSpPr>
-        <p:pic>
-          <p:nvPicPr>
-            <p:cNvPr id="4" name="Picture 2" descr="D:\我的资料\website\KentCov_org  Mobile_files\bg.jpg"/>
-            <p:cNvPicPr>
-              <a:picLocks noChangeAspect="1" noChangeArrowheads="1"/>
-            </p:cNvPicPr>
-            <p:nvPr/>
-          </p:nvPicPr>
-          <p:blipFill>
-            <a:blip r:embed="rId2" cstate="print">
-              <a:extLst>
-                <a:ext uri="{28A0092B-C50C-407E-A947-70E740481C1C}">
-                  <a14:useLocalDpi xmlns:a14="http://schemas.microsoft.com/office/drawing/2010/main"/>
-                </a:ext>
-              </a:extLst>
-            </a:blip>
-            <a:srcRect/>
-            <a:stretch>
-              <a:fillRect/>
-            </a:stretch>
-          </p:blipFill>
-          <p:spPr bwMode="auto">
-            <a:xfrm>
-              <a:off x="0" y="0"/>
-              <a:ext cx="9144000" cy="5579269"/>
-            </a:xfrm>
-            <a:prstGeom prst="rect">
-              <a:avLst/>
-            </a:prstGeom>
-            <a:noFill/>
-            <a:extLst>
-              <a:ext uri="{909E8E84-426E-40dd-AFC4-6F175D3DCCD1}">
-                <a14:hiddenFill xmlns:a14="http://schemas.microsoft.com/office/drawing/2010/main">
-                  <a:solidFill>
-                    <a:srgbClr val="FFFFFF"/>
-                  </a:solidFill>
-                </a14:hiddenFill>
-              </a:ext>
-            </a:extLst>
-          </p:spPr>
-        </p:pic>
-        <p:sp>
-          <p:nvSpPr>
-            <p:cNvPr id="5" name="矩形 4"/>
-            <p:cNvSpPr/>
-            <p:nvPr/>
-          </p:nvSpPr>
-          <p:spPr>
-            <a:xfrm>
-              <a:off x="0" y="5579268"/>
-              <a:ext cx="9144000" cy="1278732"/>
-            </a:xfrm>
-            <a:prstGeom prst="rect">
-              <a:avLst/>
-            </a:prstGeom>
-            <a:solidFill>
-              <a:schemeClr val="tx1"/>
-            </a:solidFill>
-            <a:ln>
-              <a:noFill/>
-            </a:ln>
-          </p:spPr>
-          <p:style>
-            <a:lnRef idx="2">
-              <a:schemeClr val="accent1">
-                <a:shade val="50000"/>
-              </a:schemeClr>
-            </a:lnRef>
-            <a:fillRef idx="1">
-              <a:schemeClr val="accent1"/>
-            </a:fillRef>
-            <a:effectRef idx="0">
-              <a:schemeClr val="accent1"/>
-            </a:effectRef>
-            <a:fontRef idx="minor">
-              <a:schemeClr val="lt1"/>
-            </a:fontRef>
-          </p:style>
-          <p:txBody>
-            <a:bodyPr rtlCol="0" anchor="ctr"/>
-            <a:lstStyle/>
-            <a:p>
-              <a:pPr algn="ctr"/>
-              <a:endParaRPr lang="zh-CN" altLang="en-US">
-                <a:solidFill>
-                  <a:srgbClr val="FFFFFF"/>
-                </a:solidFill>
-              </a:endParaRPr>
-            </a:p>
-          </p:txBody>
-        </p:sp>
-      </p:grpSp>
-      <p:sp>
-        <p:nvSpPr>
-          <p:cNvPr id="8" name="Title 1"/>
-          <p:cNvSpPr txBox="1">
-            <a:spLocks/>
-          </p:cNvSpPr>
-          <p:nvPr/>
-        </p:nvSpPr>
-        <p:spPr>
-          <a:xfrm>
-            <a:off x="292289" y="464024"/>
-            <a:ext cx="6260911" cy="685799"/>
-          </a:xfrm>
-          <a:prstGeom prst="rect">
-            <a:avLst/>
-          </a:prstGeom>
-        </p:spPr>
-        <p:txBody>
-          <a:bodyPr vert="horz" lIns="91440" tIns="45720" rIns="91440" bIns="45720" rtlCol="0" anchor="ctr">
-            <a:noAutofit/>
-          </a:bodyPr>
-          <a:lstStyle/>
-          <a:p>
-            <a:pPr marL="0" marR="0" lvl="0" indent="0" algn="ctr" defTabSz="914400" rtl="0" eaLnBrk="1" fontAlgn="auto" latinLnBrk="0" hangingPunct="1">
-              <a:lnSpc>
-                <a:spcPct val="100000"/>
-              </a:lnSpc>
-              <a:spcBef>
-                <a:spcPct val="0"/>
-              </a:spcBef>
-              <a:spcAft>
-                <a:spcPts val="0"/>
-              </a:spcAft>
-              <a:buClrTx/>
-              <a:buSzTx/>
-              <a:buFontTx/>
-              <a:buNone/>
-              <a:tabLst/>
-              <a:defRPr/>
-            </a:pPr>
-            <a:r>
-              <a:rPr lang="en-US" sz="4600" b="1" dirty="0" smtClean="0">
-                <a:ln w="0">
-                  <a:noFill/>
-                </a:ln>
-                <a:solidFill>
-                  <a:srgbClr val="FFFFFF"/>
-                </a:solidFill>
-                <a:effectLst>
-                  <a:outerShdw blurRad="38100" sx="102000" sy="102000" algn="ctr" rotWithShape="0">
-                    <a:prstClr val="black">
-                      <a:alpha val="65000"/>
-                    </a:prstClr>
-                  </a:outerShdw>
-                </a:effectLst>
-                <a:latin typeface="Komika Parch" pitchFamily="2" charset="0"/>
-              </a:rPr>
-              <a:t>Function Testing</a:t>
-            </a:r>
-            <a:endParaRPr lang="en-US" sz="4600" b="1" dirty="0">
-              <a:ln w="0">
-                <a:noFill/>
-              </a:ln>
-              <a:solidFill>
-                <a:srgbClr val="FFFFFF"/>
-              </a:solidFill>
-              <a:effectLst>
-                <a:outerShdw blurRad="38100" sx="102000" sy="102000" algn="ctr" rotWithShape="0">
-                  <a:prstClr val="black">
-                    <a:alpha val="65000"/>
-                  </a:prstClr>
-                </a:outerShdw>
-              </a:effectLst>
-              <a:latin typeface="Komika Parch" pitchFamily="2" charset="0"/>
-            </a:endParaRPr>
-          </a:p>
-        </p:txBody>
-      </p:sp>
-    </p:spTree>
-    <p:extLst>
-      <p:ext uri="{BB962C8B-B14F-4D97-AF65-F5344CB8AC3E}">
-        <p14:creationId xmlns:p14="http://schemas.microsoft.com/office/powerpoint/2010/main" val="925010554"/>
-      </p:ext>
-    </p:extLst>
-  </p:cSld>
-  <p:clrMapOvr>
-    <a:masterClrMapping/>
-  </p:clrMapOvr>
-  <p:timing>
-    <p:tnLst>
-      <p:par>
-        <p:cTn xmlns:p14="http://schemas.microsoft.com/office/powerpoint/2010/main" id="1" dur="indefinite" restart="never" nodeType="tmRoot"/>
-      </p:par>
-    </p:tnLst>
-  </p:timing>
-</p:sld>
-</file>
-
-<file path=ppt/slides/slide11.xml><?xml version="1.0" encoding="utf-8"?>
-<p:sld xmlns:a="http://schemas.openxmlformats.org/drawingml/2006/main" xmlns:r="http://schemas.openxmlformats.org/officeDocument/2006/relationships" xmlns:p="http://schemas.openxmlformats.org/presentationml/2006/main">
-  <p:cSld>
-    <p:spTree>
-      <p:nvGrpSpPr>
-        <p:cNvPr id="1" name=""/>
-        <p:cNvGrpSpPr/>
-        <p:nvPr/>
-      </p:nvGrpSpPr>
-      <p:grpSpPr>
-        <a:xfrm>
-          <a:off x="0" y="0"/>
-          <a:ext cx="0" cy="0"/>
-          <a:chOff x="0" y="0"/>
-          <a:chExt cx="0" cy="0"/>
-        </a:xfrm>
-      </p:grpSpPr>
-      <p:grpSp>
-        <p:nvGrpSpPr>
-          <p:cNvPr id="2" name="Group 5"/>
-          <p:cNvGrpSpPr/>
-          <p:nvPr/>
-        </p:nvGrpSpPr>
-        <p:grpSpPr>
-          <a:xfrm>
-            <a:off x="0" y="0"/>
-            <a:ext cx="9144000" cy="6858000"/>
-            <a:chOff x="0" y="0"/>
-            <a:chExt cx="9144000" cy="6858000"/>
-          </a:xfrm>
-        </p:grpSpPr>
-        <p:pic>
-          <p:nvPicPr>
-            <p:cNvPr id="4" name="Picture 2" descr="D:\我的资料\website\KentCov_org  Mobile_files\bg.jpg"/>
-            <p:cNvPicPr>
-              <a:picLocks noChangeAspect="1" noChangeArrowheads="1"/>
-            </p:cNvPicPr>
-            <p:nvPr/>
-          </p:nvPicPr>
-          <p:blipFill>
-            <a:blip r:embed="rId2" cstate="print">
-              <a:extLst>
-                <a:ext uri="{28A0092B-C50C-407E-A947-70E740481C1C}">
-                  <a14:useLocalDpi xmlns:a14="http://schemas.microsoft.com/office/drawing/2010/main"/>
-                </a:ext>
-              </a:extLst>
-            </a:blip>
-            <a:srcRect/>
-            <a:stretch>
-              <a:fillRect/>
-            </a:stretch>
-          </p:blipFill>
-          <p:spPr bwMode="auto">
-            <a:xfrm>
-              <a:off x="0" y="0"/>
-              <a:ext cx="9144000" cy="5579269"/>
-            </a:xfrm>
-            <a:prstGeom prst="rect">
-              <a:avLst/>
-            </a:prstGeom>
-            <a:noFill/>
-            <a:extLst>
-              <a:ext uri="{909E8E84-426E-40dd-AFC4-6F175D3DCCD1}">
-                <a14:hiddenFill xmlns:a14="http://schemas.microsoft.com/office/drawing/2010/main">
-                  <a:solidFill>
-                    <a:srgbClr val="FFFFFF"/>
-                  </a:solidFill>
-                </a14:hiddenFill>
-              </a:ext>
-            </a:extLst>
-          </p:spPr>
-        </p:pic>
-        <p:sp>
-          <p:nvSpPr>
-            <p:cNvPr id="5" name="矩形 4"/>
-            <p:cNvSpPr/>
-            <p:nvPr/>
-          </p:nvSpPr>
-          <p:spPr>
-            <a:xfrm>
-              <a:off x="0" y="5579268"/>
-              <a:ext cx="9144000" cy="1278732"/>
-            </a:xfrm>
-            <a:prstGeom prst="rect">
-              <a:avLst/>
-            </a:prstGeom>
-            <a:solidFill>
-              <a:schemeClr val="tx1"/>
-            </a:solidFill>
-            <a:ln>
-              <a:noFill/>
-            </a:ln>
-          </p:spPr>
-          <p:style>
-            <a:lnRef idx="2">
-              <a:schemeClr val="accent1">
-                <a:shade val="50000"/>
-              </a:schemeClr>
-            </a:lnRef>
-            <a:fillRef idx="1">
-              <a:schemeClr val="accent1"/>
-            </a:fillRef>
-            <a:effectRef idx="0">
-              <a:schemeClr val="accent1"/>
-            </a:effectRef>
-            <a:fontRef idx="minor">
-              <a:schemeClr val="lt1"/>
-            </a:fontRef>
-          </p:style>
-          <p:txBody>
-            <a:bodyPr rtlCol="0" anchor="ctr"/>
-            <a:lstStyle/>
-            <a:p>
-              <a:pPr algn="ctr"/>
-              <a:endParaRPr lang="zh-CN" altLang="en-US">
-                <a:solidFill>
-                  <a:srgbClr val="FFFFFF"/>
-                </a:solidFill>
-              </a:endParaRPr>
-            </a:p>
-          </p:txBody>
-        </p:sp>
-      </p:grpSp>
-      <p:sp>
-        <p:nvSpPr>
-          <p:cNvPr id="8" name="Title 1"/>
-          <p:cNvSpPr txBox="1">
-            <a:spLocks/>
-          </p:cNvSpPr>
-          <p:nvPr/>
-        </p:nvSpPr>
-        <p:spPr>
-          <a:xfrm>
-            <a:off x="292289" y="464024"/>
-            <a:ext cx="4660711" cy="685799"/>
-          </a:xfrm>
-          <a:prstGeom prst="rect">
-            <a:avLst/>
-          </a:prstGeom>
-        </p:spPr>
-        <p:txBody>
-          <a:bodyPr vert="horz" lIns="91440" tIns="45720" rIns="91440" bIns="45720" rtlCol="0" anchor="ctr">
-            <a:noAutofit/>
-          </a:bodyPr>
-          <a:lstStyle/>
-          <a:p>
-            <a:pPr marL="0" marR="0" lvl="0" indent="0" algn="ctr" defTabSz="914400" rtl="0" eaLnBrk="1" fontAlgn="auto" latinLnBrk="0" hangingPunct="1">
-              <a:lnSpc>
-                <a:spcPct val="100000"/>
-              </a:lnSpc>
-              <a:spcBef>
-                <a:spcPct val="0"/>
-              </a:spcBef>
-              <a:spcAft>
-                <a:spcPts val="0"/>
-              </a:spcAft>
-              <a:buClrTx/>
-              <a:buSzTx/>
-              <a:buFontTx/>
-              <a:buNone/>
-              <a:tabLst/>
-              <a:defRPr/>
-            </a:pPr>
-            <a:r>
-              <a:rPr lang="en-US" sz="4600" b="1" dirty="0" smtClean="0">
-                <a:ln w="0">
-                  <a:noFill/>
-                </a:ln>
-                <a:solidFill>
-                  <a:srgbClr val="FFFFFF"/>
-                </a:solidFill>
-                <a:effectLst>
-                  <a:outerShdw blurRad="38100" sx="102000" sy="102000" algn="ctr" rotWithShape="0">
-                    <a:prstClr val="black">
-                      <a:alpha val="65000"/>
-                    </a:prstClr>
-                  </a:outerShdw>
-                </a:effectLst>
-                <a:latin typeface="Komika Parch" pitchFamily="2" charset="0"/>
-              </a:rPr>
-              <a:t>Future Plan</a:t>
-            </a:r>
-            <a:endParaRPr lang="en-US" sz="4600" b="1" dirty="0">
-              <a:ln w="0">
-                <a:noFill/>
-              </a:ln>
-              <a:solidFill>
-                <a:srgbClr val="FFFFFF"/>
-              </a:solidFill>
-              <a:effectLst>
-                <a:outerShdw blurRad="38100" sx="102000" sy="102000" algn="ctr" rotWithShape="0">
-                  <a:prstClr val="black">
-                    <a:alpha val="65000"/>
-                  </a:prstClr>
-                </a:outerShdw>
-              </a:effectLst>
-              <a:latin typeface="Komika Parch" pitchFamily="2" charset="0"/>
-            </a:endParaRPr>
-          </a:p>
-        </p:txBody>
-      </p:sp>
-    </p:spTree>
-    <p:extLst>
-      <p:ext uri="{BB962C8B-B14F-4D97-AF65-F5344CB8AC3E}">
-        <p14:creationId xmlns:p14="http://schemas.microsoft.com/office/powerpoint/2010/main" val="925010554"/>
-      </p:ext>
-    </p:extLst>
-  </p:cSld>
-  <p:clrMapOvr>
-    <a:masterClrMapping/>
-  </p:clrMapOvr>
-  <p:timing>
-    <p:tnLst>
-      <p:par>
-        <p:cTn xmlns:p14="http://schemas.microsoft.com/office/powerpoint/2010/main" id="1" dur="indefinite" restart="never" nodeType="tmRoot"/>
-      </p:par>
-    </p:tnLst>
-  </p:timing>
-</p:sld>
-</file>
-
-<file path=ppt/slides/slide12.xml><?xml version="1.0" encoding="utf-8"?>
 <p:sld xmlns:a="http://schemas.openxmlformats.org/drawingml/2006/main" xmlns:r="http://schemas.openxmlformats.org/officeDocument/2006/relationships" xmlns:p="http://schemas.openxmlformats.org/presentationml/2006/main">
   <p:cSld>
     <p:spTree>
@@ -4585,7 +4154,7 @@
           </a:prstGeom>
           <a:noFill/>
           <a:extLst>
-            <a:ext uri="{909E8E84-426E-40dd-AFC4-6F175D3DCCD1}">
+            <a:ext uri="{909E8E84-426E-40DD-AFC4-6F175D3DCCD1}">
               <a14:hiddenFill xmlns:a14="http://schemas.microsoft.com/office/drawing/2010/main">
                 <a:solidFill>
                   <a:srgbClr val="FFFFFF"/>
@@ -4671,7 +4240,7 @@
   <p:timing>
     <p:tnLst>
       <p:par>
-        <p:cTn xmlns:p14="http://schemas.microsoft.com/office/powerpoint/2010/main" id="1" dur="indefinite" restart="never" nodeType="tmRoot"/>
+        <p:cTn id="1" dur="indefinite" restart="never" nodeType="tmRoot"/>
       </p:par>
     </p:tnLst>
   </p:timing>
@@ -4740,7 +4309,7 @@
             </a:prstGeom>
             <a:noFill/>
             <a:extLst>
-              <a:ext uri="{909E8E84-426E-40dd-AFC4-6F175D3DCCD1}">
+              <a:ext uri="{909E8E84-426E-40DD-AFC4-6F175D3DCCD1}">
                 <a14:hiddenFill xmlns:a14="http://schemas.microsoft.com/office/drawing/2010/main">
                   <a:solidFill>
                     <a:srgbClr val="FFFFFF"/>
@@ -5226,7 +4795,7 @@
   <p:timing>
     <p:tnLst>
       <p:par>
-        <p:cTn xmlns:p14="http://schemas.microsoft.com/office/powerpoint/2010/main" id="1" dur="indefinite" restart="never" nodeType="tmRoot"/>
+        <p:cTn id="1" dur="indefinite" restart="never" nodeType="tmRoot"/>
       </p:par>
     </p:tnLst>
   </p:timing>
@@ -5295,7 +4864,7 @@
             </a:prstGeom>
             <a:noFill/>
             <a:extLst>
-              <a:ext uri="{909E8E84-426E-40dd-AFC4-6F175D3DCCD1}">
+              <a:ext uri="{909E8E84-426E-40DD-AFC4-6F175D3DCCD1}">
                 <a14:hiddenFill xmlns:a14="http://schemas.microsoft.com/office/drawing/2010/main">
                   <a:solidFill>
                     <a:srgbClr val="FFFFFF"/>
@@ -5367,7 +4936,7 @@
         <p:spPr>
           <a:xfrm>
             <a:off x="299113" y="457200"/>
-            <a:ext cx="5187287" cy="685799"/>
+            <a:ext cx="4806287" cy="685799"/>
           </a:xfrm>
           <a:prstGeom prst="rect">
             <a:avLst/>
@@ -5625,7 +5194,7 @@
   <p:timing>
     <p:tnLst>
       <p:par>
-        <p:cTn xmlns:p14="http://schemas.microsoft.com/office/powerpoint/2010/main" id="1" dur="indefinite" restart="never" nodeType="tmRoot"/>
+        <p:cTn id="1" dur="indefinite" restart="never" nodeType="tmRoot"/>
       </p:par>
     </p:tnLst>
   </p:timing>
@@ -5694,7 +5263,7 @@
             </a:prstGeom>
             <a:noFill/>
             <a:extLst>
-              <a:ext uri="{909E8E84-426E-40dd-AFC4-6F175D3DCCD1}">
+              <a:ext uri="{909E8E84-426E-40DD-AFC4-6F175D3DCCD1}">
                 <a14:hiddenFill xmlns:a14="http://schemas.microsoft.com/office/drawing/2010/main">
                   <a:solidFill>
                     <a:srgbClr val="FFFFFF"/>
@@ -5905,7 +5474,41 @@
                 <a:ea typeface="+mj-ea"/>
                 <a:cs typeface="+mj-cs"/>
               </a:rPr>
-              <a:t> prove of concept </a:t>
+              <a:t> </a:t>
+            </a:r>
+            <a:r>
+              <a:rPr kumimoji="0" lang="en-US" sz="3200" b="0" i="0" strike="noStrike" kern="1200" cap="none" spc="0" normalizeH="0" noProof="0" dirty="0" smtClean="0">
+                <a:ln>
+                  <a:noFill/>
+                </a:ln>
+                <a:solidFill>
+                  <a:srgbClr val="FFFFFF"/>
+                </a:solidFill>
+                <a:effectLst/>
+                <a:uLnTx/>
+                <a:uFillTx/>
+                <a:latin typeface="+mj-lt"/>
+                <a:ea typeface="+mj-ea"/>
+                <a:cs typeface="+mj-cs"/>
+              </a:rPr>
+              <a:t>proof </a:t>
+            </a:r>
+            <a:r>
+              <a:rPr kumimoji="0" lang="en-US" sz="3200" b="0" i="0" strike="noStrike" kern="1200" cap="none" spc="0" normalizeH="0" noProof="0" dirty="0" smtClean="0">
+                <a:ln>
+                  <a:noFill/>
+                </a:ln>
+                <a:solidFill>
+                  <a:srgbClr val="FFFFFF"/>
+                </a:solidFill>
+                <a:effectLst/>
+                <a:uLnTx/>
+                <a:uFillTx/>
+                <a:latin typeface="+mj-lt"/>
+                <a:ea typeface="+mj-ea"/>
+                <a:cs typeface="+mj-cs"/>
+              </a:rPr>
+              <a:t>of concept </a:t>
             </a:r>
           </a:p>
           <a:p>
@@ -5971,39 +5574,8 @@
                 <a:ea typeface="+mj-ea"/>
                 <a:cs typeface="+mj-cs"/>
               </a:rPr>
-              <a:t>Convert hand movement to 4 different output:</a:t>
-            </a:r>
-          </a:p>
-          <a:p>
-            <a:pPr marL="914400" lvl="1" indent="-457200">
-              <a:spcBef>
-                <a:spcPct val="0"/>
-              </a:spcBef>
-              <a:buFont typeface="Arial" pitchFamily="34" charset="0"/>
-              <a:buChar char="•"/>
-              <a:defRPr/>
-            </a:pPr>
-            <a:r>
-              <a:rPr lang="en-US" sz="3200" dirty="0" smtClean="0">
-                <a:solidFill>
-                  <a:srgbClr val="FFFFFF"/>
-                </a:solidFill>
-                <a:latin typeface="+mj-lt"/>
-                <a:ea typeface="+mj-ea"/>
-                <a:cs typeface="+mj-cs"/>
-              </a:rPr>
-              <a:t>Velocity</a:t>
-            </a:r>
-          </a:p>
-          <a:p>
-            <a:pPr marL="914400" lvl="1" indent="-457200">
-              <a:spcBef>
-                <a:spcPct val="0"/>
-              </a:spcBef>
-              <a:buFont typeface="Arial" pitchFamily="34" charset="0"/>
-              <a:buChar char="•"/>
-              <a:defRPr/>
-            </a:pPr>
+              <a:t>Convert hand movement to 4 different </a:t>
+            </a:r>
             <a:r>
               <a:rPr kumimoji="0" lang="en-US" sz="3200" b="0" i="0" strike="noStrike" kern="1200" cap="none" spc="0" normalizeH="0" noProof="0" dirty="0" smtClean="0">
                 <a:ln>
@@ -6019,55 +5591,7 @@
                 <a:ea typeface="+mj-ea"/>
                 <a:cs typeface="+mj-cs"/>
               </a:rPr>
-              <a:t>Amplitude</a:t>
-            </a:r>
-          </a:p>
-          <a:p>
-            <a:pPr marL="914400" lvl="1" indent="-457200">
-              <a:spcBef>
-                <a:spcPct val="0"/>
-              </a:spcBef>
-              <a:buFont typeface="Arial" pitchFamily="34" charset="0"/>
-              <a:buChar char="•"/>
-              <a:defRPr/>
-            </a:pPr>
-            <a:r>
-              <a:rPr lang="en-US" sz="3200" dirty="0" smtClean="0">
-                <a:solidFill>
-                  <a:srgbClr val="FFFFFF"/>
-                </a:solidFill>
-                <a:latin typeface="+mj-lt"/>
-                <a:ea typeface="+mj-ea"/>
-                <a:cs typeface="+mj-cs"/>
-              </a:rPr>
-              <a:t>Hertz</a:t>
-            </a:r>
-          </a:p>
-          <a:p>
-            <a:pPr marL="914400" lvl="1" indent="-457200">
-              <a:spcBef>
-                <a:spcPct val="0"/>
-              </a:spcBef>
-              <a:buFont typeface="Arial" pitchFamily="34" charset="0"/>
-              <a:buChar char="•"/>
-              <a:defRPr/>
-            </a:pPr>
-            <a:r>
-              <a:rPr kumimoji="0" lang="en-US" sz="3200" b="0" i="0" strike="noStrike" kern="1200" cap="none" spc="0" normalizeH="0" noProof="0" dirty="0" smtClean="0">
-                <a:ln>
-                  <a:noFill/>
-                </a:ln>
-                <a:solidFill>
-                  <a:srgbClr val="FFFFFF"/>
-                </a:solidFill>
-                <a:effectLst/>
-                <a:uLnTx/>
-                <a:uFillTx/>
-                <a:latin typeface="+mj-lt"/>
-                <a:ea typeface="+mj-ea"/>
-                <a:cs typeface="+mj-cs"/>
-              </a:rPr>
-              <a:t>Acceleration</a:t>
+              <a:t>outputs:</a:t>
             </a:r>
             <a:endParaRPr kumimoji="0" lang="en-US" sz="3200" b="0" i="0" strike="noStrike" kern="1200" cap="none" spc="0" normalizeH="0" noProof="0" dirty="0" smtClean="0">
               <a:ln>
@@ -6084,6 +5608,102 @@
               <a:cs typeface="+mj-cs"/>
             </a:endParaRPr>
           </a:p>
+          <a:p>
+            <a:pPr marL="914400" lvl="1" indent="-457200">
+              <a:spcBef>
+                <a:spcPct val="0"/>
+              </a:spcBef>
+              <a:buFont typeface="Arial" pitchFamily="34" charset="0"/>
+              <a:buChar char="•"/>
+              <a:defRPr/>
+            </a:pPr>
+            <a:r>
+              <a:rPr lang="en-US" sz="3200" dirty="0" smtClean="0">
+                <a:solidFill>
+                  <a:srgbClr val="FFFFFF"/>
+                </a:solidFill>
+                <a:latin typeface="+mj-lt"/>
+                <a:ea typeface="+mj-ea"/>
+                <a:cs typeface="+mj-cs"/>
+              </a:rPr>
+              <a:t>Velocity</a:t>
+            </a:r>
+          </a:p>
+          <a:p>
+            <a:pPr marL="914400" lvl="1" indent="-457200">
+              <a:spcBef>
+                <a:spcPct val="0"/>
+              </a:spcBef>
+              <a:buFont typeface="Arial" pitchFamily="34" charset="0"/>
+              <a:buChar char="•"/>
+              <a:defRPr/>
+            </a:pPr>
+            <a:r>
+              <a:rPr kumimoji="0" lang="en-US" sz="3200" b="0" i="0" strike="noStrike" kern="1200" cap="none" spc="0" normalizeH="0" noProof="0" dirty="0" smtClean="0">
+                <a:ln>
+                  <a:noFill/>
+                </a:ln>
+                <a:solidFill>
+                  <a:srgbClr val="FFFFFF"/>
+                </a:solidFill>
+                <a:effectLst/>
+                <a:uLnTx/>
+                <a:uFillTx/>
+                <a:latin typeface="+mj-lt"/>
+                <a:ea typeface="+mj-ea"/>
+                <a:cs typeface="+mj-cs"/>
+              </a:rPr>
+              <a:t>Amplitude</a:t>
+            </a:r>
+          </a:p>
+          <a:p>
+            <a:pPr marL="914400" lvl="1" indent="-457200">
+              <a:spcBef>
+                <a:spcPct val="0"/>
+              </a:spcBef>
+              <a:buFont typeface="Arial" pitchFamily="34" charset="0"/>
+              <a:buChar char="•"/>
+              <a:defRPr/>
+            </a:pPr>
+            <a:r>
+              <a:rPr lang="en-US" sz="3200" dirty="0" smtClean="0">
+                <a:solidFill>
+                  <a:srgbClr val="FFFFFF"/>
+                </a:solidFill>
+                <a:latin typeface="+mj-lt"/>
+                <a:ea typeface="+mj-ea"/>
+                <a:cs typeface="+mj-cs"/>
+              </a:rPr>
+              <a:t>Hertz</a:t>
+            </a:r>
+          </a:p>
+          <a:p>
+            <a:pPr marL="914400" lvl="1" indent="-457200">
+              <a:spcBef>
+                <a:spcPct val="0"/>
+              </a:spcBef>
+              <a:buFont typeface="Arial" pitchFamily="34" charset="0"/>
+              <a:buChar char="•"/>
+              <a:defRPr/>
+            </a:pPr>
+            <a:r>
+              <a:rPr kumimoji="0" lang="en-US" sz="3200" b="0" i="0" strike="noStrike" kern="1200" cap="none" spc="0" normalizeH="0" noProof="0" dirty="0" smtClean="0">
+                <a:ln>
+                  <a:noFill/>
+                </a:ln>
+                <a:solidFill>
+                  <a:srgbClr val="FFFFFF"/>
+                </a:solidFill>
+                <a:effectLst/>
+                <a:uLnTx/>
+                <a:uFillTx/>
+                <a:latin typeface="+mj-lt"/>
+                <a:ea typeface="+mj-ea"/>
+                <a:cs typeface="+mj-cs"/>
+              </a:rPr>
+              <a:t>Acceleration</a:t>
+            </a:r>
+          </a:p>
         </p:txBody>
       </p:sp>
     </p:spTree>
@@ -6099,7 +5719,7 @@
   <p:timing>
     <p:tnLst>
       <p:par>
-        <p:cTn xmlns:p14="http://schemas.microsoft.com/office/powerpoint/2010/main" id="1" dur="indefinite" restart="never" nodeType="tmRoot"/>
+        <p:cTn id="1" dur="indefinite" restart="never" nodeType="tmRoot"/>
       </p:par>
     </p:tnLst>
   </p:timing>
@@ -6168,7 +5788,7 @@
             </a:prstGeom>
             <a:noFill/>
             <a:extLst>
-              <a:ext uri="{909E8E84-426E-40dd-AFC4-6F175D3DCCD1}">
+              <a:ext uri="{909E8E84-426E-40DD-AFC4-6F175D3DCCD1}">
                 <a14:hiddenFill xmlns:a14="http://schemas.microsoft.com/office/drawing/2010/main">
                   <a:solidFill>
                     <a:srgbClr val="FFFFFF"/>
@@ -6239,8 +5859,8 @@
         </p:nvSpPr>
         <p:spPr>
           <a:xfrm>
-            <a:off x="299113" y="457200"/>
-            <a:ext cx="4120487" cy="685799"/>
+            <a:off x="292289" y="464024"/>
+            <a:ext cx="4438461" cy="685799"/>
           </a:xfrm>
           <a:prstGeom prst="rect">
             <a:avLst/>
@@ -6286,7 +5906,7 @@
                 </a:effectLst>
                 <a:latin typeface="Komika Parch" pitchFamily="2" charset="0"/>
               </a:rPr>
-              <a:t>Contributions</a:t>
+              <a:t>Proposed Solution</a:t>
             </a:r>
             <a:endParaRPr lang="en-US" sz="4600" b="1" dirty="0">
               <a:ln w="0">
@@ -6307,152 +5927,49 @@
           </a:p>
         </p:txBody>
       </p:sp>
-      <p:graphicFrame>
-        <p:nvGraphicFramePr>
-          <p:cNvPr id="3" name="Table 2"/>
-          <p:cNvGraphicFramePr>
-            <a:graphicFrameLocks noGrp="1"/>
-          </p:cNvGraphicFramePr>
-          <p:nvPr>
-            <p:extLst>
-              <p:ext uri="{D42A27DB-BD31-4B8C-83A1-F6EECF244321}">
-                <p14:modId xmlns:p14="http://schemas.microsoft.com/office/powerpoint/2010/main" val="4079283378"/>
-              </p:ext>
-            </p:extLst>
-          </p:nvPr>
-        </p:nvGraphicFramePr>
-        <p:xfrm>
-          <a:off x="457200" y="1447800"/>
-          <a:ext cx="8229600" cy="4953000"/>
-        </p:xfrm>
-        <a:graphic>
-          <a:graphicData uri="http://schemas.openxmlformats.org/drawingml/2006/table">
-            <a:tbl>
-              <a:tblPr firstRow="1" bandRow="1">
-                <a:tableStyleId>{5C22544A-7EE6-4342-B048-85BDC9FD1C3A}</a:tableStyleId>
-              </a:tblPr>
-              <a:tblGrid>
-                <a:gridCol w="4114800"/>
-                <a:gridCol w="4114800"/>
-              </a:tblGrid>
-              <a:tr h="990600">
-                <a:tc>
-                  <a:txBody>
-                    <a:bodyPr/>
-                    <a:lstStyle/>
-                    <a:p>
-                      <a:endParaRPr lang="en-US" dirty="0"/>
-                    </a:p>
-                  </a:txBody>
-                  <a:tcPr/>
-                </a:tc>
-                <a:tc>
-                  <a:txBody>
-                    <a:bodyPr/>
-                    <a:lstStyle/>
-                    <a:p>
-                      <a:endParaRPr lang="en-US"/>
-                    </a:p>
-                  </a:txBody>
-                  <a:tcPr/>
-                </a:tc>
-              </a:tr>
-              <a:tr h="990600">
-                <a:tc>
-                  <a:txBody>
-                    <a:bodyPr/>
-                    <a:lstStyle/>
-                    <a:p>
-                      <a:endParaRPr lang="en-US"/>
-                    </a:p>
-                  </a:txBody>
-                  <a:tcPr/>
-                </a:tc>
-                <a:tc>
-                  <a:txBody>
-                    <a:bodyPr/>
-                    <a:lstStyle/>
-                    <a:p>
-                      <a:endParaRPr lang="en-US"/>
-                    </a:p>
-                  </a:txBody>
-                  <a:tcPr/>
-                </a:tc>
-              </a:tr>
-              <a:tr h="990600">
-                <a:tc>
-                  <a:txBody>
-                    <a:bodyPr/>
-                    <a:lstStyle/>
-                    <a:p>
-                      <a:endParaRPr lang="en-US"/>
-                    </a:p>
-                  </a:txBody>
-                  <a:tcPr/>
-                </a:tc>
-                <a:tc>
-                  <a:txBody>
-                    <a:bodyPr/>
-                    <a:lstStyle/>
-                    <a:p>
-                      <a:endParaRPr lang="en-US" dirty="0"/>
-                    </a:p>
-                  </a:txBody>
-                  <a:tcPr/>
-                </a:tc>
-              </a:tr>
-              <a:tr h="990600">
-                <a:tc>
-                  <a:txBody>
-                    <a:bodyPr/>
-                    <a:lstStyle/>
-                    <a:p>
-                      <a:endParaRPr lang="en-US" dirty="0"/>
-                    </a:p>
-                  </a:txBody>
-                  <a:tcPr/>
-                </a:tc>
-                <a:tc>
-                  <a:txBody>
-                    <a:bodyPr/>
-                    <a:lstStyle/>
-                    <a:p>
-                      <a:endParaRPr lang="en-US" dirty="0"/>
-                    </a:p>
-                  </a:txBody>
-                  <a:tcPr/>
-                </a:tc>
-              </a:tr>
-              <a:tr h="990600">
-                <a:tc>
-                  <a:txBody>
-                    <a:bodyPr/>
-                    <a:lstStyle/>
-                    <a:p>
-                      <a:endParaRPr lang="en-US" dirty="0"/>
-                    </a:p>
-                  </a:txBody>
-                  <a:tcPr/>
-                </a:tc>
-                <a:tc>
-                  <a:txBody>
-                    <a:bodyPr/>
-                    <a:lstStyle/>
-                    <a:p>
-                      <a:endParaRPr lang="en-US" dirty="0"/>
-                    </a:p>
-                  </a:txBody>
-                  <a:tcPr/>
-                </a:tc>
-              </a:tr>
-            </a:tbl>
-          </a:graphicData>
-        </a:graphic>
-      </p:graphicFrame>
+      <p:pic>
+        <p:nvPicPr>
+          <p:cNvPr id="3" name="Picture 2" descr="Untitled - Paint"/>
+          <p:cNvPicPr>
+            <a:picLocks noChangeAspect="1"/>
+          </p:cNvPicPr>
+          <p:nvPr/>
+        </p:nvPicPr>
+        <p:blipFill rotWithShape="1">
+          <a:blip r:embed="rId3">
+            <a:extLst>
+              <a:ext uri="{28A0092B-C50C-407E-A947-70E740481C1C}">
+                <a14:useLocalDpi xmlns:a14="http://schemas.microsoft.com/office/drawing/2010/main" val="0"/>
+              </a:ext>
+            </a:extLst>
+          </a:blip>
+          <a:srcRect l="11111" t="17166" r="3750" b="6993"/>
+          <a:stretch/>
+        </p:blipFill>
+        <p:spPr>
+          <a:xfrm>
+            <a:off x="838200" y="1689100"/>
+            <a:ext cx="7785100" cy="3759200"/>
+          </a:xfrm>
+          <a:prstGeom prst="rect">
+            <a:avLst/>
+          </a:prstGeom>
+          <a:ln>
+            <a:noFill/>
+          </a:ln>
+          <a:effectLst>
+            <a:outerShdw blurRad="292100" dist="139700" dir="2700000" algn="tl" rotWithShape="0">
+              <a:srgbClr val="333333">
+                <a:alpha val="65000"/>
+              </a:srgbClr>
+            </a:outerShdw>
+          </a:effectLst>
+        </p:spPr>
+      </p:pic>
     </p:spTree>
     <p:extLst>
       <p:ext uri="{BB962C8B-B14F-4D97-AF65-F5344CB8AC3E}">
-        <p14:creationId xmlns:p14="http://schemas.microsoft.com/office/powerpoint/2010/main" val="3714009807"/>
+        <p14:creationId xmlns:p14="http://schemas.microsoft.com/office/powerpoint/2010/main" val="925010554"/>
       </p:ext>
     </p:extLst>
   </p:cSld>
@@ -6462,7 +5979,7 @@
   <p:timing>
     <p:tnLst>
       <p:par>
-        <p:cTn xmlns:p14="http://schemas.microsoft.com/office/powerpoint/2010/main" id="1" dur="indefinite" restart="never" nodeType="tmRoot"/>
+        <p:cTn id="1" dur="indefinite" restart="never" nodeType="tmRoot"/>
       </p:par>
     </p:tnLst>
   </p:timing>
@@ -6531,7 +6048,7 @@
             </a:prstGeom>
             <a:noFill/>
             <a:extLst>
-              <a:ext uri="{909E8E84-426E-40dd-AFC4-6F175D3DCCD1}">
+              <a:ext uri="{909E8E84-426E-40DD-AFC4-6F175D3DCCD1}">
                 <a14:hiddenFill xmlns:a14="http://schemas.microsoft.com/office/drawing/2010/main">
                   <a:solidFill>
                     <a:srgbClr val="FFFFFF"/>
@@ -6602,8 +6119,8 @@
         </p:nvSpPr>
         <p:spPr>
           <a:xfrm>
-            <a:off x="292289" y="464024"/>
-            <a:ext cx="6032311" cy="685799"/>
+            <a:off x="299113" y="457200"/>
+            <a:ext cx="3739487" cy="685799"/>
           </a:xfrm>
           <a:prstGeom prst="rect">
             <a:avLst/>
@@ -6649,7 +6166,7 @@
                 </a:effectLst>
                 <a:latin typeface="Komika Parch" pitchFamily="2" charset="0"/>
               </a:rPr>
-              <a:t>Proposed Solution</a:t>
+              <a:t>Contributions</a:t>
             </a:r>
             <a:endParaRPr lang="en-US" sz="4600" b="1" dirty="0">
               <a:ln w="0">
@@ -6670,10 +6187,254 @@
           </a:p>
         </p:txBody>
       </p:sp>
+      <p:graphicFrame>
+        <p:nvGraphicFramePr>
+          <p:cNvPr id="6" name="Table 5"/>
+          <p:cNvGraphicFramePr>
+            <a:graphicFrameLocks noGrp="1"/>
+          </p:cNvGraphicFramePr>
+          <p:nvPr>
+            <p:extLst>
+              <p:ext uri="{D42A27DB-BD31-4B8C-83A1-F6EECF244321}">
+                <p14:modId xmlns:p14="http://schemas.microsoft.com/office/powerpoint/2010/main" val="1073430093"/>
+              </p:ext>
+            </p:extLst>
+          </p:nvPr>
+        </p:nvGraphicFramePr>
+        <p:xfrm>
+          <a:off x="990600" y="1397000"/>
+          <a:ext cx="7010400" cy="3860802"/>
+        </p:xfrm>
+        <a:graphic>
+          <a:graphicData uri="http://schemas.openxmlformats.org/drawingml/2006/table">
+            <a:tbl>
+              <a:tblPr firstRow="1" bandRow="1">
+                <a:tableStyleId>{5C22544A-7EE6-4342-B048-85BDC9FD1C3A}</a:tableStyleId>
+              </a:tblPr>
+              <a:tblGrid>
+                <a:gridCol w="3505200"/>
+                <a:gridCol w="3505200"/>
+              </a:tblGrid>
+              <a:tr h="643467">
+                <a:tc>
+                  <a:txBody>
+                    <a:bodyPr/>
+                    <a:lstStyle/>
+                    <a:p>
+                      <a:r>
+                        <a:rPr lang="en-AU" dirty="0" smtClean="0"/>
+                        <a:t>Team</a:t>
+                      </a:r>
+                      <a:r>
+                        <a:rPr lang="en-AU" baseline="0" dirty="0" smtClean="0"/>
+                        <a:t> Member</a:t>
+                      </a:r>
+                      <a:endParaRPr lang="en-AU" dirty="0"/>
+                    </a:p>
+                  </a:txBody>
+                  <a:tcPr/>
+                </a:tc>
+                <a:tc>
+                  <a:txBody>
+                    <a:bodyPr/>
+                    <a:lstStyle/>
+                    <a:p>
+                      <a:r>
+                        <a:rPr lang="en-AU" dirty="0" smtClean="0"/>
+                        <a:t>Contribution</a:t>
+                      </a:r>
+                      <a:endParaRPr lang="en-AU" dirty="0"/>
+                    </a:p>
+                  </a:txBody>
+                  <a:tcPr/>
+                </a:tc>
+              </a:tr>
+              <a:tr h="643467">
+                <a:tc>
+                  <a:txBody>
+                    <a:bodyPr/>
+                    <a:lstStyle/>
+                    <a:p>
+                      <a:r>
+                        <a:rPr lang="en-AU" dirty="0" smtClean="0"/>
+                        <a:t>Josh Stopper</a:t>
+                      </a:r>
+                      <a:endParaRPr lang="en-AU" dirty="0"/>
+                    </a:p>
+                  </a:txBody>
+                  <a:tcPr/>
+                </a:tc>
+                <a:tc>
+                  <a:txBody>
+                    <a:bodyPr/>
+                    <a:lstStyle/>
+                    <a:p>
+                      <a:r>
+                        <a:rPr lang="en-AU" dirty="0" smtClean="0"/>
+                        <a:t>Program developer</a:t>
+                      </a:r>
+                      <a:endParaRPr lang="en-AU" dirty="0"/>
+                    </a:p>
+                  </a:txBody>
+                  <a:tcPr/>
+                </a:tc>
+              </a:tr>
+              <a:tr h="643467">
+                <a:tc>
+                  <a:txBody>
+                    <a:bodyPr/>
+                    <a:lstStyle/>
+                    <a:p>
+                      <a:r>
+                        <a:rPr lang="en-AU" dirty="0" smtClean="0"/>
+                        <a:t>Daniel </a:t>
+                      </a:r>
+                      <a:r>
+                        <a:rPr lang="en-AU" dirty="0" err="1" smtClean="0"/>
+                        <a:t>Corsaletti</a:t>
+                      </a:r>
+                      <a:endParaRPr lang="en-AU" dirty="0"/>
+                    </a:p>
+                  </a:txBody>
+                  <a:tcPr/>
+                </a:tc>
+                <a:tc>
+                  <a:txBody>
+                    <a:bodyPr/>
+                    <a:lstStyle/>
+                    <a:p>
+                      <a:r>
+                        <a:rPr lang="en-AU" dirty="0" smtClean="0"/>
+                        <a:t>Documentation, Testing</a:t>
+                      </a:r>
+                      <a:endParaRPr lang="en-AU" dirty="0"/>
+                    </a:p>
+                  </a:txBody>
+                  <a:tcPr/>
+                </a:tc>
+              </a:tr>
+              <a:tr h="643467">
+                <a:tc>
+                  <a:txBody>
+                    <a:bodyPr/>
+                    <a:lstStyle/>
+                    <a:p>
+                      <a:r>
+                        <a:rPr lang="en-AU" dirty="0" smtClean="0"/>
+                        <a:t>Minh </a:t>
+                      </a:r>
+                      <a:r>
+                        <a:rPr lang="en-AU" dirty="0" err="1" smtClean="0"/>
+                        <a:t>Duc</a:t>
+                      </a:r>
+                      <a:r>
+                        <a:rPr lang="en-AU" dirty="0" smtClean="0"/>
+                        <a:t> Nguyen</a:t>
+                      </a:r>
+                      <a:endParaRPr lang="en-AU" dirty="0"/>
+                    </a:p>
+                  </a:txBody>
+                  <a:tcPr/>
+                </a:tc>
+                <a:tc>
+                  <a:txBody>
+                    <a:bodyPr/>
+                    <a:lstStyle/>
+                    <a:p>
+                      <a:r>
+                        <a:rPr lang="en-AU" dirty="0" smtClean="0"/>
+                        <a:t>Program</a:t>
+                      </a:r>
+                      <a:r>
+                        <a:rPr lang="en-AU" baseline="0" dirty="0" smtClean="0"/>
+                        <a:t> developer</a:t>
+                      </a:r>
+                      <a:endParaRPr lang="en-AU" dirty="0"/>
+                    </a:p>
+                  </a:txBody>
+                  <a:tcPr/>
+                </a:tc>
+              </a:tr>
+              <a:tr h="643467">
+                <a:tc>
+                  <a:txBody>
+                    <a:bodyPr/>
+                    <a:lstStyle/>
+                    <a:p>
+                      <a:r>
+                        <a:rPr lang="en-AU" dirty="0" smtClean="0"/>
+                        <a:t>Tran </a:t>
+                      </a:r>
+                      <a:r>
+                        <a:rPr lang="en-AU" dirty="0" err="1" smtClean="0"/>
+                        <a:t>Xuong</a:t>
+                      </a:r>
+                      <a:r>
+                        <a:rPr lang="en-AU" dirty="0" smtClean="0"/>
+                        <a:t> Tran</a:t>
+                      </a:r>
+                      <a:endParaRPr lang="en-AU" dirty="0"/>
+                    </a:p>
+                  </a:txBody>
+                  <a:tcPr/>
+                </a:tc>
+                <a:tc>
+                  <a:txBody>
+                    <a:bodyPr/>
+                    <a:lstStyle/>
+                    <a:p>
+                      <a:r>
+                        <a:rPr lang="en-AU" dirty="0" smtClean="0"/>
+                        <a:t>Documentation</a:t>
+                      </a:r>
+                      <a:endParaRPr lang="en-AU" dirty="0"/>
+                    </a:p>
+                  </a:txBody>
+                  <a:tcPr/>
+                </a:tc>
+              </a:tr>
+              <a:tr h="643467">
+                <a:tc>
+                  <a:txBody>
+                    <a:bodyPr/>
+                    <a:lstStyle/>
+                    <a:p>
+                      <a:r>
+                        <a:rPr lang="en-AU" dirty="0" err="1" smtClean="0"/>
+                        <a:t>Shengwei</a:t>
+                      </a:r>
+                      <a:r>
+                        <a:rPr lang="en-AU" dirty="0" smtClean="0"/>
+                        <a:t> Li</a:t>
+                      </a:r>
+                      <a:endParaRPr lang="en-AU" dirty="0"/>
+                    </a:p>
+                  </a:txBody>
+                  <a:tcPr/>
+                </a:tc>
+                <a:tc>
+                  <a:txBody>
+                    <a:bodyPr/>
+                    <a:lstStyle/>
+                    <a:p>
+                      <a:r>
+                        <a:rPr lang="en-AU" dirty="0" smtClean="0"/>
+                        <a:t>Documentation</a:t>
+                      </a:r>
+                      <a:endParaRPr lang="en-AU" dirty="0"/>
+                    </a:p>
+                  </a:txBody>
+                  <a:tcPr/>
+                </a:tc>
+              </a:tr>
+            </a:tbl>
+          </a:graphicData>
+        </a:graphic>
+      </p:graphicFrame>
     </p:spTree>
     <p:extLst>
       <p:ext uri="{BB962C8B-B14F-4D97-AF65-F5344CB8AC3E}">
-        <p14:creationId xmlns:p14="http://schemas.microsoft.com/office/powerpoint/2010/main" val="925010554"/>
+        <p14:creationId xmlns:p14="http://schemas.microsoft.com/office/powerpoint/2010/main" val="3714009807"/>
       </p:ext>
     </p:extLst>
   </p:cSld>
@@ -6683,7 +6444,7 @@
   <p:timing>
     <p:tnLst>
       <p:par>
-        <p:cTn xmlns:p14="http://schemas.microsoft.com/office/powerpoint/2010/main" id="1" dur="indefinite" restart="never" nodeType="tmRoot"/>
+        <p:cTn id="1" dur="indefinite" restart="never" nodeType="tmRoot"/>
       </p:par>
     </p:tnLst>
   </p:timing>
@@ -6752,7 +6513,7 @@
             </a:prstGeom>
             <a:noFill/>
             <a:extLst>
-              <a:ext uri="{909E8E84-426E-40dd-AFC4-6F175D3DCCD1}">
+              <a:ext uri="{909E8E84-426E-40DD-AFC4-6F175D3DCCD1}">
                 <a14:hiddenFill xmlns:a14="http://schemas.microsoft.com/office/drawing/2010/main">
                   <a:solidFill>
                     <a:srgbClr val="FFFFFF"/>
@@ -6815,6 +6576,63 @@
       </p:grpSp>
       <p:sp>
         <p:nvSpPr>
+          <p:cNvPr id="11" name="Title 1"/>
+          <p:cNvSpPr txBox="1">
+            <a:spLocks/>
+          </p:cNvSpPr>
+          <p:nvPr/>
+        </p:nvSpPr>
+        <p:spPr>
+          <a:xfrm>
+            <a:off x="609600" y="1524000"/>
+            <a:ext cx="8229600" cy="4114800"/>
+          </a:xfrm>
+          <a:prstGeom prst="rect">
+            <a:avLst/>
+          </a:prstGeom>
+        </p:spPr>
+        <p:txBody>
+          <a:bodyPr vert="horz" lIns="91440" tIns="45720" rIns="91440" bIns="45720" rtlCol="0" anchor="ctr">
+            <a:noAutofit/>
+          </a:bodyPr>
+          <a:lstStyle/>
+          <a:p>
+            <a:pPr marL="457200" marR="0" lvl="0" indent="-457200" defTabSz="914400" rtl="0" eaLnBrk="1" fontAlgn="auto" latinLnBrk="0" hangingPunct="1">
+              <a:lnSpc>
+                <a:spcPct val="100000"/>
+              </a:lnSpc>
+              <a:spcBef>
+                <a:spcPct val="0"/>
+              </a:spcBef>
+              <a:spcAft>
+                <a:spcPts val="0"/>
+              </a:spcAft>
+              <a:buClrTx/>
+              <a:buSzTx/>
+              <a:buFont typeface="Arial" pitchFamily="34" charset="0"/>
+              <a:buChar char="•"/>
+              <a:tabLst/>
+              <a:defRPr/>
+            </a:pPr>
+            <a:endParaRPr kumimoji="0" lang="en-US" sz="2500" b="0" i="0" strike="noStrike" kern="1200" cap="none" spc="0" normalizeH="0" baseline="0" noProof="0" dirty="0" smtClean="0">
+              <a:ln>
+                <a:noFill/>
+              </a:ln>
+              <a:solidFill>
+                <a:srgbClr val="FFFFFF"/>
+              </a:solidFill>
+              <a:effectLst/>
+              <a:uLnTx/>
+              <a:uFillTx/>
+              <a:latin typeface="+mj-lt"/>
+              <a:ea typeface="+mj-ea"/>
+              <a:cs typeface="+mj-cs"/>
+            </a:endParaRPr>
+          </a:p>
+        </p:txBody>
+      </p:sp>
+      <p:sp>
+        <p:nvSpPr>
           <p:cNvPr id="8" name="Title 1"/>
           <p:cNvSpPr txBox="1">
             <a:spLocks/>
@@ -6824,7 +6642,7 @@
         <p:spPr>
           <a:xfrm>
             <a:off x="292289" y="464024"/>
-            <a:ext cx="6032311" cy="685799"/>
+            <a:ext cx="4279711" cy="685799"/>
           </a:xfrm>
           <a:prstGeom prst="rect">
             <a:avLst/>
@@ -6870,7 +6688,7 @@
                 </a:effectLst>
                 <a:latin typeface="Komika Parch" pitchFamily="2" charset="0"/>
               </a:rPr>
-              <a:t>Proposed Solution</a:t>
+              <a:t>Usability Testing</a:t>
             </a:r>
             <a:endParaRPr lang="en-US" sz="4600" b="1" dirty="0">
               <a:ln w="0">
@@ -6891,10 +6709,288 @@
           </a:p>
         </p:txBody>
       </p:sp>
+      <p:sp>
+        <p:nvSpPr>
+          <p:cNvPr id="7" name="Title 1"/>
+          <p:cNvSpPr txBox="1">
+            <a:spLocks/>
+          </p:cNvSpPr>
+          <p:nvPr/>
+        </p:nvSpPr>
+        <p:spPr>
+          <a:xfrm>
+            <a:off x="762000" y="1200622"/>
+            <a:ext cx="8229600" cy="4133377"/>
+          </a:xfrm>
+          <a:prstGeom prst="rect">
+            <a:avLst/>
+          </a:prstGeom>
+        </p:spPr>
+        <p:txBody>
+          <a:bodyPr vert="horz" lIns="91440" tIns="45720" rIns="91440" bIns="45720" rtlCol="0" anchor="t">
+            <a:noAutofit/>
+          </a:bodyPr>
+          <a:lstStyle/>
+          <a:p>
+            <a:pPr marL="457200" marR="0" lvl="0" indent="-457200" defTabSz="914400" rtl="0" eaLnBrk="1" fontAlgn="auto" latinLnBrk="0" hangingPunct="1">
+              <a:lnSpc>
+                <a:spcPct val="100000"/>
+              </a:lnSpc>
+              <a:spcBef>
+                <a:spcPct val="0"/>
+              </a:spcBef>
+              <a:spcAft>
+                <a:spcPts val="0"/>
+              </a:spcAft>
+              <a:buClrTx/>
+              <a:buSzTx/>
+              <a:buFont typeface="Arial" pitchFamily="34" charset="0"/>
+              <a:buChar char="•"/>
+              <a:tabLst/>
+              <a:defRPr/>
+            </a:pPr>
+            <a:endParaRPr kumimoji="0" lang="en-US" sz="2500" b="0" i="0" strike="noStrike" kern="1200" cap="none" spc="0" normalizeH="0" baseline="0" noProof="0" dirty="0" smtClean="0">
+              <a:ln>
+                <a:noFill/>
+              </a:ln>
+              <a:solidFill>
+                <a:srgbClr val="FFFFFF"/>
+              </a:solidFill>
+              <a:effectLst/>
+              <a:uLnTx/>
+              <a:uFillTx/>
+              <a:latin typeface="+mj-lt"/>
+              <a:ea typeface="+mj-ea"/>
+              <a:cs typeface="+mj-cs"/>
+            </a:endParaRPr>
+          </a:p>
+          <a:p>
+            <a:pPr marL="342900" marR="0" lvl="0" indent="-342900" defTabSz="914400" rtl="0" eaLnBrk="1" fontAlgn="auto" latinLnBrk="0" hangingPunct="1">
+              <a:lnSpc>
+                <a:spcPct val="150000"/>
+              </a:lnSpc>
+              <a:spcBef>
+                <a:spcPct val="0"/>
+              </a:spcBef>
+              <a:spcAft>
+                <a:spcPts val="0"/>
+              </a:spcAft>
+              <a:buClrTx/>
+              <a:buSzTx/>
+              <a:buFont typeface="Arial" panose="020B0604020202020204" pitchFamily="34" charset="0"/>
+              <a:buChar char="•"/>
+              <a:tabLst/>
+              <a:defRPr/>
+            </a:pPr>
+            <a:r>
+              <a:rPr lang="en-US" sz="2800" noProof="0" dirty="0" smtClean="0">
+                <a:solidFill>
+                  <a:srgbClr val="FFFFFF"/>
+                </a:solidFill>
+                <a:latin typeface="+mj-lt"/>
+                <a:ea typeface="+mj-ea"/>
+                <a:cs typeface="+mj-cs"/>
+              </a:rPr>
+              <a:t>Feedback from client used to design application</a:t>
+            </a:r>
+          </a:p>
+          <a:p>
+            <a:pPr marL="342900" marR="0" lvl="0" indent="-342900" defTabSz="914400" rtl="0" eaLnBrk="1" fontAlgn="auto" latinLnBrk="0" hangingPunct="1">
+              <a:lnSpc>
+                <a:spcPct val="150000"/>
+              </a:lnSpc>
+              <a:spcBef>
+                <a:spcPct val="0"/>
+              </a:spcBef>
+              <a:spcAft>
+                <a:spcPts val="0"/>
+              </a:spcAft>
+              <a:buClrTx/>
+              <a:buSzTx/>
+              <a:buFont typeface="Arial" panose="020B0604020202020204" pitchFamily="34" charset="0"/>
+              <a:buChar char="•"/>
+              <a:tabLst/>
+              <a:defRPr/>
+            </a:pPr>
+            <a:r>
+              <a:rPr kumimoji="0" lang="en-US" sz="2800" b="0" i="0" strike="noStrike" kern="1200" cap="none" spc="0" normalizeH="0" baseline="0" dirty="0" smtClean="0">
+                <a:ln>
+                  <a:noFill/>
+                </a:ln>
+                <a:solidFill>
+                  <a:srgbClr val="FFFFFF"/>
+                </a:solidFill>
+                <a:effectLst/>
+                <a:uLnTx/>
+                <a:uFillTx/>
+                <a:latin typeface="+mj-lt"/>
+                <a:ea typeface="+mj-ea"/>
+                <a:cs typeface="+mj-cs"/>
+              </a:rPr>
+              <a:t>Testing</a:t>
+            </a:r>
+            <a:r>
+              <a:rPr kumimoji="0" lang="en-US" sz="2800" b="0" i="0" strike="noStrike" kern="1200" cap="none" spc="0" normalizeH="0" dirty="0" smtClean="0">
+                <a:ln>
+                  <a:noFill/>
+                </a:ln>
+                <a:solidFill>
+                  <a:srgbClr val="FFFFFF"/>
+                </a:solidFill>
+                <a:effectLst/>
+                <a:uLnTx/>
+                <a:uFillTx/>
+                <a:latin typeface="+mj-lt"/>
+                <a:ea typeface="+mj-ea"/>
+                <a:cs typeface="+mj-cs"/>
+              </a:rPr>
+              <a:t> based on potential environments</a:t>
+            </a:r>
+          </a:p>
+          <a:p>
+            <a:pPr marL="800100" lvl="1" indent="-342900">
+              <a:lnSpc>
+                <a:spcPct val="150000"/>
+              </a:lnSpc>
+              <a:spcBef>
+                <a:spcPct val="0"/>
+              </a:spcBef>
+              <a:buFont typeface="Arial" panose="020B0604020202020204" pitchFamily="34" charset="0"/>
+              <a:buChar char="•"/>
+              <a:defRPr/>
+            </a:pPr>
+            <a:r>
+              <a:rPr lang="en-US" sz="2800" baseline="0" noProof="0" dirty="0" smtClean="0">
+                <a:solidFill>
+                  <a:srgbClr val="FFFFFF"/>
+                </a:solidFill>
+                <a:latin typeface="+mj-lt"/>
+                <a:ea typeface="+mj-ea"/>
+                <a:cs typeface="+mj-cs"/>
+              </a:rPr>
+              <a:t>Test for use with gloves</a:t>
+            </a:r>
+          </a:p>
+          <a:p>
+            <a:pPr marL="800100" lvl="1" indent="-342900">
+              <a:lnSpc>
+                <a:spcPct val="150000"/>
+              </a:lnSpc>
+              <a:spcBef>
+                <a:spcPct val="0"/>
+              </a:spcBef>
+              <a:buFont typeface="Arial" panose="020B0604020202020204" pitchFamily="34" charset="0"/>
+              <a:buChar char="•"/>
+              <a:defRPr/>
+            </a:pPr>
+            <a:r>
+              <a:rPr kumimoji="0" lang="en-US" sz="2800" b="0" i="0" strike="noStrike" kern="1200" cap="none" spc="0" normalizeH="0" dirty="0" smtClean="0">
+                <a:ln>
+                  <a:noFill/>
+                </a:ln>
+                <a:solidFill>
+                  <a:srgbClr val="FFFFFF"/>
+                </a:solidFill>
+                <a:effectLst/>
+                <a:uLnTx/>
+                <a:uFillTx/>
+                <a:latin typeface="+mj-lt"/>
+                <a:ea typeface="+mj-ea"/>
+                <a:cs typeface="+mj-cs"/>
+              </a:rPr>
+              <a:t>Test under different lighting</a:t>
+            </a:r>
+          </a:p>
+          <a:p>
+            <a:pPr marL="800100" lvl="1" indent="-342900">
+              <a:lnSpc>
+                <a:spcPct val="150000"/>
+              </a:lnSpc>
+              <a:spcBef>
+                <a:spcPct val="0"/>
+              </a:spcBef>
+              <a:buFont typeface="Arial" panose="020B0604020202020204" pitchFamily="34" charset="0"/>
+              <a:buChar char="•"/>
+              <a:defRPr/>
+            </a:pPr>
+            <a:r>
+              <a:rPr lang="en-US" sz="2800" baseline="0" noProof="0" dirty="0" smtClean="0">
+                <a:solidFill>
+                  <a:srgbClr val="FFFFFF"/>
+                </a:solidFill>
+                <a:latin typeface="+mj-lt"/>
+                <a:ea typeface="+mj-ea"/>
+                <a:cs typeface="+mj-cs"/>
+              </a:rPr>
+              <a:t>Test</a:t>
+            </a:r>
+            <a:r>
+              <a:rPr lang="en-US" sz="2800" noProof="0" dirty="0" smtClean="0">
+                <a:solidFill>
+                  <a:srgbClr val="FFFFFF"/>
+                </a:solidFill>
+                <a:latin typeface="+mj-lt"/>
+                <a:ea typeface="+mj-ea"/>
+                <a:cs typeface="+mj-cs"/>
+              </a:rPr>
+              <a:t> while wearing jewelry</a:t>
+            </a:r>
+          </a:p>
+          <a:p>
+            <a:pPr marL="342900" indent="-342900">
+              <a:lnSpc>
+                <a:spcPct val="150000"/>
+              </a:lnSpc>
+              <a:spcBef>
+                <a:spcPct val="0"/>
+              </a:spcBef>
+              <a:buFont typeface="Arial" panose="020B0604020202020204" pitchFamily="34" charset="0"/>
+              <a:buChar char="•"/>
+              <a:defRPr/>
+            </a:pPr>
+            <a:r>
+              <a:rPr lang="en-US" sz="2800" baseline="0" noProof="0" dirty="0" smtClean="0">
+                <a:solidFill>
+                  <a:srgbClr val="FFFFFF"/>
+                </a:solidFill>
+                <a:latin typeface="+mj-lt"/>
+                <a:ea typeface="+mj-ea"/>
+                <a:cs typeface="+mj-cs"/>
+              </a:rPr>
+              <a:t> Check</a:t>
+            </a:r>
+            <a:r>
+              <a:rPr lang="en-US" sz="2800" noProof="0" dirty="0" smtClean="0">
+                <a:solidFill>
+                  <a:srgbClr val="FFFFFF"/>
+                </a:solidFill>
+                <a:latin typeface="+mj-lt"/>
+                <a:ea typeface="+mj-ea"/>
+                <a:cs typeface="+mj-cs"/>
+              </a:rPr>
+              <a:t> if client is able to conduct a tremor test using the on screen instructions and prompts</a:t>
+            </a:r>
+            <a:endParaRPr kumimoji="0" lang="en-US" sz="2800" b="0" i="0" strike="noStrike" kern="1200" cap="none" spc="0" normalizeH="0" baseline="0" noProof="0" dirty="0" smtClean="0">
+              <a:ln>
+                <a:noFill/>
+              </a:ln>
+              <a:solidFill>
+                <a:srgbClr val="FFFFFF"/>
+              </a:solidFill>
+              <a:effectLst/>
+              <a:uLnTx/>
+              <a:uFillTx/>
+              <a:latin typeface="+mj-lt"/>
+              <a:ea typeface="+mj-ea"/>
+              <a:cs typeface="+mj-cs"/>
+            </a:endParaRPr>
+          </a:p>
+        </p:txBody>
+      </p:sp>
     </p:spTree>
     <p:extLst>
       <p:ext uri="{BB962C8B-B14F-4D97-AF65-F5344CB8AC3E}">
-        <p14:creationId xmlns:p14="http://schemas.microsoft.com/office/powerpoint/2010/main" val="2194629508"/>
+        <p14:creationId xmlns:p14="http://schemas.microsoft.com/office/powerpoint/2010/main" val="1882893687"/>
       </p:ext>
     </p:extLst>
   </p:cSld>
@@ -6904,7 +7000,7 @@
   <p:timing>
     <p:tnLst>
       <p:par>
-        <p:cTn xmlns:p14="http://schemas.microsoft.com/office/powerpoint/2010/main" id="1" dur="indefinite" restart="never" nodeType="tmRoot"/>
+        <p:cTn id="1" dur="indefinite" restart="never" nodeType="tmRoot"/>
       </p:par>
     </p:tnLst>
   </p:timing>
@@ -6973,7 +7069,7 @@
             </a:prstGeom>
             <a:noFill/>
             <a:extLst>
-              <a:ext uri="{909E8E84-426E-40dd-AFC4-6F175D3DCCD1}">
+              <a:ext uri="{909E8E84-426E-40DD-AFC4-6F175D3DCCD1}">
                 <a14:hiddenFill xmlns:a14="http://schemas.microsoft.com/office/drawing/2010/main">
                   <a:solidFill>
                     <a:srgbClr val="FFFFFF"/>
@@ -7045,7 +7141,7 @@
         <p:spPr>
           <a:xfrm>
             <a:off x="292289" y="464024"/>
-            <a:ext cx="6032311" cy="685799"/>
+            <a:ext cx="4279711" cy="685799"/>
           </a:xfrm>
           <a:prstGeom prst="rect">
             <a:avLst/>
@@ -7091,7 +7187,7 @@
                 </a:effectLst>
                 <a:latin typeface="Komika Parch" pitchFamily="2" charset="0"/>
               </a:rPr>
-              <a:t>Proposed Solution</a:t>
+              <a:t>Function Testing</a:t>
             </a:r>
             <a:endParaRPr lang="en-US" sz="4600" b="1" dirty="0">
               <a:ln w="0">
@@ -7112,10 +7208,211 @@
           </a:p>
         </p:txBody>
       </p:sp>
+      <p:sp>
+        <p:nvSpPr>
+          <p:cNvPr id="6" name="Title 1"/>
+          <p:cNvSpPr txBox="1">
+            <a:spLocks/>
+          </p:cNvSpPr>
+          <p:nvPr/>
+        </p:nvSpPr>
+        <p:spPr>
+          <a:xfrm>
+            <a:off x="762000" y="1200622"/>
+            <a:ext cx="8229600" cy="4133377"/>
+          </a:xfrm>
+          <a:prstGeom prst="rect">
+            <a:avLst/>
+          </a:prstGeom>
+        </p:spPr>
+        <p:txBody>
+          <a:bodyPr vert="horz" lIns="91440" tIns="45720" rIns="91440" bIns="45720" rtlCol="0" anchor="t">
+            <a:noAutofit/>
+          </a:bodyPr>
+          <a:lstStyle/>
+          <a:p>
+            <a:pPr marL="457200" marR="0" lvl="0" indent="-457200" defTabSz="914400" rtl="0" eaLnBrk="1" fontAlgn="auto" latinLnBrk="0" hangingPunct="1">
+              <a:lnSpc>
+                <a:spcPct val="100000"/>
+              </a:lnSpc>
+              <a:spcBef>
+                <a:spcPct val="0"/>
+              </a:spcBef>
+              <a:spcAft>
+                <a:spcPts val="0"/>
+              </a:spcAft>
+              <a:buClrTx/>
+              <a:buSzTx/>
+              <a:buFont typeface="Arial" pitchFamily="34" charset="0"/>
+              <a:buChar char="•"/>
+              <a:tabLst/>
+              <a:defRPr/>
+            </a:pPr>
+            <a:endParaRPr kumimoji="0" lang="en-US" sz="2500" b="0" i="0" strike="noStrike" kern="1200" cap="none" spc="0" normalizeH="0" baseline="0" noProof="0" dirty="0" smtClean="0">
+              <a:ln>
+                <a:noFill/>
+              </a:ln>
+              <a:solidFill>
+                <a:srgbClr val="FFFFFF"/>
+              </a:solidFill>
+              <a:effectLst/>
+              <a:uLnTx/>
+              <a:uFillTx/>
+              <a:latin typeface="+mj-lt"/>
+              <a:ea typeface="+mj-ea"/>
+              <a:cs typeface="+mj-cs"/>
+            </a:endParaRPr>
+          </a:p>
+          <a:p>
+            <a:pPr marL="342900" marR="0" lvl="0" indent="-342900" defTabSz="914400" rtl="0" eaLnBrk="1" fontAlgn="auto" latinLnBrk="0" hangingPunct="1">
+              <a:lnSpc>
+                <a:spcPct val="150000"/>
+              </a:lnSpc>
+              <a:spcBef>
+                <a:spcPct val="0"/>
+              </a:spcBef>
+              <a:spcAft>
+                <a:spcPts val="0"/>
+              </a:spcAft>
+              <a:buClrTx/>
+              <a:buSzTx/>
+              <a:buFont typeface="Arial" panose="020B0604020202020204" pitchFamily="34" charset="0"/>
+              <a:buChar char="•"/>
+              <a:tabLst/>
+              <a:defRPr/>
+            </a:pPr>
+            <a:r>
+              <a:rPr lang="en-US" sz="2400" noProof="0" dirty="0" smtClean="0">
+                <a:solidFill>
+                  <a:srgbClr val="FFFFFF"/>
+                </a:solidFill>
+                <a:latin typeface="+mj-lt"/>
+                <a:ea typeface="+mj-ea"/>
+                <a:cs typeface="+mj-cs"/>
+              </a:rPr>
+              <a:t>Video recordings of multiple tests with different degrees of tremor shown to client</a:t>
+            </a:r>
+          </a:p>
+          <a:p>
+            <a:pPr marL="342900" marR="0" lvl="0" indent="-342900" defTabSz="914400" rtl="0" eaLnBrk="1" fontAlgn="auto" latinLnBrk="0" hangingPunct="1">
+              <a:lnSpc>
+                <a:spcPct val="150000"/>
+              </a:lnSpc>
+              <a:spcBef>
+                <a:spcPct val="0"/>
+              </a:spcBef>
+              <a:spcAft>
+                <a:spcPts val="0"/>
+              </a:spcAft>
+              <a:buClrTx/>
+              <a:buSzTx/>
+              <a:buFont typeface="Arial" panose="020B0604020202020204" pitchFamily="34" charset="0"/>
+              <a:buChar char="•"/>
+              <a:tabLst/>
+              <a:defRPr/>
+            </a:pPr>
+            <a:r>
+              <a:rPr lang="en-US" sz="2400" noProof="0" dirty="0" smtClean="0">
+                <a:solidFill>
+                  <a:srgbClr val="FFFFFF"/>
+                </a:solidFill>
+                <a:latin typeface="+mj-lt"/>
+                <a:ea typeface="+mj-ea"/>
+                <a:cs typeface="+mj-cs"/>
+              </a:rPr>
+              <a:t>Test data generated to run through functions</a:t>
+            </a:r>
+          </a:p>
+          <a:p>
+            <a:pPr marL="342900" marR="0" lvl="0" indent="-342900" defTabSz="914400" rtl="0" eaLnBrk="1" fontAlgn="auto" latinLnBrk="0" hangingPunct="1">
+              <a:lnSpc>
+                <a:spcPct val="150000"/>
+              </a:lnSpc>
+              <a:spcBef>
+                <a:spcPct val="0"/>
+              </a:spcBef>
+              <a:spcAft>
+                <a:spcPts val="0"/>
+              </a:spcAft>
+              <a:buClrTx/>
+              <a:buSzTx/>
+              <a:buFont typeface="Arial" panose="020B0604020202020204" pitchFamily="34" charset="0"/>
+              <a:buChar char="•"/>
+              <a:tabLst/>
+              <a:defRPr/>
+            </a:pPr>
+            <a:r>
+              <a:rPr lang="en-US" sz="2400" dirty="0" smtClean="0">
+                <a:solidFill>
+                  <a:srgbClr val="FFFFFF"/>
+                </a:solidFill>
+                <a:latin typeface="+mj-lt"/>
+                <a:ea typeface="+mj-ea"/>
+                <a:cs typeface="+mj-cs"/>
+              </a:rPr>
+              <a:t>Functions work correctly, however Leap Motion device is not always capturing reliable data</a:t>
+            </a:r>
+          </a:p>
+          <a:p>
+            <a:pPr marL="342900" marR="0" lvl="0" indent="-342900" defTabSz="914400" rtl="0" eaLnBrk="1" fontAlgn="auto" latinLnBrk="0" hangingPunct="1">
+              <a:lnSpc>
+                <a:spcPct val="150000"/>
+              </a:lnSpc>
+              <a:spcBef>
+                <a:spcPct val="0"/>
+              </a:spcBef>
+              <a:spcAft>
+                <a:spcPts val="0"/>
+              </a:spcAft>
+              <a:buClrTx/>
+              <a:buSzTx/>
+              <a:buFont typeface="Arial" panose="020B0604020202020204" pitchFamily="34" charset="0"/>
+              <a:buChar char="•"/>
+              <a:tabLst/>
+              <a:defRPr/>
+            </a:pPr>
+            <a:r>
+              <a:rPr lang="en-US" sz="2400" noProof="0" dirty="0" smtClean="0">
+                <a:solidFill>
+                  <a:srgbClr val="FFFFFF"/>
+                </a:solidFill>
+                <a:latin typeface="+mj-lt"/>
+                <a:ea typeface="+mj-ea"/>
+                <a:cs typeface="+mj-cs"/>
+              </a:rPr>
+              <a:t>Accuracy of Leap Motion device is affecting our results</a:t>
+            </a:r>
+          </a:p>
+          <a:p>
+            <a:pPr marL="342900" marR="0" lvl="0" indent="-342900" defTabSz="914400" rtl="0" eaLnBrk="1" fontAlgn="auto" latinLnBrk="0" hangingPunct="1">
+              <a:spcBef>
+                <a:spcPct val="0"/>
+              </a:spcBef>
+              <a:spcAft>
+                <a:spcPts val="0"/>
+              </a:spcAft>
+              <a:buClrTx/>
+              <a:buSzTx/>
+              <a:buFont typeface="Arial" panose="020B0604020202020204" pitchFamily="34" charset="0"/>
+              <a:buChar char="•"/>
+              <a:tabLst/>
+              <a:defRPr/>
+            </a:pPr>
+            <a:endParaRPr lang="en-US" sz="2800" noProof="0" dirty="0" smtClean="0">
+              <a:solidFill>
+                <a:srgbClr val="FFFFFF"/>
+              </a:solidFill>
+              <a:latin typeface="+mj-lt"/>
+              <a:ea typeface="+mj-ea"/>
+              <a:cs typeface="+mj-cs"/>
+            </a:endParaRPr>
+          </a:p>
+        </p:txBody>
+      </p:sp>
     </p:spTree>
     <p:extLst>
       <p:ext uri="{BB962C8B-B14F-4D97-AF65-F5344CB8AC3E}">
-        <p14:creationId xmlns:p14="http://schemas.microsoft.com/office/powerpoint/2010/main" val="2194629508"/>
+        <p14:creationId xmlns:p14="http://schemas.microsoft.com/office/powerpoint/2010/main" val="925010554"/>
       </p:ext>
     </p:extLst>
   </p:cSld>
@@ -7125,7 +7422,7 @@
   <p:timing>
     <p:tnLst>
       <p:par>
-        <p:cTn xmlns:p14="http://schemas.microsoft.com/office/powerpoint/2010/main" id="1" dur="indefinite" restart="never" nodeType="tmRoot"/>
+        <p:cTn id="1" dur="indefinite" restart="never" nodeType="tmRoot"/>
       </p:par>
     </p:tnLst>
   </p:timing>
@@ -7194,7 +7491,7 @@
             </a:prstGeom>
             <a:noFill/>
             <a:extLst>
-              <a:ext uri="{909E8E84-426E-40dd-AFC4-6F175D3DCCD1}">
+              <a:ext uri="{909E8E84-426E-40DD-AFC4-6F175D3DCCD1}">
                 <a14:hiddenFill xmlns:a14="http://schemas.microsoft.com/office/drawing/2010/main">
                   <a:solidFill>
                     <a:srgbClr val="FFFFFF"/>
@@ -7257,7 +7554,7 @@
       </p:grpSp>
       <p:sp>
         <p:nvSpPr>
-          <p:cNvPr id="11" name="Title 1"/>
+          <p:cNvPr id="8" name="Title 1"/>
           <p:cNvSpPr txBox="1">
             <a:spLocks/>
           </p:cNvSpPr>
@@ -7265,8 +7562,8 @@
         </p:nvSpPr>
         <p:spPr>
           <a:xfrm>
-            <a:off x="609600" y="1524000"/>
-            <a:ext cx="8229600" cy="4114800"/>
+            <a:off x="279589" y="464023"/>
+            <a:ext cx="3301811" cy="685799"/>
           </a:xfrm>
           <a:prstGeom prst="rect">
             <a:avLst/>
@@ -7274,6 +7571,103 @@
         </p:spPr>
         <p:txBody>
           <a:bodyPr vert="horz" lIns="91440" tIns="45720" rIns="91440" bIns="45720" rtlCol="0" anchor="ctr">
+            <a:noAutofit/>
+          </a:bodyPr>
+          <a:lstStyle/>
+          <a:p>
+            <a:pPr marL="0" marR="0" lvl="0" indent="0" algn="ctr" defTabSz="914400" rtl="0" eaLnBrk="1" fontAlgn="auto" latinLnBrk="0" hangingPunct="1">
+              <a:lnSpc>
+                <a:spcPct val="100000"/>
+              </a:lnSpc>
+              <a:spcBef>
+                <a:spcPct val="0"/>
+              </a:spcBef>
+              <a:spcAft>
+                <a:spcPts val="0"/>
+              </a:spcAft>
+              <a:buClrTx/>
+              <a:buSzTx/>
+              <a:buFontTx/>
+              <a:buNone/>
+              <a:tabLst/>
+              <a:defRPr/>
+            </a:pPr>
+            <a:r>
+              <a:rPr lang="en-US" sz="4600" b="1" dirty="0" smtClean="0">
+                <a:ln w="0">
+                  <a:noFill/>
+                </a:ln>
+                <a:solidFill>
+                  <a:srgbClr val="FFFFFF"/>
+                </a:solidFill>
+                <a:effectLst>
+                  <a:outerShdw blurRad="38100" sx="102000" sy="102000" algn="ctr" rotWithShape="0">
+                    <a:prstClr val="black">
+                      <a:alpha val="65000"/>
+                    </a:prstClr>
+                  </a:outerShdw>
+                </a:effectLst>
+                <a:latin typeface="Komika Parch" pitchFamily="2" charset="0"/>
+              </a:rPr>
+              <a:t>Future </a:t>
+            </a:r>
+            <a:r>
+              <a:rPr lang="en-US" sz="4600" b="1" dirty="0" smtClean="0">
+                <a:ln w="0">
+                  <a:noFill/>
+                </a:ln>
+                <a:solidFill>
+                  <a:srgbClr val="FFFFFF"/>
+                </a:solidFill>
+                <a:effectLst>
+                  <a:outerShdw blurRad="38100" sx="102000" sy="102000" algn="ctr" rotWithShape="0">
+                    <a:prstClr val="black">
+                      <a:alpha val="65000"/>
+                    </a:prstClr>
+                  </a:outerShdw>
+                </a:effectLst>
+                <a:latin typeface="Komika Parch" pitchFamily="2" charset="0"/>
+              </a:rPr>
+              <a:t>Plans</a:t>
+            </a:r>
+            <a:endParaRPr lang="en-US" sz="4600" b="1" dirty="0">
+              <a:ln w="0">
+                <a:noFill/>
+              </a:ln>
+              <a:solidFill>
+                <a:srgbClr val="FFFFFF"/>
+              </a:solidFill>
+              <a:effectLst>
+                <a:outerShdw blurRad="38100" sx="102000" sy="102000" algn="ctr" rotWithShape="0">
+                  <a:prstClr val="black">
+                    <a:alpha val="65000"/>
+                  </a:prstClr>
+                </a:outerShdw>
+              </a:effectLst>
+              <a:latin typeface="Komika Parch" pitchFamily="2" charset="0"/>
+            </a:endParaRPr>
+          </a:p>
+        </p:txBody>
+      </p:sp>
+      <p:sp>
+        <p:nvSpPr>
+          <p:cNvPr id="6" name="Title 1"/>
+          <p:cNvSpPr txBox="1">
+            <a:spLocks/>
+          </p:cNvSpPr>
+          <p:nvPr/>
+        </p:nvSpPr>
+        <p:spPr>
+          <a:xfrm>
+            <a:off x="762000" y="1200622"/>
+            <a:ext cx="8229600" cy="4133377"/>
+          </a:xfrm>
+          <a:prstGeom prst="rect">
+            <a:avLst/>
+          </a:prstGeom>
+        </p:spPr>
+        <p:txBody>
+          <a:bodyPr vert="horz" lIns="91440" tIns="45720" rIns="91440" bIns="45720" rtlCol="0" anchor="t">
             <a:noAutofit/>
           </a:bodyPr>
           <a:lstStyle/>
@@ -7310,34 +7704,10 @@
               <a:cs typeface="+mj-cs"/>
             </a:endParaRPr>
           </a:p>
-        </p:txBody>
-      </p:sp>
-      <p:sp>
-        <p:nvSpPr>
-          <p:cNvPr id="8" name="Title 1"/>
-          <p:cNvSpPr txBox="1">
-            <a:spLocks/>
-          </p:cNvSpPr>
-          <p:nvPr/>
-        </p:nvSpPr>
-        <p:spPr>
-          <a:xfrm>
-            <a:off x="292289" y="464024"/>
-            <a:ext cx="6489511" cy="685799"/>
-          </a:xfrm>
-          <a:prstGeom prst="rect">
-            <a:avLst/>
-          </a:prstGeom>
-        </p:spPr>
-        <p:txBody>
-          <a:bodyPr vert="horz" lIns="91440" tIns="45720" rIns="91440" bIns="45720" rtlCol="0" anchor="ctr">
-            <a:noAutofit/>
-          </a:bodyPr>
-          <a:lstStyle/>
-          <a:p>
-            <a:pPr marL="0" marR="0" lvl="0" indent="0" algn="ctr" defTabSz="914400" rtl="0" eaLnBrk="1" fontAlgn="auto" latinLnBrk="0" hangingPunct="1">
+          <a:p>
+            <a:pPr marL="342900" marR="0" lvl="0" indent="-342900" defTabSz="914400" rtl="0" eaLnBrk="1" fontAlgn="auto" latinLnBrk="0" hangingPunct="1">
               <a:lnSpc>
-                <a:spcPct val="100000"/>
+                <a:spcPct val="150000"/>
               </a:lnSpc>
               <a:spcBef>
                 <a:spcPct val="0"/>
@@ -7347,75 +7717,27 @@
               </a:spcAft>
               <a:buClrTx/>
               <a:buSzTx/>
-              <a:buFontTx/>
-              <a:buNone/>
+              <a:buFont typeface="Arial" panose="020B0604020202020204" pitchFamily="34" charset="0"/>
+              <a:buChar char="•"/>
               <a:tabLst/>
               <a:defRPr/>
             </a:pPr>
             <a:r>
-              <a:rPr lang="en-US" sz="4600" b="1" dirty="0" smtClean="0">
-                <a:ln w="0">
-                  <a:noFill/>
-                </a:ln>
+              <a:rPr lang="en-US" sz="2400" dirty="0" smtClean="0">
                 <a:solidFill>
                   <a:srgbClr val="FFFFFF"/>
                 </a:solidFill>
-                <a:effectLst>
-                  <a:outerShdw blurRad="38100" sx="102000" sy="102000" algn="ctr" rotWithShape="0">
-                    <a:prstClr val="black">
-                      <a:alpha val="65000"/>
-                    </a:prstClr>
-                  </a:outerShdw>
-                </a:effectLst>
-                <a:latin typeface="Komika Parch" pitchFamily="2" charset="0"/>
+                <a:latin typeface="+mj-lt"/>
+                <a:ea typeface="+mj-ea"/>
+                <a:cs typeface="+mj-cs"/>
               </a:rPr>
-              <a:t>Usability Testing</a:t>
-            </a:r>
-            <a:endParaRPr lang="en-US" sz="4600" b="1" dirty="0">
-              <a:ln w="0">
-                <a:noFill/>
-              </a:ln>
-              <a:solidFill>
-                <a:srgbClr val="FFFFFF"/>
-              </a:solidFill>
-              <a:effectLst>
-                <a:outerShdw blurRad="38100" sx="102000" sy="102000" algn="ctr" rotWithShape="0">
-                  <a:prstClr val="black">
-                    <a:alpha val="65000"/>
-                  </a:prstClr>
-                </a:outerShdw>
-              </a:effectLst>
-              <a:latin typeface="Komika Parch" pitchFamily="2" charset="0"/>
-            </a:endParaRPr>
-          </a:p>
-        </p:txBody>
-      </p:sp>
-      <p:sp>
-        <p:nvSpPr>
-          <p:cNvPr id="7" name="Title 1"/>
-          <p:cNvSpPr txBox="1">
-            <a:spLocks/>
-          </p:cNvSpPr>
-          <p:nvPr/>
-        </p:nvSpPr>
-        <p:spPr>
-          <a:xfrm>
-            <a:off x="762000" y="1676400"/>
-            <a:ext cx="8229600" cy="4114800"/>
-          </a:xfrm>
-          <a:prstGeom prst="rect">
-            <a:avLst/>
-          </a:prstGeom>
-        </p:spPr>
-        <p:txBody>
-          <a:bodyPr vert="horz" lIns="91440" tIns="45720" rIns="91440" bIns="45720" rtlCol="0" anchor="ctr">
-            <a:noAutofit/>
-          </a:bodyPr>
-          <a:lstStyle/>
-          <a:p>
-            <a:pPr marL="457200" marR="0" lvl="0" indent="-457200" defTabSz="914400" rtl="0" eaLnBrk="1" fontAlgn="auto" latinLnBrk="0" hangingPunct="1">
+              <a:t>Additional testing of Leap Motion device</a:t>
+            </a:r>
+          </a:p>
+          <a:p>
+            <a:pPr marL="342900" marR="0" lvl="0" indent="-342900" defTabSz="914400" rtl="0" eaLnBrk="1" fontAlgn="auto" latinLnBrk="0" hangingPunct="1">
               <a:lnSpc>
-                <a:spcPct val="100000"/>
+                <a:spcPct val="150000"/>
               </a:lnSpc>
               <a:spcBef>
                 <a:spcPct val="0"/>
@@ -7425,30 +7747,27 @@
               </a:spcAft>
               <a:buClrTx/>
               <a:buSzTx/>
-              <a:buFont typeface="Arial" pitchFamily="34" charset="0"/>
+              <a:buFont typeface="Arial" panose="020B0604020202020204" pitchFamily="34" charset="0"/>
               <a:buChar char="•"/>
               <a:tabLst/>
               <a:defRPr/>
             </a:pPr>
-            <a:endParaRPr kumimoji="0" lang="en-US" sz="2500" b="0" i="0" strike="noStrike" kern="1200" cap="none" spc="0" normalizeH="0" baseline="0" noProof="0" dirty="0" smtClean="0">
-              <a:ln>
-                <a:noFill/>
-              </a:ln>
-              <a:solidFill>
-                <a:srgbClr val="FFFFFF"/>
-              </a:solidFill>
-              <a:effectLst/>
-              <a:uLnTx/>
-              <a:uFillTx/>
-              <a:latin typeface="+mj-lt"/>
-              <a:ea typeface="+mj-ea"/>
-              <a:cs typeface="+mj-cs"/>
-            </a:endParaRPr>
-          </a:p>
-          <a:p>
-            <a:pPr marR="0" lvl="0" defTabSz="914400" rtl="0" eaLnBrk="1" fontAlgn="auto" latinLnBrk="0" hangingPunct="1">
+            <a:r>
+              <a:rPr lang="en-US" sz="2400" dirty="0" smtClean="0">
+                <a:solidFill>
+                  <a:srgbClr val="FFFFFF"/>
+                </a:solidFill>
+                <a:latin typeface="+mj-lt"/>
+                <a:ea typeface="+mj-ea"/>
+                <a:cs typeface="+mj-cs"/>
+              </a:rPr>
+              <a:t>Meet with client to discuss the outcomes of our project</a:t>
+            </a:r>
+          </a:p>
+          <a:p>
+            <a:pPr marL="342900" marR="0" lvl="0" indent="-342900" defTabSz="914400" rtl="0" eaLnBrk="1" fontAlgn="auto" latinLnBrk="0" hangingPunct="1">
               <a:lnSpc>
-                <a:spcPct val="100000"/>
+                <a:spcPct val="150000"/>
               </a:lnSpc>
               <a:spcBef>
                 <a:spcPct val="0"/>
@@ -7458,11 +7777,13 @@
               </a:spcAft>
               <a:buClrTx/>
               <a:buSzTx/>
+              <a:buFont typeface="Arial" panose="020B0604020202020204" pitchFamily="34" charset="0"/>
+              <a:buChar char="•"/>
               <a:tabLst/>
               <a:defRPr/>
             </a:pPr>
             <a:r>
-              <a:rPr lang="en-US" sz="2500" dirty="0" smtClean="0">
+              <a:rPr lang="en-US" sz="2400" dirty="0" smtClean="0">
                 <a:solidFill>
                   <a:srgbClr val="FFFFFF"/>
                 </a:solidFill>
@@ -7470,18 +7791,91 @@
                 <a:ea typeface="+mj-ea"/>
                 <a:cs typeface="+mj-cs"/>
               </a:rPr>
-              <a:t>User d</a:t>
-            </a:r>
-            <a:endParaRPr kumimoji="0" lang="en-US" sz="2500" b="0" i="0" strike="noStrike" kern="1200" cap="none" spc="0" normalizeH="0" baseline="0" noProof="0" dirty="0" smtClean="0">
-              <a:ln>
-                <a:noFill/>
-              </a:ln>
+              <a:t>Add information to technical manual about noise filter functionality</a:t>
+            </a:r>
+          </a:p>
+          <a:p>
+            <a:pPr marL="342900" marR="0" lvl="0" indent="-342900" defTabSz="914400" rtl="0" eaLnBrk="1" fontAlgn="auto" latinLnBrk="0" hangingPunct="1">
+              <a:lnSpc>
+                <a:spcPct val="150000"/>
+              </a:lnSpc>
+              <a:spcBef>
+                <a:spcPct val="0"/>
+              </a:spcBef>
+              <a:spcAft>
+                <a:spcPts val="0"/>
+              </a:spcAft>
+              <a:buClrTx/>
+              <a:buSzTx/>
+              <a:buFont typeface="Arial" panose="020B0604020202020204" pitchFamily="34" charset="0"/>
+              <a:buChar char="•"/>
+              <a:tabLst/>
+              <a:defRPr/>
+            </a:pPr>
+            <a:r>
+              <a:rPr lang="en-US" sz="2400" dirty="0" smtClean="0">
+                <a:solidFill>
+                  <a:srgbClr val="FFFFFF"/>
+                </a:solidFill>
+                <a:latin typeface="+mj-lt"/>
+                <a:ea typeface="+mj-ea"/>
+                <a:cs typeface="+mj-cs"/>
+              </a:rPr>
+              <a:t>Present test data to client</a:t>
+            </a:r>
+          </a:p>
+          <a:p>
+            <a:pPr marL="342900" marR="0" lvl="0" indent="-342900" defTabSz="914400" rtl="0" eaLnBrk="1" fontAlgn="auto" latinLnBrk="0" hangingPunct="1">
+              <a:lnSpc>
+                <a:spcPct val="150000"/>
+              </a:lnSpc>
+              <a:spcBef>
+                <a:spcPct val="0"/>
+              </a:spcBef>
+              <a:spcAft>
+                <a:spcPts val="0"/>
+              </a:spcAft>
+              <a:buClrTx/>
+              <a:buSzTx/>
+              <a:buFont typeface="Arial" panose="020B0604020202020204" pitchFamily="34" charset="0"/>
+              <a:buChar char="•"/>
+              <a:tabLst/>
+              <a:defRPr/>
+            </a:pPr>
+            <a:r>
+              <a:rPr lang="en-US" sz="2400" noProof="0" dirty="0" smtClean="0">
+                <a:solidFill>
+                  <a:srgbClr val="FFFFFF"/>
+                </a:solidFill>
+                <a:latin typeface="+mj-lt"/>
+                <a:ea typeface="+mj-ea"/>
+                <a:cs typeface="+mj-cs"/>
+              </a:rPr>
+              <a:t>Begin to wrap up project and finalize documentation</a:t>
+            </a:r>
+          </a:p>
+          <a:p>
+            <a:pPr marL="342900" marR="0" lvl="0" indent="-342900" defTabSz="914400" rtl="0" eaLnBrk="1" fontAlgn="auto" latinLnBrk="0" hangingPunct="1">
+              <a:lnSpc>
+                <a:spcPct val="150000"/>
+              </a:lnSpc>
+              <a:spcBef>
+                <a:spcPct val="0"/>
+              </a:spcBef>
+              <a:spcAft>
+                <a:spcPts val="0"/>
+              </a:spcAft>
+              <a:buClrTx/>
+              <a:buSzTx/>
+              <a:buFont typeface="Arial" panose="020B0604020202020204" pitchFamily="34" charset="0"/>
+              <a:buChar char="•"/>
+              <a:tabLst/>
+              <a:defRPr/>
+            </a:pPr>
+            <a:endParaRPr lang="en-US" sz="2400" noProof="0" dirty="0" smtClean="0">
               <a:solidFill>
                 <a:srgbClr val="FFFFFF"/>
               </a:solidFill>
-              <a:effectLst/>
-              <a:uLnTx/>
-              <a:uFillTx/>
               <a:latin typeface="+mj-lt"/>
               <a:ea typeface="+mj-ea"/>
               <a:cs typeface="+mj-cs"/>
@@ -7492,7 +7886,7 @@
     </p:spTree>
     <p:extLst>
       <p:ext uri="{BB962C8B-B14F-4D97-AF65-F5344CB8AC3E}">
-        <p14:creationId xmlns:p14="http://schemas.microsoft.com/office/powerpoint/2010/main" val="1882893687"/>
+        <p14:creationId xmlns:p14="http://schemas.microsoft.com/office/powerpoint/2010/main" val="925010554"/>
       </p:ext>
     </p:extLst>
   </p:cSld>
@@ -7502,7 +7896,7 @@
   <p:timing>
     <p:tnLst>
       <p:par>
-        <p:cTn xmlns:p14="http://schemas.microsoft.com/office/powerpoint/2010/main" id="1" dur="indefinite" restart="never" nodeType="tmRoot"/>
+        <p:cTn id="1" dur="indefinite" restart="never" nodeType="tmRoot"/>
       </p:par>
     </p:tnLst>
   </p:timing>

--- a/Presentaton slide/HIT3061 SOFTWARE TEAM PROJECT week 11.pptx
+++ b/Presentaton slide/HIT3061 SOFTWARE TEAM PROJECT week 11.pptx
@@ -204,7 +204,7 @@
             <a:fld id="{4BDC485C-C49A-4366-A320-D4D420BCC7DA}" type="datetimeFigureOut">
               <a:rPr lang="en-AU" smtClean="0"/>
               <a:pPr/>
-              <a:t>22/10/13</a:t>
+              <a:t>26/10/2013</a:t>
             </a:fld>
             <a:endParaRPr lang="en-AU"/>
           </a:p>
@@ -655,7 +655,7 @@
             <a:fld id="{CF629A08-2B0F-4620-BF31-E09740D255D1}" type="datetimeFigureOut">
               <a:rPr lang="zh-CN" altLang="en-US" smtClean="0"/>
               <a:pPr/>
-              <a:t>22/10/13</a:t>
+              <a:t>26/10/2013</a:t>
             </a:fld>
             <a:endParaRPr lang="zh-CN" altLang="en-US"/>
           </a:p>
@@ -827,7 +827,7 @@
             <a:fld id="{CF629A08-2B0F-4620-BF31-E09740D255D1}" type="datetimeFigureOut">
               <a:rPr lang="zh-CN" altLang="en-US" smtClean="0"/>
               <a:pPr/>
-              <a:t>22/10/13</a:t>
+              <a:t>26/10/2013</a:t>
             </a:fld>
             <a:endParaRPr lang="zh-CN" altLang="en-US"/>
           </a:p>
@@ -1009,7 +1009,7 @@
             <a:fld id="{CF629A08-2B0F-4620-BF31-E09740D255D1}" type="datetimeFigureOut">
               <a:rPr lang="zh-CN" altLang="en-US" smtClean="0"/>
               <a:pPr/>
-              <a:t>22/10/13</a:t>
+              <a:t>26/10/2013</a:t>
             </a:fld>
             <a:endParaRPr lang="zh-CN" altLang="en-US"/>
           </a:p>
@@ -1181,7 +1181,7 @@
             <a:fld id="{CF629A08-2B0F-4620-BF31-E09740D255D1}" type="datetimeFigureOut">
               <a:rPr lang="zh-CN" altLang="en-US" smtClean="0"/>
               <a:pPr/>
-              <a:t>22/10/13</a:t>
+              <a:t>26/10/2013</a:t>
             </a:fld>
             <a:endParaRPr lang="zh-CN" altLang="en-US"/>
           </a:p>
@@ -1429,7 +1429,7 @@
             <a:fld id="{CF629A08-2B0F-4620-BF31-E09740D255D1}" type="datetimeFigureOut">
               <a:rPr lang="zh-CN" altLang="en-US" smtClean="0"/>
               <a:pPr/>
-              <a:t>22/10/13</a:t>
+              <a:t>26/10/2013</a:t>
             </a:fld>
             <a:endParaRPr lang="zh-CN" altLang="en-US"/>
           </a:p>
@@ -1719,7 +1719,7 @@
             <a:fld id="{CF629A08-2B0F-4620-BF31-E09740D255D1}" type="datetimeFigureOut">
               <a:rPr lang="zh-CN" altLang="en-US" smtClean="0"/>
               <a:pPr/>
-              <a:t>22/10/13</a:t>
+              <a:t>26/10/2013</a:t>
             </a:fld>
             <a:endParaRPr lang="zh-CN" altLang="en-US"/>
           </a:p>
@@ -2143,7 +2143,7 @@
             <a:fld id="{CF629A08-2B0F-4620-BF31-E09740D255D1}" type="datetimeFigureOut">
               <a:rPr lang="zh-CN" altLang="en-US" smtClean="0"/>
               <a:pPr/>
-              <a:t>22/10/13</a:t>
+              <a:t>26/10/2013</a:t>
             </a:fld>
             <a:endParaRPr lang="zh-CN" altLang="en-US"/>
           </a:p>
@@ -2263,7 +2263,7 @@
             <a:fld id="{CF629A08-2B0F-4620-BF31-E09740D255D1}" type="datetimeFigureOut">
               <a:rPr lang="zh-CN" altLang="en-US" smtClean="0"/>
               <a:pPr/>
-              <a:t>22/10/13</a:t>
+              <a:t>26/10/2013</a:t>
             </a:fld>
             <a:endParaRPr lang="zh-CN" altLang="en-US"/>
           </a:p>
@@ -2360,7 +2360,7 @@
             <a:fld id="{CF629A08-2B0F-4620-BF31-E09740D255D1}" type="datetimeFigureOut">
               <a:rPr lang="zh-CN" altLang="en-US" smtClean="0"/>
               <a:pPr/>
-              <a:t>22/10/13</a:t>
+              <a:t>26/10/2013</a:t>
             </a:fld>
             <a:endParaRPr lang="zh-CN" altLang="en-US"/>
           </a:p>
@@ -2639,7 +2639,7 @@
             <a:fld id="{CF629A08-2B0F-4620-BF31-E09740D255D1}" type="datetimeFigureOut">
               <a:rPr lang="zh-CN" altLang="en-US" smtClean="0"/>
               <a:pPr/>
-              <a:t>22/10/13</a:t>
+              <a:t>26/10/2013</a:t>
             </a:fld>
             <a:endParaRPr lang="zh-CN" altLang="en-US"/>
           </a:p>
@@ -2898,7 +2898,7 @@
             <a:fld id="{CF629A08-2B0F-4620-BF31-E09740D255D1}" type="datetimeFigureOut">
               <a:rPr lang="zh-CN" altLang="en-US" smtClean="0"/>
               <a:pPr/>
-              <a:t>22/10/13</a:t>
+              <a:t>26/10/2013</a:t>
             </a:fld>
             <a:endParaRPr lang="zh-CN" altLang="en-US"/>
           </a:p>
@@ -3116,7 +3116,7 @@
             <a:fld id="{CF629A08-2B0F-4620-BF31-E09740D255D1}" type="datetimeFigureOut">
               <a:rPr lang="zh-CN" altLang="en-US" smtClean="0"/>
               <a:pPr/>
-              <a:t>22/10/13</a:t>
+              <a:t>26/10/2013</a:t>
             </a:fld>
             <a:endParaRPr lang="zh-CN" altLang="en-US"/>
           </a:p>
@@ -6069,20 +6069,6 @@
               </a:rPr>
               <a:t>Acceleration</a:t>
             </a:r>
-            <a:endParaRPr kumimoji="0" lang="en-US" sz="3200" b="0" i="0" strike="noStrike" kern="1200" cap="none" spc="0" normalizeH="0" noProof="0" dirty="0" smtClean="0">
-              <a:ln>
-                <a:noFill/>
-              </a:ln>
-              <a:solidFill>
-                <a:srgbClr val="FFFFFF"/>
-              </a:solidFill>
-              <a:effectLst/>
-              <a:uLnTx/>
-              <a:uFillTx/>
-              <a:latin typeface="+mj-lt"/>
-              <a:ea typeface="+mj-ea"/>
-              <a:cs typeface="+mj-cs"/>
-            </a:endParaRPr>
           </a:p>
         </p:txBody>
       </p:sp>
@@ -6239,7 +6225,7 @@
         </p:nvSpPr>
         <p:spPr>
           <a:xfrm>
-            <a:off x="299113" y="457200"/>
+            <a:off x="304800" y="152400"/>
             <a:ext cx="4120487" cy="685799"/>
           </a:xfrm>
           <a:prstGeom prst="rect">
@@ -6309,140 +6295,829 @@
       </p:sp>
       <p:graphicFrame>
         <p:nvGraphicFramePr>
-          <p:cNvPr id="3" name="Table 2"/>
+          <p:cNvPr id="7" name="Table 6"/>
           <p:cNvGraphicFramePr>
             <a:graphicFrameLocks noGrp="1"/>
           </p:cNvGraphicFramePr>
           <p:nvPr>
             <p:extLst>
               <p:ext uri="{D42A27DB-BD31-4B8C-83A1-F6EECF244321}">
-                <p14:modId xmlns:p14="http://schemas.microsoft.com/office/powerpoint/2010/main" val="4079283378"/>
+                <p14:modId xmlns:p14="http://schemas.microsoft.com/office/powerpoint/2010/main" val="2800455779"/>
               </p:ext>
             </p:extLst>
           </p:nvPr>
         </p:nvGraphicFramePr>
         <p:xfrm>
-          <a:off x="457200" y="1447800"/>
-          <a:ext cx="8229600" cy="4953000"/>
+          <a:off x="304800" y="1066800"/>
+          <a:ext cx="8610600" cy="5375204"/>
         </p:xfrm>
         <a:graphic>
           <a:graphicData uri="http://schemas.openxmlformats.org/drawingml/2006/table">
             <a:tbl>
               <a:tblPr firstRow="1" bandRow="1">
-                <a:tableStyleId>{5C22544A-7EE6-4342-B048-85BDC9FD1C3A}</a:tableStyleId>
+                <a:tableStyleId>{616DA210-FB5B-4158-B5E0-FEB733F419BA}</a:tableStyleId>
               </a:tblPr>
               <a:tblGrid>
-                <a:gridCol w="4114800"/>
-                <a:gridCol w="4114800"/>
+                <a:gridCol w="4305300"/>
+                <a:gridCol w="4305300"/>
               </a:tblGrid>
-              <a:tr h="990600">
+              <a:tr h="685800">
                 <a:tc>
                   <a:txBody>
                     <a:bodyPr/>
                     <a:lstStyle/>
                     <a:p>
-                      <a:endParaRPr lang="en-US" dirty="0"/>
+                      <a:r>
+                        <a:rPr lang="en-US" sz="3200" dirty="0" smtClean="0">
+                          <a:solidFill>
+                            <a:schemeClr val="bg1"/>
+                          </a:solidFill>
+                        </a:rPr>
+                        <a:t>Members</a:t>
+                      </a:r>
+                      <a:endParaRPr lang="en-US" sz="3200" dirty="0">
+                        <a:solidFill>
+                          <a:schemeClr val="bg1"/>
+                        </a:solidFill>
+                      </a:endParaRPr>
                     </a:p>
                   </a:txBody>
-                  <a:tcPr/>
+                  <a:tcPr>
+                    <a:lnB w="28575" cap="flat" cmpd="sng" algn="ctr">
+                      <a:solidFill>
+                        <a:srgbClr val="FFFFFF"/>
+                      </a:solidFill>
+                      <a:prstDash val="solid"/>
+                      <a:round/>
+                      <a:headEnd type="none" w="med" len="med"/>
+                      <a:tailEnd type="none" w="med" len="med"/>
+                    </a:lnB>
+                    <a:solidFill>
+                      <a:srgbClr val="FF6600"/>
+                    </a:solidFill>
+                  </a:tcPr>
                 </a:tc>
                 <a:tc>
                   <a:txBody>
                     <a:bodyPr/>
                     <a:lstStyle/>
                     <a:p>
-                      <a:endParaRPr lang="en-US"/>
+                      <a:r>
+                        <a:rPr lang="en-US" sz="3200" dirty="0" smtClean="0">
+                          <a:solidFill>
+                            <a:schemeClr val="bg1"/>
+                          </a:solidFill>
+                        </a:rPr>
+                        <a:t>Tasks</a:t>
+                      </a:r>
+                      <a:endParaRPr lang="en-US" sz="3200" dirty="0">
+                        <a:solidFill>
+                          <a:schemeClr val="bg1"/>
+                        </a:solidFill>
+                      </a:endParaRPr>
                     </a:p>
                   </a:txBody>
-                  <a:tcPr/>
+                  <a:tcPr>
+                    <a:lnB w="28575" cap="flat" cmpd="sng" algn="ctr">
+                      <a:solidFill>
+                        <a:srgbClr val="FFFFFF"/>
+                      </a:solidFill>
+                      <a:prstDash val="solid"/>
+                      <a:round/>
+                      <a:headEnd type="none" w="med" len="med"/>
+                      <a:tailEnd type="none" w="med" len="med"/>
+                    </a:lnB>
+                    <a:solidFill>
+                      <a:srgbClr val="FF6600"/>
+                    </a:solidFill>
+                  </a:tcPr>
                 </a:tc>
               </a:tr>
-              <a:tr h="990600">
+              <a:tr h="1104279">
                 <a:tc>
                   <a:txBody>
                     <a:bodyPr/>
                     <a:lstStyle/>
                     <a:p>
-                      <a:endParaRPr lang="en-US"/>
+                      <a:pPr algn="l"/>
+                      <a:r>
+                        <a:rPr lang="en-AU" sz="3200" b="0" dirty="0" smtClean="0">
+                          <a:solidFill>
+                            <a:srgbClr val="FFFFFF"/>
+                          </a:solidFill>
+                        </a:rPr>
+                        <a:t>Joshua</a:t>
+                      </a:r>
+                      <a:r>
+                        <a:rPr lang="en-AU" sz="3200" b="0" baseline="0" dirty="0" smtClean="0">
+                          <a:solidFill>
+                            <a:srgbClr val="FFFFFF"/>
+                          </a:solidFill>
+                        </a:rPr>
+                        <a:t> Stopper</a:t>
+                      </a:r>
+                      <a:endParaRPr lang="en-AU" sz="3200" b="0" dirty="0">
+                        <a:solidFill>
+                          <a:srgbClr val="FFFFFF"/>
+                        </a:solidFill>
+                      </a:endParaRPr>
                     </a:p>
                   </a:txBody>
-                  <a:tcPr/>
+                  <a:tcPr>
+                    <a:lnL w="28575" cap="flat" cmpd="sng" algn="ctr">
+                      <a:solidFill>
+                        <a:srgbClr val="FFFFFF"/>
+                      </a:solidFill>
+                      <a:prstDash val="solid"/>
+                      <a:round/>
+                      <a:headEnd type="none" w="med" len="med"/>
+                      <a:tailEnd type="none" w="med" len="med"/>
+                    </a:lnL>
+                    <a:lnR w="28575" cap="flat" cmpd="sng" algn="ctr">
+                      <a:solidFill>
+                        <a:srgbClr val="FFFFFF"/>
+                      </a:solidFill>
+                      <a:prstDash val="solid"/>
+                      <a:round/>
+                      <a:headEnd type="none" w="med" len="med"/>
+                      <a:tailEnd type="none" w="med" len="med"/>
+                    </a:lnR>
+                    <a:lnT w="28575" cap="flat" cmpd="sng" algn="ctr">
+                      <a:solidFill>
+                        <a:srgbClr val="FFFFFF"/>
+                      </a:solidFill>
+                      <a:prstDash val="solid"/>
+                      <a:round/>
+                      <a:headEnd type="none" w="med" len="med"/>
+                      <a:tailEnd type="none" w="med" len="med"/>
+                    </a:lnT>
+                    <a:lnB w="28575" cap="flat" cmpd="sng" algn="ctr">
+                      <a:solidFill>
+                        <a:srgbClr val="FFFFFF"/>
+                      </a:solidFill>
+                      <a:prstDash val="solid"/>
+                      <a:round/>
+                      <a:headEnd type="none" w="med" len="med"/>
+                      <a:tailEnd type="none" w="med" len="med"/>
+                    </a:lnB>
+                  </a:tcPr>
                 </a:tc>
                 <a:tc>
                   <a:txBody>
                     <a:bodyPr/>
                     <a:lstStyle/>
                     <a:p>
-                      <a:endParaRPr lang="en-US"/>
+                      <a:r>
+                        <a:rPr lang="en-US" sz="2800" dirty="0" smtClean="0">
+                          <a:solidFill>
+                            <a:schemeClr val="tx1"/>
+                          </a:solidFill>
+                        </a:rPr>
+                        <a:t>Validate</a:t>
+                      </a:r>
+                      <a:r>
+                        <a:rPr lang="en-US" sz="2800" baseline="0" dirty="0" smtClean="0">
+                          <a:solidFill>
+                            <a:schemeClr val="tx1"/>
+                          </a:solidFill>
+                        </a:rPr>
+                        <a:t> valid palm positions</a:t>
+                      </a:r>
+                      <a:endParaRPr lang="en-US" sz="2800" dirty="0">
+                        <a:solidFill>
+                          <a:schemeClr val="tx1"/>
+                        </a:solidFill>
+                      </a:endParaRPr>
                     </a:p>
                   </a:txBody>
-                  <a:tcPr/>
+                  <a:tcPr>
+                    <a:lnL w="28575" cap="flat" cmpd="sng" algn="ctr">
+                      <a:solidFill>
+                        <a:srgbClr val="FFFFFF"/>
+                      </a:solidFill>
+                      <a:prstDash val="solid"/>
+                      <a:round/>
+                      <a:headEnd type="none" w="med" len="med"/>
+                      <a:tailEnd type="none" w="med" len="med"/>
+                    </a:lnL>
+                    <a:lnR w="28575" cap="flat" cmpd="sng" algn="ctr">
+                      <a:solidFill>
+                        <a:srgbClr val="FFFFFF"/>
+                      </a:solidFill>
+                      <a:prstDash val="solid"/>
+                      <a:round/>
+                      <a:headEnd type="none" w="med" len="med"/>
+                      <a:tailEnd type="none" w="med" len="med"/>
+                    </a:lnR>
+                    <a:lnT w="28575" cap="flat" cmpd="sng" algn="ctr">
+                      <a:solidFill>
+                        <a:srgbClr val="FFFFFF"/>
+                      </a:solidFill>
+                      <a:prstDash val="solid"/>
+                      <a:round/>
+                      <a:headEnd type="none" w="med" len="med"/>
+                      <a:tailEnd type="none" w="med" len="med"/>
+                    </a:lnT>
+                    <a:lnB w="28575" cap="flat" cmpd="sng" algn="ctr">
+                      <a:solidFill>
+                        <a:srgbClr val="FFFFFF"/>
+                      </a:solidFill>
+                      <a:prstDash val="solid"/>
+                      <a:round/>
+                      <a:headEnd type="none" w="med" len="med"/>
+                      <a:tailEnd type="none" w="med" len="med"/>
+                    </a:lnB>
+                    <a:solidFill>
+                      <a:schemeClr val="accent6">
+                        <a:lumMod val="60000"/>
+                        <a:lumOff val="40000"/>
+                      </a:schemeClr>
+                    </a:solidFill>
+                  </a:tcPr>
                 </a:tc>
               </a:tr>
-              <a:tr h="990600">
+              <a:tr h="724521">
                 <a:tc>
                   <a:txBody>
                     <a:bodyPr/>
                     <a:lstStyle/>
                     <a:p>
-                      <a:endParaRPr lang="en-US"/>
+                      <a:pPr algn="l"/>
+                      <a:r>
+                        <a:rPr lang="en-AU" sz="3200" b="0" dirty="0" smtClean="0">
+                          <a:solidFill>
+                            <a:srgbClr val="FFFFFF"/>
+                          </a:solidFill>
+                        </a:rPr>
+                        <a:t>Daniel </a:t>
+                      </a:r>
+                      <a:r>
+                        <a:rPr lang="en-AU" sz="3200" b="0" dirty="0" err="1" smtClean="0">
+                          <a:solidFill>
+                            <a:srgbClr val="FFFFFF"/>
+                          </a:solidFill>
+                        </a:rPr>
+                        <a:t>Corsaletti</a:t>
+                      </a:r>
+                      <a:endParaRPr lang="en-AU" sz="3200" b="0" dirty="0">
+                        <a:solidFill>
+                          <a:srgbClr val="FFFFFF"/>
+                        </a:solidFill>
+                      </a:endParaRPr>
                     </a:p>
                   </a:txBody>
-                  <a:tcPr/>
+                  <a:tcPr>
+                    <a:lnL w="28575" cap="flat" cmpd="sng" algn="ctr">
+                      <a:solidFill>
+                        <a:srgbClr val="FFFFFF"/>
+                      </a:solidFill>
+                      <a:prstDash val="solid"/>
+                      <a:round/>
+                      <a:headEnd type="none" w="med" len="med"/>
+                      <a:tailEnd type="none" w="med" len="med"/>
+                    </a:lnL>
+                    <a:lnR w="28575" cap="flat" cmpd="sng" algn="ctr">
+                      <a:solidFill>
+                        <a:srgbClr val="FFFFFF"/>
+                      </a:solidFill>
+                      <a:prstDash val="solid"/>
+                      <a:round/>
+                      <a:headEnd type="none" w="med" len="med"/>
+                      <a:tailEnd type="none" w="med" len="med"/>
+                    </a:lnR>
+                    <a:lnT w="28575" cap="flat" cmpd="sng" algn="ctr">
+                      <a:solidFill>
+                        <a:srgbClr val="FFFFFF"/>
+                      </a:solidFill>
+                      <a:prstDash val="solid"/>
+                      <a:round/>
+                      <a:headEnd type="none" w="med" len="med"/>
+                      <a:tailEnd type="none" w="med" len="med"/>
+                    </a:lnT>
+                    <a:lnB w="28575" cap="flat" cmpd="sng" algn="ctr">
+                      <a:solidFill>
+                        <a:srgbClr val="FFFFFF"/>
+                      </a:solidFill>
+                      <a:prstDash val="solid"/>
+                      <a:round/>
+                      <a:headEnd type="none" w="med" len="med"/>
+                      <a:tailEnd type="none" w="med" len="med"/>
+                    </a:lnB>
+                  </a:tcPr>
                 </a:tc>
                 <a:tc>
                   <a:txBody>
                     <a:bodyPr/>
                     <a:lstStyle/>
                     <a:p>
-                      <a:endParaRPr lang="en-US" dirty="0"/>
+                      <a:r>
+                        <a:rPr lang="en-US" sz="2800" dirty="0" smtClean="0">
+                          <a:solidFill>
+                            <a:schemeClr val="tx1"/>
+                          </a:solidFill>
+                        </a:rPr>
+                        <a:t>Implement</a:t>
+                      </a:r>
+                      <a:r>
+                        <a:rPr lang="en-US" sz="2800" baseline="0" dirty="0" smtClean="0">
+                          <a:solidFill>
+                            <a:schemeClr val="tx1"/>
+                          </a:solidFill>
+                        </a:rPr>
+                        <a:t> Test Plan</a:t>
+                      </a:r>
+                      <a:endParaRPr lang="en-US" sz="2800" dirty="0">
+                        <a:solidFill>
+                          <a:schemeClr val="tx1"/>
+                        </a:solidFill>
+                      </a:endParaRPr>
                     </a:p>
                   </a:txBody>
-                  <a:tcPr/>
+                  <a:tcPr>
+                    <a:lnL w="28575" cap="flat" cmpd="sng" algn="ctr">
+                      <a:solidFill>
+                        <a:srgbClr val="FFFFFF"/>
+                      </a:solidFill>
+                      <a:prstDash val="solid"/>
+                      <a:round/>
+                      <a:headEnd type="none" w="med" len="med"/>
+                      <a:tailEnd type="none" w="med" len="med"/>
+                    </a:lnL>
+                    <a:lnR w="28575" cap="flat" cmpd="sng" algn="ctr">
+                      <a:solidFill>
+                        <a:srgbClr val="FFFFFF"/>
+                      </a:solidFill>
+                      <a:prstDash val="solid"/>
+                      <a:round/>
+                      <a:headEnd type="none" w="med" len="med"/>
+                      <a:tailEnd type="none" w="med" len="med"/>
+                    </a:lnR>
+                    <a:lnT w="28575" cap="flat" cmpd="sng" algn="ctr">
+                      <a:solidFill>
+                        <a:srgbClr val="FFFFFF"/>
+                      </a:solidFill>
+                      <a:prstDash val="solid"/>
+                      <a:round/>
+                      <a:headEnd type="none" w="med" len="med"/>
+                      <a:tailEnd type="none" w="med" len="med"/>
+                    </a:lnT>
+                    <a:lnB w="28575" cap="flat" cmpd="sng" algn="ctr">
+                      <a:solidFill>
+                        <a:srgbClr val="FFFFFF"/>
+                      </a:solidFill>
+                      <a:prstDash val="solid"/>
+                      <a:round/>
+                      <a:headEnd type="none" w="med" len="med"/>
+                      <a:tailEnd type="none" w="med" len="med"/>
+                    </a:lnB>
+                    <a:solidFill>
+                      <a:schemeClr val="accent6">
+                        <a:lumMod val="60000"/>
+                        <a:lumOff val="40000"/>
+                      </a:schemeClr>
+                    </a:solidFill>
+                  </a:tcPr>
                 </a:tc>
               </a:tr>
-              <a:tr h="990600">
+              <a:tr h="763242">
                 <a:tc>
                   <a:txBody>
                     <a:bodyPr/>
                     <a:lstStyle/>
                     <a:p>
-                      <a:endParaRPr lang="en-US" dirty="0"/>
+                      <a:pPr algn="l"/>
+                      <a:r>
+                        <a:rPr lang="en-AU" sz="3200" b="0" dirty="0" smtClean="0">
+                          <a:solidFill>
+                            <a:srgbClr val="FFFFFF"/>
+                          </a:solidFill>
+                        </a:rPr>
+                        <a:t>Tran </a:t>
+                      </a:r>
+                      <a:r>
+                        <a:rPr lang="en-AU" sz="3200" b="0" dirty="0" err="1" smtClean="0">
+                          <a:solidFill>
+                            <a:srgbClr val="FFFFFF"/>
+                          </a:solidFill>
+                        </a:rPr>
+                        <a:t>Xuong</a:t>
+                      </a:r>
+                      <a:r>
+                        <a:rPr lang="en-AU" sz="3200" b="0" baseline="0" dirty="0" smtClean="0">
+                          <a:solidFill>
+                            <a:srgbClr val="FFFFFF"/>
+                          </a:solidFill>
+                        </a:rPr>
+                        <a:t> Tran</a:t>
+                      </a:r>
+                      <a:endParaRPr lang="en-AU" sz="3200" b="0" dirty="0">
+                        <a:solidFill>
+                          <a:srgbClr val="FFFFFF"/>
+                        </a:solidFill>
+                      </a:endParaRPr>
                     </a:p>
                   </a:txBody>
-                  <a:tcPr/>
+                  <a:tcPr>
+                    <a:lnL w="28575" cap="flat" cmpd="sng" algn="ctr">
+                      <a:solidFill>
+                        <a:srgbClr val="FFFFFF"/>
+                      </a:solidFill>
+                      <a:prstDash val="solid"/>
+                      <a:round/>
+                      <a:headEnd type="none" w="med" len="med"/>
+                      <a:tailEnd type="none" w="med" len="med"/>
+                    </a:lnL>
+                    <a:lnR w="28575" cap="flat" cmpd="sng" algn="ctr">
+                      <a:solidFill>
+                        <a:srgbClr val="FFFFFF"/>
+                      </a:solidFill>
+                      <a:prstDash val="solid"/>
+                      <a:round/>
+                      <a:headEnd type="none" w="med" len="med"/>
+                      <a:tailEnd type="none" w="med" len="med"/>
+                    </a:lnR>
+                    <a:lnT w="28575" cap="flat" cmpd="sng" algn="ctr">
+                      <a:solidFill>
+                        <a:srgbClr val="FFFFFF"/>
+                      </a:solidFill>
+                      <a:prstDash val="solid"/>
+                      <a:round/>
+                      <a:headEnd type="none" w="med" len="med"/>
+                      <a:tailEnd type="none" w="med" len="med"/>
+                    </a:lnT>
+                    <a:lnB w="28575" cap="flat" cmpd="sng" algn="ctr">
+                      <a:solidFill>
+                        <a:srgbClr val="FFFFFF"/>
+                      </a:solidFill>
+                      <a:prstDash val="solid"/>
+                      <a:round/>
+                      <a:headEnd type="none" w="med" len="med"/>
+                      <a:tailEnd type="none" w="med" len="med"/>
+                    </a:lnB>
+                  </a:tcPr>
                 </a:tc>
                 <a:tc>
                   <a:txBody>
                     <a:bodyPr/>
                     <a:lstStyle/>
                     <a:p>
-                      <a:endParaRPr lang="en-US" dirty="0"/>
+                      <a:r>
+                        <a:rPr lang="en-US" sz="2800" dirty="0" smtClean="0">
+                          <a:solidFill>
+                            <a:schemeClr val="tx1"/>
+                          </a:solidFill>
+                        </a:rPr>
+                        <a:t>SRS Documents</a:t>
+                      </a:r>
+                      <a:endParaRPr lang="en-US" sz="2800" dirty="0">
+                        <a:solidFill>
+                          <a:schemeClr val="tx1"/>
+                        </a:solidFill>
+                      </a:endParaRPr>
                     </a:p>
                   </a:txBody>
-                  <a:tcPr/>
+                  <a:tcPr>
+                    <a:lnL w="28575" cap="flat" cmpd="sng" algn="ctr">
+                      <a:solidFill>
+                        <a:srgbClr val="FFFFFF"/>
+                      </a:solidFill>
+                      <a:prstDash val="solid"/>
+                      <a:round/>
+                      <a:headEnd type="none" w="med" len="med"/>
+                      <a:tailEnd type="none" w="med" len="med"/>
+                    </a:lnL>
+                    <a:lnR w="28575" cap="flat" cmpd="sng" algn="ctr">
+                      <a:solidFill>
+                        <a:srgbClr val="FFFFFF"/>
+                      </a:solidFill>
+                      <a:prstDash val="solid"/>
+                      <a:round/>
+                      <a:headEnd type="none" w="med" len="med"/>
+                      <a:tailEnd type="none" w="med" len="med"/>
+                    </a:lnR>
+                    <a:lnT w="28575" cap="flat" cmpd="sng" algn="ctr">
+                      <a:solidFill>
+                        <a:srgbClr val="FFFFFF"/>
+                      </a:solidFill>
+                      <a:prstDash val="solid"/>
+                      <a:round/>
+                      <a:headEnd type="none" w="med" len="med"/>
+                      <a:tailEnd type="none" w="med" len="med"/>
+                    </a:lnT>
+                    <a:lnB w="28575" cap="flat" cmpd="sng" algn="ctr">
+                      <a:solidFill>
+                        <a:srgbClr val="FFFFFF"/>
+                      </a:solidFill>
+                      <a:prstDash val="solid"/>
+                      <a:round/>
+                      <a:headEnd type="none" w="med" len="med"/>
+                      <a:tailEnd type="none" w="med" len="med"/>
+                    </a:lnB>
+                    <a:solidFill>
+                      <a:schemeClr val="accent6">
+                        <a:lumMod val="60000"/>
+                        <a:lumOff val="40000"/>
+                      </a:schemeClr>
+                    </a:solidFill>
+                  </a:tcPr>
                 </a:tc>
               </a:tr>
-              <a:tr h="990600">
+              <a:tr h="725763">
                 <a:tc>
                   <a:txBody>
                     <a:bodyPr/>
                     <a:lstStyle/>
                     <a:p>
-                      <a:endParaRPr lang="en-US" dirty="0"/>
+                      <a:pPr algn="l"/>
+                      <a:r>
+                        <a:rPr lang="en-AU" sz="3200" b="0" dirty="0" err="1" smtClean="0">
+                          <a:solidFill>
+                            <a:srgbClr val="FFFFFF"/>
+                          </a:solidFill>
+                        </a:rPr>
+                        <a:t>Shengwei</a:t>
+                      </a:r>
+                      <a:r>
+                        <a:rPr lang="en-AU" sz="3200" b="0" dirty="0" smtClean="0">
+                          <a:solidFill>
+                            <a:srgbClr val="FFFFFF"/>
+                          </a:solidFill>
+                        </a:rPr>
+                        <a:t> Li</a:t>
+                      </a:r>
+                      <a:endParaRPr lang="en-AU" sz="3200" b="0" dirty="0">
+                        <a:solidFill>
+                          <a:srgbClr val="FFFFFF"/>
+                        </a:solidFill>
+                      </a:endParaRPr>
                     </a:p>
                   </a:txBody>
-                  <a:tcPr/>
+                  <a:tcPr>
+                    <a:lnL w="28575" cap="flat" cmpd="sng" algn="ctr">
+                      <a:solidFill>
+                        <a:srgbClr val="FFFFFF"/>
+                      </a:solidFill>
+                      <a:prstDash val="solid"/>
+                      <a:round/>
+                      <a:headEnd type="none" w="med" len="med"/>
+                      <a:tailEnd type="none" w="med" len="med"/>
+                    </a:lnL>
+                    <a:lnR w="28575" cap="flat" cmpd="sng" algn="ctr">
+                      <a:solidFill>
+                        <a:srgbClr val="FFFFFF"/>
+                      </a:solidFill>
+                      <a:prstDash val="solid"/>
+                      <a:round/>
+                      <a:headEnd type="none" w="med" len="med"/>
+                      <a:tailEnd type="none" w="med" len="med"/>
+                    </a:lnR>
+                    <a:lnT w="28575" cap="flat" cmpd="sng" algn="ctr">
+                      <a:solidFill>
+                        <a:srgbClr val="FFFFFF"/>
+                      </a:solidFill>
+                      <a:prstDash val="solid"/>
+                      <a:round/>
+                      <a:headEnd type="none" w="med" len="med"/>
+                      <a:tailEnd type="none" w="med" len="med"/>
+                    </a:lnT>
+                    <a:lnB w="28575" cap="flat" cmpd="sng" algn="ctr">
+                      <a:solidFill>
+                        <a:srgbClr val="FFFFFF"/>
+                      </a:solidFill>
+                      <a:prstDash val="solid"/>
+                      <a:round/>
+                      <a:headEnd type="none" w="med" len="med"/>
+                      <a:tailEnd type="none" w="med" len="med"/>
+                    </a:lnB>
+                  </a:tcPr>
                 </a:tc>
                 <a:tc>
                   <a:txBody>
                     <a:bodyPr/>
                     <a:lstStyle/>
                     <a:p>
-                      <a:endParaRPr lang="en-US" dirty="0"/>
+                      <a:r>
+                        <a:rPr lang="en-US" sz="2800" dirty="0" smtClean="0">
+                          <a:solidFill>
+                            <a:schemeClr val="tx1"/>
+                          </a:solidFill>
+                        </a:rPr>
+                        <a:t>DP</a:t>
+                      </a:r>
+                      <a:r>
+                        <a:rPr lang="en-US" sz="2800" baseline="0" dirty="0" smtClean="0">
+                          <a:solidFill>
+                            <a:schemeClr val="tx1"/>
+                          </a:solidFill>
+                        </a:rPr>
+                        <a:t> and SRS Documents</a:t>
+                      </a:r>
+                      <a:endParaRPr lang="en-US" sz="2800" dirty="0">
+                        <a:solidFill>
+                          <a:schemeClr val="tx1"/>
+                        </a:solidFill>
+                      </a:endParaRPr>
                     </a:p>
                   </a:txBody>
-                  <a:tcPr/>
+                  <a:tcPr>
+                    <a:lnL w="28575" cap="flat" cmpd="sng" algn="ctr">
+                      <a:solidFill>
+                        <a:srgbClr val="FFFFFF"/>
+                      </a:solidFill>
+                      <a:prstDash val="solid"/>
+                      <a:round/>
+                      <a:headEnd type="none" w="med" len="med"/>
+                      <a:tailEnd type="none" w="med" len="med"/>
+                    </a:lnL>
+                    <a:lnR w="28575" cap="flat" cmpd="sng" algn="ctr">
+                      <a:solidFill>
+                        <a:srgbClr val="FFFFFF"/>
+                      </a:solidFill>
+                      <a:prstDash val="solid"/>
+                      <a:round/>
+                      <a:headEnd type="none" w="med" len="med"/>
+                      <a:tailEnd type="none" w="med" len="med"/>
+                    </a:lnR>
+                    <a:lnT w="28575" cap="flat" cmpd="sng" algn="ctr">
+                      <a:solidFill>
+                        <a:srgbClr val="FFFFFF"/>
+                      </a:solidFill>
+                      <a:prstDash val="solid"/>
+                      <a:round/>
+                      <a:headEnd type="none" w="med" len="med"/>
+                      <a:tailEnd type="none" w="med" len="med"/>
+                    </a:lnT>
+                    <a:lnB w="28575" cap="flat" cmpd="sng" algn="ctr">
+                      <a:solidFill>
+                        <a:srgbClr val="FFFFFF"/>
+                      </a:solidFill>
+                      <a:prstDash val="solid"/>
+                      <a:round/>
+                      <a:headEnd type="none" w="med" len="med"/>
+                      <a:tailEnd type="none" w="med" len="med"/>
+                    </a:lnB>
+                    <a:solidFill>
+                      <a:schemeClr val="accent6">
+                        <a:lumMod val="60000"/>
+                        <a:lumOff val="40000"/>
+                      </a:schemeClr>
+                    </a:solidFill>
+                  </a:tcPr>
+                </a:tc>
+              </a:tr>
+              <a:tr h="1104279">
+                <a:tc>
+                  <a:txBody>
+                    <a:bodyPr/>
+                    <a:lstStyle/>
+                    <a:p>
+                      <a:pPr algn="l"/>
+                      <a:r>
+                        <a:rPr lang="en-AU" sz="3200" b="0" dirty="0" smtClean="0">
+                          <a:solidFill>
+                            <a:srgbClr val="FFFFFF"/>
+                          </a:solidFill>
+                        </a:rPr>
+                        <a:t>Minh </a:t>
+                      </a:r>
+                      <a:r>
+                        <a:rPr lang="en-AU" sz="3200" b="0" dirty="0" err="1" smtClean="0">
+                          <a:solidFill>
+                            <a:srgbClr val="FFFFFF"/>
+                          </a:solidFill>
+                        </a:rPr>
+                        <a:t>Duc</a:t>
+                      </a:r>
+                      <a:r>
+                        <a:rPr lang="en-AU" sz="3200" b="0" dirty="0" smtClean="0">
+                          <a:solidFill>
+                            <a:srgbClr val="FFFFFF"/>
+                          </a:solidFill>
+                        </a:rPr>
+                        <a:t> Nguyen</a:t>
+                      </a:r>
+                      <a:endParaRPr lang="en-AU" sz="3200" b="0" dirty="0">
+                        <a:solidFill>
+                          <a:srgbClr val="FFFFFF"/>
+                        </a:solidFill>
+                      </a:endParaRPr>
+                    </a:p>
+                  </a:txBody>
+                  <a:tcPr>
+                    <a:lnL w="28575" cap="flat" cmpd="sng" algn="ctr">
+                      <a:solidFill>
+                        <a:srgbClr val="FFFFFF"/>
+                      </a:solidFill>
+                      <a:prstDash val="solid"/>
+                      <a:round/>
+                      <a:headEnd type="none" w="med" len="med"/>
+                      <a:tailEnd type="none" w="med" len="med"/>
+                    </a:lnL>
+                    <a:lnR w="28575" cap="flat" cmpd="sng" algn="ctr">
+                      <a:solidFill>
+                        <a:srgbClr val="FFFFFF"/>
+                      </a:solidFill>
+                      <a:prstDash val="solid"/>
+                      <a:round/>
+                      <a:headEnd type="none" w="med" len="med"/>
+                      <a:tailEnd type="none" w="med" len="med"/>
+                    </a:lnR>
+                    <a:lnT w="28575" cap="flat" cmpd="sng" algn="ctr">
+                      <a:solidFill>
+                        <a:srgbClr val="FFFFFF"/>
+                      </a:solidFill>
+                      <a:prstDash val="solid"/>
+                      <a:round/>
+                      <a:headEnd type="none" w="med" len="med"/>
+                      <a:tailEnd type="none" w="med" len="med"/>
+                    </a:lnT>
+                    <a:lnB w="28575" cap="flat" cmpd="sng" algn="ctr">
+                      <a:solidFill>
+                        <a:srgbClr val="FFFFFF"/>
+                      </a:solidFill>
+                      <a:prstDash val="solid"/>
+                      <a:round/>
+                      <a:headEnd type="none" w="med" len="med"/>
+                      <a:tailEnd type="none" w="med" len="med"/>
+                    </a:lnB>
+                  </a:tcPr>
+                </a:tc>
+                <a:tc>
+                  <a:txBody>
+                    <a:bodyPr/>
+                    <a:lstStyle/>
+                    <a:p>
+                      <a:pPr algn="l"/>
+                      <a:r>
+                        <a:rPr lang="en-AU" sz="2800" b="0" dirty="0" smtClean="0">
+                          <a:solidFill>
+                            <a:schemeClr val="tx1"/>
+                          </a:solidFill>
+                        </a:rPr>
+                        <a:t>Design Interface, form validations</a:t>
+                      </a:r>
+                    </a:p>
+                    <a:p>
+                      <a:pPr algn="l"/>
+                      <a:r>
+                        <a:rPr lang="en-AU" sz="2800" b="0" dirty="0" smtClean="0">
+                          <a:solidFill>
+                            <a:schemeClr val="tx1"/>
+                          </a:solidFill>
+                        </a:rPr>
+                        <a:t>Technical Manuals</a:t>
+                      </a:r>
+                      <a:endParaRPr lang="en-AU" sz="2800" b="0" dirty="0">
+                        <a:solidFill>
+                          <a:schemeClr val="tx1"/>
+                        </a:solidFill>
+                      </a:endParaRPr>
+                    </a:p>
+                  </a:txBody>
+                  <a:tcPr>
+                    <a:lnL w="28575" cap="flat" cmpd="sng" algn="ctr">
+                      <a:solidFill>
+                        <a:srgbClr val="FFFFFF"/>
+                      </a:solidFill>
+                      <a:prstDash val="solid"/>
+                      <a:round/>
+                      <a:headEnd type="none" w="med" len="med"/>
+                      <a:tailEnd type="none" w="med" len="med"/>
+                    </a:lnL>
+                    <a:lnR w="28575" cap="flat" cmpd="sng" algn="ctr">
+                      <a:solidFill>
+                        <a:srgbClr val="FFFFFF"/>
+                      </a:solidFill>
+                      <a:prstDash val="solid"/>
+                      <a:round/>
+                      <a:headEnd type="none" w="med" len="med"/>
+                      <a:tailEnd type="none" w="med" len="med"/>
+                    </a:lnR>
+                    <a:lnT w="28575" cap="flat" cmpd="sng" algn="ctr">
+                      <a:solidFill>
+                        <a:srgbClr val="FFFFFF"/>
+                      </a:solidFill>
+                      <a:prstDash val="solid"/>
+                      <a:round/>
+                      <a:headEnd type="none" w="med" len="med"/>
+                      <a:tailEnd type="none" w="med" len="med"/>
+                    </a:lnT>
+                    <a:lnB w="28575" cap="flat" cmpd="sng" algn="ctr">
+                      <a:solidFill>
+                        <a:srgbClr val="FFFFFF"/>
+                      </a:solidFill>
+                      <a:prstDash val="solid"/>
+                      <a:round/>
+                      <a:headEnd type="none" w="med" len="med"/>
+                      <a:tailEnd type="none" w="med" len="med"/>
+                    </a:lnB>
+                    <a:solidFill>
+                      <a:schemeClr val="accent6">
+                        <a:lumMod val="60000"/>
+                        <a:lumOff val="40000"/>
+                      </a:schemeClr>
+                    </a:solidFill>
+                  </a:tcPr>
                 </a:tc>
               </a:tr>
             </a:tbl>

--- a/Presentaton slide/HIT3061 SOFTWARE TEAM PROJECT week 11.pptx
+++ b/Presentaton slide/HIT3061 SOFTWARE TEAM PROJECT week 11.pptx
@@ -204,7 +204,7 @@
             <a:fld id="{4BDC485C-C49A-4366-A320-D4D420BCC7DA}" type="datetimeFigureOut">
               <a:rPr lang="en-AU" smtClean="0"/>
               <a:pPr/>
-              <a:t>26/10/2013</a:t>
+              <a:t>28/10/2013</a:t>
             </a:fld>
             <a:endParaRPr lang="en-AU"/>
           </a:p>
@@ -655,7 +655,7 @@
             <a:fld id="{CF629A08-2B0F-4620-BF31-E09740D255D1}" type="datetimeFigureOut">
               <a:rPr lang="zh-CN" altLang="en-US" smtClean="0"/>
               <a:pPr/>
-              <a:t>26/10/2013</a:t>
+              <a:t>28/10/2013</a:t>
             </a:fld>
             <a:endParaRPr lang="zh-CN" altLang="en-US"/>
           </a:p>
@@ -827,7 +827,7 @@
             <a:fld id="{CF629A08-2B0F-4620-BF31-E09740D255D1}" type="datetimeFigureOut">
               <a:rPr lang="zh-CN" altLang="en-US" smtClean="0"/>
               <a:pPr/>
-              <a:t>26/10/2013</a:t>
+              <a:t>28/10/2013</a:t>
             </a:fld>
             <a:endParaRPr lang="zh-CN" altLang="en-US"/>
           </a:p>
@@ -1009,7 +1009,7 @@
             <a:fld id="{CF629A08-2B0F-4620-BF31-E09740D255D1}" type="datetimeFigureOut">
               <a:rPr lang="zh-CN" altLang="en-US" smtClean="0"/>
               <a:pPr/>
-              <a:t>26/10/2013</a:t>
+              <a:t>28/10/2013</a:t>
             </a:fld>
             <a:endParaRPr lang="zh-CN" altLang="en-US"/>
           </a:p>
@@ -1181,7 +1181,7 @@
             <a:fld id="{CF629A08-2B0F-4620-BF31-E09740D255D1}" type="datetimeFigureOut">
               <a:rPr lang="zh-CN" altLang="en-US" smtClean="0"/>
               <a:pPr/>
-              <a:t>26/10/2013</a:t>
+              <a:t>28/10/2013</a:t>
             </a:fld>
             <a:endParaRPr lang="zh-CN" altLang="en-US"/>
           </a:p>
@@ -1429,7 +1429,7 @@
             <a:fld id="{CF629A08-2B0F-4620-BF31-E09740D255D1}" type="datetimeFigureOut">
               <a:rPr lang="zh-CN" altLang="en-US" smtClean="0"/>
               <a:pPr/>
-              <a:t>26/10/2013</a:t>
+              <a:t>28/10/2013</a:t>
             </a:fld>
             <a:endParaRPr lang="zh-CN" altLang="en-US"/>
           </a:p>
@@ -1719,7 +1719,7 @@
             <a:fld id="{CF629A08-2B0F-4620-BF31-E09740D255D1}" type="datetimeFigureOut">
               <a:rPr lang="zh-CN" altLang="en-US" smtClean="0"/>
               <a:pPr/>
-              <a:t>26/10/2013</a:t>
+              <a:t>28/10/2013</a:t>
             </a:fld>
             <a:endParaRPr lang="zh-CN" altLang="en-US"/>
           </a:p>
@@ -2143,7 +2143,7 @@
             <a:fld id="{CF629A08-2B0F-4620-BF31-E09740D255D1}" type="datetimeFigureOut">
               <a:rPr lang="zh-CN" altLang="en-US" smtClean="0"/>
               <a:pPr/>
-              <a:t>26/10/2013</a:t>
+              <a:t>28/10/2013</a:t>
             </a:fld>
             <a:endParaRPr lang="zh-CN" altLang="en-US"/>
           </a:p>
@@ -2263,7 +2263,7 @@
             <a:fld id="{CF629A08-2B0F-4620-BF31-E09740D255D1}" type="datetimeFigureOut">
               <a:rPr lang="zh-CN" altLang="en-US" smtClean="0"/>
               <a:pPr/>
-              <a:t>26/10/2013</a:t>
+              <a:t>28/10/2013</a:t>
             </a:fld>
             <a:endParaRPr lang="zh-CN" altLang="en-US"/>
           </a:p>
@@ -2360,7 +2360,7 @@
             <a:fld id="{CF629A08-2B0F-4620-BF31-E09740D255D1}" type="datetimeFigureOut">
               <a:rPr lang="zh-CN" altLang="en-US" smtClean="0"/>
               <a:pPr/>
-              <a:t>26/10/2013</a:t>
+              <a:t>28/10/2013</a:t>
             </a:fld>
             <a:endParaRPr lang="zh-CN" altLang="en-US"/>
           </a:p>
@@ -2639,7 +2639,7 @@
             <a:fld id="{CF629A08-2B0F-4620-BF31-E09740D255D1}" type="datetimeFigureOut">
               <a:rPr lang="zh-CN" altLang="en-US" smtClean="0"/>
               <a:pPr/>
-              <a:t>26/10/2013</a:t>
+              <a:t>28/10/2013</a:t>
             </a:fld>
             <a:endParaRPr lang="zh-CN" altLang="en-US"/>
           </a:p>
@@ -2898,7 +2898,7 @@
             <a:fld id="{CF629A08-2B0F-4620-BF31-E09740D255D1}" type="datetimeFigureOut">
               <a:rPr lang="zh-CN" altLang="en-US" smtClean="0"/>
               <a:pPr/>
-              <a:t>26/10/2013</a:t>
+              <a:t>28/10/2013</a:t>
             </a:fld>
             <a:endParaRPr lang="zh-CN" altLang="en-US"/>
           </a:p>
@@ -3116,7 +3116,7 @@
             <a:fld id="{CF629A08-2B0F-4620-BF31-E09740D255D1}" type="datetimeFigureOut">
               <a:rPr lang="zh-CN" altLang="en-US" smtClean="0"/>
               <a:pPr/>
-              <a:t>26/10/2013</a:t>
+              <a:t>28/10/2013</a:t>
             </a:fld>
             <a:endParaRPr lang="zh-CN" altLang="en-US"/>
           </a:p>
@@ -7345,6 +7345,48 @@
           </a:p>
         </p:txBody>
       </p:sp>
+      <p:pic>
+        <p:nvPicPr>
+          <p:cNvPr id="6" name="Picture 5" descr="Macintosh HD:Users:ng0kylan:Desktop:Screen Shot 2013-10-17 at 12.20.05 AM.png"/>
+          <p:cNvPicPr/>
+          <p:nvPr/>
+        </p:nvPicPr>
+        <p:blipFill rotWithShape="1">
+          <a:blip r:embed="rId3">
+            <a:extLst>
+              <a:ext uri="{28A0092B-C50C-407E-A947-70E740481C1C}">
+                <a14:useLocalDpi xmlns:a14="http://schemas.microsoft.com/office/drawing/2010/main" val="0"/>
+              </a:ext>
+            </a:extLst>
+          </a:blip>
+          <a:srcRect l="18496" t="15793" r="2970" b="6261"/>
+          <a:stretch/>
+        </p:blipFill>
+        <p:spPr bwMode="auto">
+          <a:xfrm>
+            <a:off x="1869122" y="1751330"/>
+            <a:ext cx="5405755" cy="3355340"/>
+          </a:xfrm>
+          <a:prstGeom prst="rect">
+            <a:avLst/>
+          </a:prstGeom>
+          <a:ln>
+            <a:noFill/>
+          </a:ln>
+          <a:effectLst>
+            <a:outerShdw blurRad="292100" dist="139700" dir="2700000" algn="tl" rotWithShape="0">
+              <a:srgbClr val="333333">
+                <a:alpha val="65000"/>
+              </a:srgbClr>
+            </a:outerShdw>
+          </a:effectLst>
+          <a:extLst>
+            <a:ext uri="{53640926-AAD7-44d8-BBD7-CCE9431645EC}">
+              <a14:shadowObscured xmlns:a14="http://schemas.microsoft.com/office/drawing/2010/main"/>
+            </a:ext>
+          </a:extLst>
+        </p:spPr>
+      </p:pic>
     </p:spTree>
     <p:extLst>
       <p:ext uri="{BB962C8B-B14F-4D97-AF65-F5344CB8AC3E}">
@@ -7566,6 +7608,42 @@
           </a:p>
         </p:txBody>
       </p:sp>
+      <p:pic>
+        <p:nvPicPr>
+          <p:cNvPr id="6" name="Picture 5" descr="Macintosh HD:Users:ng0kylan:Desktop:Screen Shot 2013-10-17 at 12.47.55 AM.png"/>
+          <p:cNvPicPr/>
+          <p:nvPr/>
+        </p:nvPicPr>
+        <p:blipFill rotWithShape="1">
+          <a:blip r:embed="rId3">
+            <a:extLst>
+              <a:ext uri="{28A0092B-C50C-407E-A947-70E740481C1C}">
+                <a14:useLocalDpi xmlns:a14="http://schemas.microsoft.com/office/drawing/2010/main" val="0"/>
+              </a:ext>
+            </a:extLst>
+          </a:blip>
+          <a:srcRect l="8622" t="14536"/>
+          <a:stretch/>
+        </p:blipFill>
+        <p:spPr bwMode="auto">
+          <a:xfrm>
+            <a:off x="1382395" y="1563370"/>
+            <a:ext cx="6379210" cy="3731260"/>
+          </a:xfrm>
+          <a:prstGeom prst="rect">
+            <a:avLst/>
+          </a:prstGeom>
+          <a:noFill/>
+          <a:ln>
+            <a:noFill/>
+          </a:ln>
+          <a:extLst>
+            <a:ext uri="{53640926-AAD7-44d8-BBD7-CCE9431645EC}">
+              <a14:shadowObscured xmlns:a14="http://schemas.microsoft.com/office/drawing/2010/main"/>
+            </a:ext>
+          </a:extLst>
+        </p:spPr>
+      </p:pic>
     </p:spTree>
     <p:extLst>
       <p:ext uri="{BB962C8B-B14F-4D97-AF65-F5344CB8AC3E}">
@@ -7787,6 +7865,42 @@
           </a:p>
         </p:txBody>
       </p:sp>
+      <p:pic>
+        <p:nvPicPr>
+          <p:cNvPr id="6" name="Picture 5" descr="Macintosh HD:Users:ng0kylan:Desktop:Screen Shot 2013-10-17 at 12.21.25 AM.png"/>
+          <p:cNvPicPr/>
+          <p:nvPr/>
+        </p:nvPicPr>
+        <p:blipFill rotWithShape="1">
+          <a:blip r:embed="rId3">
+            <a:extLst>
+              <a:ext uri="{28A0092B-C50C-407E-A947-70E740481C1C}">
+                <a14:useLocalDpi xmlns:a14="http://schemas.microsoft.com/office/drawing/2010/main" val="0"/>
+              </a:ext>
+            </a:extLst>
+          </a:blip>
+          <a:srcRect l="25861" t="15789" r="27268" b="6255"/>
+          <a:stretch/>
+        </p:blipFill>
+        <p:spPr bwMode="auto">
+          <a:xfrm>
+            <a:off x="1524000" y="1219200"/>
+            <a:ext cx="5791200" cy="5105400"/>
+          </a:xfrm>
+          <a:prstGeom prst="rect">
+            <a:avLst/>
+          </a:prstGeom>
+          <a:noFill/>
+          <a:ln>
+            <a:noFill/>
+          </a:ln>
+          <a:extLst>
+            <a:ext uri="{53640926-AAD7-44d8-BBD7-CCE9431645EC}">
+              <a14:shadowObscured xmlns:a14="http://schemas.microsoft.com/office/drawing/2010/main"/>
+            </a:ext>
+          </a:extLst>
+        </p:spPr>
+      </p:pic>
     </p:spTree>
     <p:extLst>
       <p:ext uri="{BB962C8B-B14F-4D97-AF65-F5344CB8AC3E}">
